--- a/Capstone_presentation.pptx
+++ b/Capstone_presentation.pptx
@@ -14,7 +14,7 @@
     <p:sldId id="283" r:id="rId8"/>
     <p:sldId id="282" r:id="rId9"/>
     <p:sldId id="288" r:id="rId10"/>
-    <p:sldId id="284" r:id="rId11"/>
+    <p:sldId id="289" r:id="rId11"/>
     <p:sldId id="280" r:id="rId12"/>
   </p:sldIdLst>
   <p:sldSz cx="12192000" cy="6858000"/>
@@ -713,6 +713,586 @@
           </a:p>
         </c:txPr>
         <c:crossAx val="261257232"/>
+        <c:crosses val="autoZero"/>
+        <c:crossBetween val="between"/>
+      </c:valAx>
+      <c:spPr>
+        <a:noFill/>
+        <a:ln>
+          <a:noFill/>
+        </a:ln>
+        <a:effectLst/>
+      </c:spPr>
+    </c:plotArea>
+    <c:plotVisOnly val="1"/>
+    <c:dispBlanksAs val="gap"/>
+    <c:extLst>
+      <c:ext xmlns:c16r3="http://schemas.microsoft.com/office/drawing/2017/03/chart" uri="{56B9EC1D-385E-4148-901F-78D8002777C0}">
+        <c16r3:dataDisplayOptions16>
+          <c16r3:dispNaAsBlank val="1"/>
+        </c16r3:dataDisplayOptions16>
+      </c:ext>
+    </c:extLst>
+    <c:showDLblsOverMax val="0"/>
+  </c:chart>
+  <c:spPr>
+    <a:noFill/>
+    <a:ln>
+      <a:noFill/>
+    </a:ln>
+    <a:effectLst/>
+  </c:spPr>
+  <c:txPr>
+    <a:bodyPr/>
+    <a:lstStyle/>
+    <a:p>
+      <a:pPr>
+        <a:defRPr/>
+      </a:pPr>
+      <a:endParaRPr lang="en-US"/>
+    </a:p>
+  </c:txPr>
+  <c:externalData r:id="rId3">
+    <c:autoUpdate val="0"/>
+  </c:externalData>
+  <c:extLst>
+    <c:ext xmlns:c14="http://schemas.microsoft.com/office/drawing/2007/8/2/chart" uri="{781A3756-C4B2-4CAC-9D66-4F8BD8637D16}">
+      <c14:pivotOptions>
+        <c14:dropZoneFilter val="1"/>
+        <c14:dropZoneCategories val="1"/>
+        <c14:dropZoneData val="1"/>
+      </c14:pivotOptions>
+    </c:ext>
+    <c:ext xmlns:c16="http://schemas.microsoft.com/office/drawing/2014/chart" uri="{E28EC0CA-F0BB-4C9C-879D-F8772B89E7AC}">
+      <c16:pivotOptions16>
+        <c16:showExpandCollapseFieldButtons val="1"/>
+      </c16:pivotOptions16>
+    </c:ext>
+  </c:extLst>
+</c:chartSpace>
+</file>
+
+<file path=ppt/charts/chart10.xml><?xml version="1.0" encoding="utf-8"?>
+<c:chartSpace xmlns:c="http://schemas.openxmlformats.org/drawingml/2006/chart" xmlns:a="http://schemas.openxmlformats.org/drawingml/2006/main" xmlns:r="http://schemas.openxmlformats.org/officeDocument/2006/relationships" xmlns:c16r2="http://schemas.microsoft.com/office/drawing/2015/06/chart">
+  <c:date1904 val="0"/>
+  <c:lang val="en-US"/>
+  <c:roundedCorners val="0"/>
+  <mc:AlternateContent xmlns:mc="http://schemas.openxmlformats.org/markup-compatibility/2006">
+    <mc:Choice xmlns:c14="http://schemas.microsoft.com/office/drawing/2007/8/2/chart" Requires="c14">
+      <c14:style val="102"/>
+    </mc:Choice>
+    <mc:Fallback>
+      <c:style val="2"/>
+    </mc:Fallback>
+  </mc:AlternateContent>
+  <c:pivotSource>
+    <c:name>[c_movie_data.xlsx]Genre2!PivotTable2</c:name>
+    <c:fmtId val="8"/>
+  </c:pivotSource>
+  <c:chart>
+    <c:title>
+      <c:tx>
+        <c:rich>
+          <a:bodyPr rot="0" spcFirstLastPara="1" vertOverflow="ellipsis" vert="horz" wrap="square" anchor="ctr" anchorCtr="1"/>
+          <a:lstStyle/>
+          <a:p>
+            <a:pPr>
+              <a:defRPr sz="1400" b="0" i="0" u="none" strike="noStrike" kern="1200" spc="0" baseline="0">
+                <a:solidFill>
+                  <a:schemeClr val="tx1">
+                    <a:lumMod val="65000"/>
+                    <a:lumOff val="35000"/>
+                  </a:schemeClr>
+                </a:solidFill>
+                <a:latin typeface="+mn-lt"/>
+                <a:ea typeface="+mn-ea"/>
+                <a:cs typeface="+mn-cs"/>
+              </a:defRPr>
+            </a:pPr>
+            <a:r>
+              <a:rPr lang="en-US"/>
+              <a:t>Net</a:t>
+            </a:r>
+            <a:r>
+              <a:rPr lang="en-US" baseline="0"/>
+              <a:t> </a:t>
+            </a:r>
+            <a:r>
+              <a:rPr lang="en-US"/>
+              <a:t>Profit Margin</a:t>
+            </a:r>
+          </a:p>
+        </c:rich>
+      </c:tx>
+      <c:overlay val="0"/>
+      <c:spPr>
+        <a:noFill/>
+        <a:ln>
+          <a:noFill/>
+        </a:ln>
+        <a:effectLst/>
+      </c:spPr>
+      <c:txPr>
+        <a:bodyPr rot="0" spcFirstLastPara="1" vertOverflow="ellipsis" vert="horz" wrap="square" anchor="ctr" anchorCtr="1"/>
+        <a:lstStyle/>
+        <a:p>
+          <a:pPr>
+            <a:defRPr sz="1400" b="0" i="0" u="none" strike="noStrike" kern="1200" spc="0" baseline="0">
+              <a:solidFill>
+                <a:schemeClr val="tx1">
+                  <a:lumMod val="65000"/>
+                  <a:lumOff val="35000"/>
+                </a:schemeClr>
+              </a:solidFill>
+              <a:latin typeface="+mn-lt"/>
+              <a:ea typeface="+mn-ea"/>
+              <a:cs typeface="+mn-cs"/>
+            </a:defRPr>
+          </a:pPr>
+          <a:endParaRPr lang="en-US"/>
+        </a:p>
+      </c:txPr>
+    </c:title>
+    <c:autoTitleDeleted val="0"/>
+    <c:pivotFmts>
+      <c:pivotFmt>
+        <c:idx val="0"/>
+        <c:spPr>
+          <a:solidFill>
+            <a:schemeClr val="accent1"/>
+          </a:solidFill>
+          <a:ln>
+            <a:noFill/>
+          </a:ln>
+          <a:effectLst/>
+        </c:spPr>
+        <c:marker>
+          <c:symbol val="none"/>
+        </c:marker>
+        <c:dLbl>
+          <c:idx val="0"/>
+          <c:numFmt formatCode="0%" sourceLinked="0"/>
+          <c:spPr>
+            <a:noFill/>
+            <a:ln>
+              <a:noFill/>
+            </a:ln>
+            <a:effectLst/>
+          </c:spPr>
+          <c:txPr>
+            <a:bodyPr rot="0" spcFirstLastPara="1" vertOverflow="ellipsis" vert="horz" wrap="square" lIns="38100" tIns="19050" rIns="38100" bIns="19050" anchor="ctr" anchorCtr="1">
+              <a:spAutoFit/>
+            </a:bodyPr>
+            <a:lstStyle/>
+            <a:p>
+              <a:pPr>
+                <a:defRPr sz="900" b="0" i="0" u="none" strike="noStrike" kern="1200" baseline="0">
+                  <a:solidFill>
+                    <a:schemeClr val="tx1">
+                      <a:lumMod val="75000"/>
+                      <a:lumOff val="25000"/>
+                    </a:schemeClr>
+                  </a:solidFill>
+                  <a:latin typeface="+mn-lt"/>
+                  <a:ea typeface="+mn-ea"/>
+                  <a:cs typeface="+mn-cs"/>
+                </a:defRPr>
+              </a:pPr>
+              <a:endParaRPr lang="en-US"/>
+            </a:p>
+          </c:txPr>
+          <c:showLegendKey val="0"/>
+          <c:showVal val="1"/>
+          <c:showCatName val="0"/>
+          <c:showSerName val="0"/>
+          <c:showPercent val="0"/>
+          <c:showBubbleSize val="0"/>
+          <c:extLst>
+            <c:ext xmlns:c15="http://schemas.microsoft.com/office/drawing/2012/chart" uri="{CE6537A1-D6FC-4f65-9D91-7224C49458BB}"/>
+          </c:extLst>
+        </c:dLbl>
+      </c:pivotFmt>
+      <c:pivotFmt>
+        <c:idx val="1"/>
+        <c:spPr>
+          <a:solidFill>
+            <a:schemeClr val="accent1"/>
+          </a:solidFill>
+          <a:ln>
+            <a:noFill/>
+          </a:ln>
+          <a:effectLst/>
+        </c:spPr>
+      </c:pivotFmt>
+      <c:pivotFmt>
+        <c:idx val="2"/>
+        <c:spPr>
+          <a:solidFill>
+            <a:schemeClr val="accent1"/>
+          </a:solidFill>
+          <a:ln>
+            <a:noFill/>
+          </a:ln>
+          <a:effectLst/>
+        </c:spPr>
+        <c:marker>
+          <c:symbol val="none"/>
+        </c:marker>
+        <c:dLbl>
+          <c:idx val="0"/>
+          <c:numFmt formatCode="0%" sourceLinked="0"/>
+          <c:spPr>
+            <a:noFill/>
+            <a:ln>
+              <a:noFill/>
+            </a:ln>
+            <a:effectLst/>
+          </c:spPr>
+          <c:txPr>
+            <a:bodyPr rot="0" spcFirstLastPara="1" vertOverflow="ellipsis" vert="horz" wrap="square" lIns="38100" tIns="19050" rIns="38100" bIns="19050" anchor="ctr" anchorCtr="1">
+              <a:spAutoFit/>
+            </a:bodyPr>
+            <a:lstStyle/>
+            <a:p>
+              <a:pPr>
+                <a:defRPr sz="900" b="0" i="0" u="none" strike="noStrike" kern="1200" baseline="0">
+                  <a:solidFill>
+                    <a:schemeClr val="tx1">
+                      <a:lumMod val="75000"/>
+                      <a:lumOff val="25000"/>
+                    </a:schemeClr>
+                  </a:solidFill>
+                  <a:latin typeface="+mn-lt"/>
+                  <a:ea typeface="+mn-ea"/>
+                  <a:cs typeface="+mn-cs"/>
+                </a:defRPr>
+              </a:pPr>
+              <a:endParaRPr lang="en-US"/>
+            </a:p>
+          </c:txPr>
+          <c:showLegendKey val="0"/>
+          <c:showVal val="1"/>
+          <c:showCatName val="0"/>
+          <c:showSerName val="0"/>
+          <c:showPercent val="0"/>
+          <c:showBubbleSize val="0"/>
+          <c:extLst>
+            <c:ext xmlns:c15="http://schemas.microsoft.com/office/drawing/2012/chart" uri="{CE6537A1-D6FC-4f65-9D91-7224C49458BB}"/>
+          </c:extLst>
+        </c:dLbl>
+      </c:pivotFmt>
+      <c:pivotFmt>
+        <c:idx val="3"/>
+        <c:spPr>
+          <a:solidFill>
+            <a:schemeClr val="accent1"/>
+          </a:solidFill>
+          <a:ln>
+            <a:noFill/>
+          </a:ln>
+          <a:effectLst/>
+        </c:spPr>
+        <c:marker>
+          <c:symbol val="none"/>
+        </c:marker>
+        <c:dLbl>
+          <c:idx val="0"/>
+          <c:numFmt formatCode="0%" sourceLinked="0"/>
+          <c:spPr>
+            <a:noFill/>
+            <a:ln>
+              <a:noFill/>
+            </a:ln>
+            <a:effectLst/>
+          </c:spPr>
+          <c:txPr>
+            <a:bodyPr rot="0" spcFirstLastPara="1" vertOverflow="ellipsis" vert="horz" wrap="square" lIns="38100" tIns="19050" rIns="38100" bIns="19050" anchor="ctr" anchorCtr="1">
+              <a:spAutoFit/>
+            </a:bodyPr>
+            <a:lstStyle/>
+            <a:p>
+              <a:pPr>
+                <a:defRPr sz="900" b="0" i="0" u="none" strike="noStrike" kern="1200" baseline="0">
+                  <a:solidFill>
+                    <a:schemeClr val="tx1">
+                      <a:lumMod val="75000"/>
+                      <a:lumOff val="25000"/>
+                    </a:schemeClr>
+                  </a:solidFill>
+                  <a:latin typeface="+mn-lt"/>
+                  <a:ea typeface="+mn-ea"/>
+                  <a:cs typeface="+mn-cs"/>
+                </a:defRPr>
+              </a:pPr>
+              <a:endParaRPr lang="en-US"/>
+            </a:p>
+          </c:txPr>
+          <c:showLegendKey val="0"/>
+          <c:showVal val="1"/>
+          <c:showCatName val="0"/>
+          <c:showSerName val="0"/>
+          <c:showPercent val="0"/>
+          <c:showBubbleSize val="0"/>
+          <c:extLst>
+            <c:ext xmlns:c15="http://schemas.microsoft.com/office/drawing/2012/chart" uri="{CE6537A1-D6FC-4f65-9D91-7224C49458BB}"/>
+          </c:extLst>
+        </c:dLbl>
+      </c:pivotFmt>
+    </c:pivotFmts>
+    <c:plotArea>
+      <c:layout>
+        <c:manualLayout>
+          <c:layoutTarget val="inner"/>
+          <c:xMode val="edge"/>
+          <c:yMode val="edge"/>
+          <c:x val="7.361783582065197E-2"/>
+          <c:y val="0.10692167213949129"/>
+          <c:w val="0.88737292962615066"/>
+          <c:h val="0.79670996362049973"/>
+        </c:manualLayout>
+      </c:layout>
+      <c:barChart>
+        <c:barDir val="col"/>
+        <c:grouping val="clustered"/>
+        <c:varyColors val="0"/>
+        <c:ser>
+          <c:idx val="0"/>
+          <c:order val="0"/>
+          <c:tx>
+            <c:strRef>
+              <c:f>Genre2!$B$3</c:f>
+              <c:strCache>
+                <c:ptCount val="1"/>
+                <c:pt idx="0">
+                  <c:v>Total</c:v>
+                </c:pt>
+              </c:strCache>
+            </c:strRef>
+          </c:tx>
+          <c:spPr>
+            <a:solidFill>
+              <a:schemeClr val="accent1"/>
+            </a:solidFill>
+            <a:ln>
+              <a:noFill/>
+            </a:ln>
+            <a:effectLst/>
+          </c:spPr>
+          <c:invertIfNegative val="0"/>
+          <c:dLbls>
+            <c:numFmt formatCode="0%" sourceLinked="0"/>
+            <c:spPr>
+              <a:noFill/>
+              <a:ln>
+                <a:noFill/>
+              </a:ln>
+              <a:effectLst/>
+            </c:spPr>
+            <c:txPr>
+              <a:bodyPr rot="0" spcFirstLastPara="1" vertOverflow="ellipsis" vert="horz" wrap="square" lIns="38100" tIns="19050" rIns="38100" bIns="19050" anchor="ctr" anchorCtr="1">
+                <a:spAutoFit/>
+              </a:bodyPr>
+              <a:lstStyle/>
+              <a:p>
+                <a:pPr>
+                  <a:defRPr sz="900" b="0" i="0" u="none" strike="noStrike" kern="1200" baseline="0">
+                    <a:solidFill>
+                      <a:schemeClr val="tx1">
+                        <a:lumMod val="75000"/>
+                        <a:lumOff val="25000"/>
+                      </a:schemeClr>
+                    </a:solidFill>
+                    <a:latin typeface="+mn-lt"/>
+                    <a:ea typeface="+mn-ea"/>
+                    <a:cs typeface="+mn-cs"/>
+                  </a:defRPr>
+                </a:pPr>
+                <a:endParaRPr lang="en-US"/>
+              </a:p>
+            </c:txPr>
+            <c:showLegendKey val="0"/>
+            <c:showVal val="1"/>
+            <c:showCatName val="0"/>
+            <c:showSerName val="0"/>
+            <c:showPercent val="0"/>
+            <c:showBubbleSize val="0"/>
+            <c:showLeaderLines val="0"/>
+            <c:extLst>
+              <c:ext xmlns:c15="http://schemas.microsoft.com/office/drawing/2012/chart" uri="{CE6537A1-D6FC-4f65-9D91-7224C49458BB}">
+                <c15:showLeaderLines val="1"/>
+                <c15:leaderLines>
+                  <c:spPr>
+                    <a:ln w="9525" cap="flat" cmpd="sng" algn="ctr">
+                      <a:solidFill>
+                        <a:schemeClr val="tx1">
+                          <a:lumMod val="35000"/>
+                          <a:lumOff val="65000"/>
+                        </a:schemeClr>
+                      </a:solidFill>
+                      <a:round/>
+                    </a:ln>
+                    <a:effectLst/>
+                  </c:spPr>
+                </c15:leaderLines>
+              </c:ext>
+            </c:extLst>
+          </c:dLbls>
+          <c:cat>
+            <c:strRef>
+              <c:f>Genre2!$A$4:$A$9</c:f>
+              <c:strCache>
+                <c:ptCount val="5"/>
+                <c:pt idx="0">
+                  <c:v>Musical</c:v>
+                </c:pt>
+                <c:pt idx="1">
+                  <c:v>Horror</c:v>
+                </c:pt>
+                <c:pt idx="2">
+                  <c:v>Romantic Comedy</c:v>
+                </c:pt>
+                <c:pt idx="3">
+                  <c:v>Adventure</c:v>
+                </c:pt>
+                <c:pt idx="4">
+                  <c:v>Drama</c:v>
+                </c:pt>
+              </c:strCache>
+            </c:strRef>
+          </c:cat>
+          <c:val>
+            <c:numRef>
+              <c:f>Genre2!$B$4:$B$9</c:f>
+              <c:numCache>
+                <c:formatCode>0.00%</c:formatCode>
+                <c:ptCount val="5"/>
+                <c:pt idx="0">
+                  <c:v>4.7705882352941185</c:v>
+                </c:pt>
+                <c:pt idx="1">
+                  <c:v>3.8087931034482758</c:v>
+                </c:pt>
+                <c:pt idx="2">
+                  <c:v>2.3130232558139534</c:v>
+                </c:pt>
+                <c:pt idx="3">
+                  <c:v>2.1594578313253012</c:v>
+                </c:pt>
+                <c:pt idx="4">
+                  <c:v>2.1170338983050851</c:v>
+                </c:pt>
+              </c:numCache>
+            </c:numRef>
+          </c:val>
+          <c:extLst>
+            <c:ext xmlns:c16="http://schemas.microsoft.com/office/drawing/2014/chart" uri="{C3380CC4-5D6E-409C-BE32-E72D297353CC}">
+              <c16:uniqueId val="{00000000-932E-4AE7-B1EB-A636AC9E12B0}"/>
+            </c:ext>
+          </c:extLst>
+        </c:ser>
+        <c:dLbls>
+          <c:showLegendKey val="0"/>
+          <c:showVal val="0"/>
+          <c:showCatName val="0"/>
+          <c:showSerName val="0"/>
+          <c:showPercent val="0"/>
+          <c:showBubbleSize val="0"/>
+        </c:dLbls>
+        <c:gapWidth val="219"/>
+        <c:overlap val="-27"/>
+        <c:axId val="62188288"/>
+        <c:axId val="62190368"/>
+      </c:barChart>
+      <c:catAx>
+        <c:axId val="62188288"/>
+        <c:scaling>
+          <c:orientation val="minMax"/>
+        </c:scaling>
+        <c:delete val="0"/>
+        <c:axPos val="b"/>
+        <c:numFmt formatCode="General" sourceLinked="1"/>
+        <c:majorTickMark val="none"/>
+        <c:minorTickMark val="none"/>
+        <c:tickLblPos val="nextTo"/>
+        <c:spPr>
+          <a:noFill/>
+          <a:ln w="9525" cap="flat" cmpd="sng" algn="ctr">
+            <a:solidFill>
+              <a:schemeClr val="tx1">
+                <a:lumMod val="15000"/>
+                <a:lumOff val="85000"/>
+              </a:schemeClr>
+            </a:solidFill>
+            <a:round/>
+          </a:ln>
+          <a:effectLst/>
+        </c:spPr>
+        <c:txPr>
+          <a:bodyPr rot="-60000000" spcFirstLastPara="1" vertOverflow="ellipsis" vert="horz" wrap="square" anchor="ctr" anchorCtr="1"/>
+          <a:lstStyle/>
+          <a:p>
+            <a:pPr>
+              <a:defRPr sz="900" b="0" i="0" u="none" strike="noStrike" kern="1200" baseline="0">
+                <a:solidFill>
+                  <a:schemeClr val="tx1">
+                    <a:lumMod val="65000"/>
+                    <a:lumOff val="35000"/>
+                  </a:schemeClr>
+                </a:solidFill>
+                <a:latin typeface="+mn-lt"/>
+                <a:ea typeface="+mn-ea"/>
+                <a:cs typeface="+mn-cs"/>
+              </a:defRPr>
+            </a:pPr>
+            <a:endParaRPr lang="en-US"/>
+          </a:p>
+        </c:txPr>
+        <c:crossAx val="62190368"/>
+        <c:crosses val="autoZero"/>
+        <c:auto val="1"/>
+        <c:lblAlgn val="ctr"/>
+        <c:lblOffset val="100"/>
+        <c:noMultiLvlLbl val="0"/>
+      </c:catAx>
+      <c:valAx>
+        <c:axId val="62190368"/>
+        <c:scaling>
+          <c:orientation val="minMax"/>
+        </c:scaling>
+        <c:delete val="0"/>
+        <c:axPos val="l"/>
+        <c:numFmt formatCode="0%" sourceLinked="0"/>
+        <c:majorTickMark val="none"/>
+        <c:minorTickMark val="none"/>
+        <c:tickLblPos val="nextTo"/>
+        <c:spPr>
+          <a:noFill/>
+          <a:ln>
+            <a:noFill/>
+          </a:ln>
+          <a:effectLst/>
+        </c:spPr>
+        <c:txPr>
+          <a:bodyPr rot="-60000000" spcFirstLastPara="1" vertOverflow="ellipsis" vert="horz" wrap="square" anchor="ctr" anchorCtr="1"/>
+          <a:lstStyle/>
+          <a:p>
+            <a:pPr>
+              <a:defRPr sz="900" b="0" i="0" u="none" strike="noStrike" kern="1200" baseline="0">
+                <a:solidFill>
+                  <a:schemeClr val="tx1">
+                    <a:lumMod val="65000"/>
+                    <a:lumOff val="35000"/>
+                  </a:schemeClr>
+                </a:solidFill>
+                <a:latin typeface="+mn-lt"/>
+                <a:ea typeface="+mn-ea"/>
+                <a:cs typeface="+mn-cs"/>
+              </a:defRPr>
+            </a:pPr>
+            <a:endParaRPr lang="en-US"/>
+          </a:p>
+        </c:txPr>
+        <c:crossAx val="62188288"/>
         <c:crosses val="autoZero"/>
         <c:crossBetween val="between"/>
       </c:valAx>
@@ -2175,7 +2755,7 @@
           <a:effectLst/>
         </c:spPr>
         <c:txPr>
-          <a:bodyPr rot="-60000000" spcFirstLastPara="1" vertOverflow="ellipsis" vert="horz" wrap="square" anchor="ctr" anchorCtr="1"/>
+          <a:bodyPr rot="-1800000" spcFirstLastPara="1" vertOverflow="ellipsis" wrap="square" anchor="ctr" anchorCtr="1"/>
           <a:lstStyle/>
           <a:p>
             <a:pPr>
@@ -2876,7 +3456,7 @@
           <a:effectLst/>
         </c:spPr>
         <c:txPr>
-          <a:bodyPr rot="-60000000" spcFirstLastPara="1" vertOverflow="ellipsis" vert="horz" wrap="square" anchor="ctr" anchorCtr="1"/>
+          <a:bodyPr rot="-1800000" spcFirstLastPara="1" vertOverflow="ellipsis" wrap="square" anchor="ctr" anchorCtr="1"/>
           <a:lstStyle/>
           <a:p>
             <a:pPr>
@@ -3060,8 +3640,821 @@
     </mc:Fallback>
   </mc:AlternateContent>
   <c:pivotSource>
-    <c:name>[c_movie_data.xlsx]Sheet6!PivotTable8</c:name>
+    <c:name>[c_movie_data.xlsx]SB_t3!PivotTable9</c:name>
     <c:fmtId val="4"/>
+  </c:pivotSource>
+  <c:chart>
+    <c:autoTitleDeleted val="0"/>
+    <c:pivotFmts>
+      <c:pivotFmt>
+        <c:idx val="0"/>
+        <c:spPr>
+          <a:solidFill>
+            <a:schemeClr val="accent1"/>
+          </a:solidFill>
+          <a:ln>
+            <a:noFill/>
+          </a:ln>
+          <a:effectLst/>
+        </c:spPr>
+        <c:marker>
+          <c:symbol val="none"/>
+        </c:marker>
+        <c:dLbl>
+          <c:idx val="0"/>
+          <c:spPr>
+            <a:noFill/>
+            <a:ln>
+              <a:noFill/>
+            </a:ln>
+            <a:effectLst/>
+          </c:spPr>
+          <c:txPr>
+            <a:bodyPr rot="0" spcFirstLastPara="1" vertOverflow="ellipsis" vert="horz" wrap="square" lIns="38100" tIns="19050" rIns="38100" bIns="19050" anchor="ctr" anchorCtr="1">
+              <a:spAutoFit/>
+            </a:bodyPr>
+            <a:lstStyle/>
+            <a:p>
+              <a:pPr>
+                <a:defRPr sz="900" b="0" i="0" u="none" strike="noStrike" kern="1200" baseline="0">
+                  <a:solidFill>
+                    <a:schemeClr val="tx1">
+                      <a:lumMod val="75000"/>
+                      <a:lumOff val="25000"/>
+                    </a:schemeClr>
+                  </a:solidFill>
+                  <a:latin typeface="+mn-lt"/>
+                  <a:ea typeface="+mn-ea"/>
+                  <a:cs typeface="+mn-cs"/>
+                </a:defRPr>
+              </a:pPr>
+              <a:endParaRPr lang="en-US"/>
+            </a:p>
+          </c:txPr>
+          <c:showLegendKey val="0"/>
+          <c:showVal val="0"/>
+          <c:showCatName val="0"/>
+          <c:showSerName val="0"/>
+          <c:showPercent val="0"/>
+          <c:showBubbleSize val="0"/>
+          <c:extLst>
+            <c:ext xmlns:c15="http://schemas.microsoft.com/office/drawing/2012/chart" uri="{CE6537A1-D6FC-4f65-9D91-7224C49458BB}"/>
+          </c:extLst>
+        </c:dLbl>
+      </c:pivotFmt>
+      <c:pivotFmt>
+        <c:idx val="1"/>
+        <c:spPr>
+          <a:solidFill>
+            <a:schemeClr val="accent1"/>
+          </a:solidFill>
+          <a:ln>
+            <a:noFill/>
+          </a:ln>
+          <a:effectLst/>
+        </c:spPr>
+        <c:marker>
+          <c:symbol val="none"/>
+        </c:marker>
+        <c:dLbl>
+          <c:idx val="0"/>
+          <c:spPr>
+            <a:noFill/>
+            <a:ln>
+              <a:noFill/>
+            </a:ln>
+            <a:effectLst/>
+          </c:spPr>
+          <c:txPr>
+            <a:bodyPr rot="0" spcFirstLastPara="1" vertOverflow="ellipsis" vert="horz" wrap="square" lIns="38100" tIns="19050" rIns="38100" bIns="19050" anchor="ctr" anchorCtr="1">
+              <a:spAutoFit/>
+            </a:bodyPr>
+            <a:lstStyle/>
+            <a:p>
+              <a:pPr>
+                <a:defRPr sz="900" b="0" i="0" u="none" strike="noStrike" kern="1200" baseline="0">
+                  <a:solidFill>
+                    <a:schemeClr val="tx1">
+                      <a:lumMod val="75000"/>
+                      <a:lumOff val="25000"/>
+                    </a:schemeClr>
+                  </a:solidFill>
+                  <a:latin typeface="+mn-lt"/>
+                  <a:ea typeface="+mn-ea"/>
+                  <a:cs typeface="+mn-cs"/>
+                </a:defRPr>
+              </a:pPr>
+              <a:endParaRPr lang="en-US"/>
+            </a:p>
+          </c:txPr>
+          <c:showLegendKey val="0"/>
+          <c:showVal val="0"/>
+          <c:showCatName val="0"/>
+          <c:showSerName val="0"/>
+          <c:showPercent val="0"/>
+          <c:showBubbleSize val="0"/>
+          <c:extLst>
+            <c:ext xmlns:c15="http://schemas.microsoft.com/office/drawing/2012/chart" uri="{CE6537A1-D6FC-4f65-9D91-7224C49458BB}"/>
+          </c:extLst>
+        </c:dLbl>
+      </c:pivotFmt>
+      <c:pivotFmt>
+        <c:idx val="2"/>
+        <c:spPr>
+          <a:solidFill>
+            <a:schemeClr val="accent1"/>
+          </a:solidFill>
+          <a:ln>
+            <a:noFill/>
+          </a:ln>
+          <a:effectLst/>
+        </c:spPr>
+        <c:marker>
+          <c:symbol val="none"/>
+        </c:marker>
+        <c:dLbl>
+          <c:idx val="0"/>
+          <c:spPr>
+            <a:noFill/>
+            <a:ln>
+              <a:noFill/>
+            </a:ln>
+            <a:effectLst/>
+          </c:spPr>
+          <c:txPr>
+            <a:bodyPr rot="0" spcFirstLastPara="1" vertOverflow="ellipsis" vert="horz" wrap="square" lIns="38100" tIns="19050" rIns="38100" bIns="19050" anchor="ctr" anchorCtr="1">
+              <a:spAutoFit/>
+            </a:bodyPr>
+            <a:lstStyle/>
+            <a:p>
+              <a:pPr>
+                <a:defRPr sz="900" b="0" i="0" u="none" strike="noStrike" kern="1200" baseline="0">
+                  <a:solidFill>
+                    <a:schemeClr val="tx1">
+                      <a:lumMod val="75000"/>
+                      <a:lumOff val="25000"/>
+                    </a:schemeClr>
+                  </a:solidFill>
+                  <a:latin typeface="+mn-lt"/>
+                  <a:ea typeface="+mn-ea"/>
+                  <a:cs typeface="+mn-cs"/>
+                </a:defRPr>
+              </a:pPr>
+              <a:endParaRPr lang="en-US"/>
+            </a:p>
+          </c:txPr>
+          <c:showLegendKey val="0"/>
+          <c:showVal val="0"/>
+          <c:showCatName val="0"/>
+          <c:showSerName val="0"/>
+          <c:showPercent val="0"/>
+          <c:showBubbleSize val="0"/>
+          <c:extLst>
+            <c:ext xmlns:c15="http://schemas.microsoft.com/office/drawing/2012/chart" uri="{CE6537A1-D6FC-4f65-9D91-7224C49458BB}"/>
+          </c:extLst>
+        </c:dLbl>
+      </c:pivotFmt>
+      <c:pivotFmt>
+        <c:idx val="3"/>
+        <c:spPr>
+          <a:solidFill>
+            <a:schemeClr val="accent1"/>
+          </a:solidFill>
+          <a:ln>
+            <a:noFill/>
+          </a:ln>
+          <a:effectLst/>
+        </c:spPr>
+        <c:marker>
+          <c:symbol val="none"/>
+        </c:marker>
+        <c:dLbl>
+          <c:idx val="0"/>
+          <c:spPr>
+            <a:noFill/>
+            <a:ln>
+              <a:noFill/>
+            </a:ln>
+            <a:effectLst/>
+          </c:spPr>
+          <c:txPr>
+            <a:bodyPr rot="0" spcFirstLastPara="1" vertOverflow="ellipsis" vert="horz" wrap="square" lIns="38100" tIns="19050" rIns="38100" bIns="19050" anchor="ctr" anchorCtr="1">
+              <a:spAutoFit/>
+            </a:bodyPr>
+            <a:lstStyle/>
+            <a:p>
+              <a:pPr>
+                <a:defRPr sz="900" b="0" i="0" u="none" strike="noStrike" kern="1200" baseline="0">
+                  <a:solidFill>
+                    <a:schemeClr val="tx1">
+                      <a:lumMod val="75000"/>
+                      <a:lumOff val="25000"/>
+                    </a:schemeClr>
+                  </a:solidFill>
+                  <a:latin typeface="+mn-lt"/>
+                  <a:ea typeface="+mn-ea"/>
+                  <a:cs typeface="+mn-cs"/>
+                </a:defRPr>
+              </a:pPr>
+              <a:endParaRPr lang="en-US"/>
+            </a:p>
+          </c:txPr>
+          <c:showLegendKey val="0"/>
+          <c:showVal val="0"/>
+          <c:showCatName val="0"/>
+          <c:showSerName val="0"/>
+          <c:showPercent val="0"/>
+          <c:showBubbleSize val="0"/>
+          <c:extLst>
+            <c:ext xmlns:c15="http://schemas.microsoft.com/office/drawing/2012/chart" uri="{CE6537A1-D6FC-4f65-9D91-7224C49458BB}"/>
+          </c:extLst>
+        </c:dLbl>
+      </c:pivotFmt>
+      <c:pivotFmt>
+        <c:idx val="4"/>
+        <c:spPr>
+          <a:solidFill>
+            <a:schemeClr val="accent1"/>
+          </a:solidFill>
+          <a:ln>
+            <a:noFill/>
+          </a:ln>
+          <a:effectLst/>
+        </c:spPr>
+        <c:marker>
+          <c:symbol val="none"/>
+        </c:marker>
+        <c:dLbl>
+          <c:idx val="0"/>
+          <c:spPr>
+            <a:noFill/>
+            <a:ln>
+              <a:noFill/>
+            </a:ln>
+            <a:effectLst/>
+          </c:spPr>
+          <c:txPr>
+            <a:bodyPr rot="0" spcFirstLastPara="1" vertOverflow="ellipsis" vert="horz" wrap="square" lIns="38100" tIns="19050" rIns="38100" bIns="19050" anchor="ctr" anchorCtr="1">
+              <a:spAutoFit/>
+            </a:bodyPr>
+            <a:lstStyle/>
+            <a:p>
+              <a:pPr>
+                <a:defRPr sz="900" b="0" i="0" u="none" strike="noStrike" kern="1200" baseline="0">
+                  <a:solidFill>
+                    <a:schemeClr val="tx1">
+                      <a:lumMod val="75000"/>
+                      <a:lumOff val="25000"/>
+                    </a:schemeClr>
+                  </a:solidFill>
+                  <a:latin typeface="+mn-lt"/>
+                  <a:ea typeface="+mn-ea"/>
+                  <a:cs typeface="+mn-cs"/>
+                </a:defRPr>
+              </a:pPr>
+              <a:endParaRPr lang="en-US"/>
+            </a:p>
+          </c:txPr>
+          <c:showLegendKey val="0"/>
+          <c:showVal val="0"/>
+          <c:showCatName val="0"/>
+          <c:showSerName val="0"/>
+          <c:showPercent val="0"/>
+          <c:showBubbleSize val="0"/>
+          <c:extLst>
+            <c:ext xmlns:c15="http://schemas.microsoft.com/office/drawing/2012/chart" uri="{CE6537A1-D6FC-4f65-9D91-7224C49458BB}"/>
+          </c:extLst>
+        </c:dLbl>
+      </c:pivotFmt>
+      <c:pivotFmt>
+        <c:idx val="5"/>
+        <c:spPr>
+          <a:solidFill>
+            <a:schemeClr val="accent1"/>
+          </a:solidFill>
+          <a:ln>
+            <a:noFill/>
+          </a:ln>
+          <a:effectLst/>
+        </c:spPr>
+        <c:marker>
+          <c:symbol val="none"/>
+        </c:marker>
+        <c:dLbl>
+          <c:idx val="0"/>
+          <c:spPr>
+            <a:noFill/>
+            <a:ln>
+              <a:noFill/>
+            </a:ln>
+            <a:effectLst/>
+          </c:spPr>
+          <c:txPr>
+            <a:bodyPr rot="0" spcFirstLastPara="1" vertOverflow="ellipsis" vert="horz" wrap="square" lIns="38100" tIns="19050" rIns="38100" bIns="19050" anchor="ctr" anchorCtr="1">
+              <a:spAutoFit/>
+            </a:bodyPr>
+            <a:lstStyle/>
+            <a:p>
+              <a:pPr>
+                <a:defRPr sz="900" b="0" i="0" u="none" strike="noStrike" kern="1200" baseline="0">
+                  <a:solidFill>
+                    <a:schemeClr val="tx1">
+                      <a:lumMod val="75000"/>
+                      <a:lumOff val="25000"/>
+                    </a:schemeClr>
+                  </a:solidFill>
+                  <a:latin typeface="+mn-lt"/>
+                  <a:ea typeface="+mn-ea"/>
+                  <a:cs typeface="+mn-cs"/>
+                </a:defRPr>
+              </a:pPr>
+              <a:endParaRPr lang="en-US"/>
+            </a:p>
+          </c:txPr>
+          <c:showLegendKey val="0"/>
+          <c:showVal val="0"/>
+          <c:showCatName val="0"/>
+          <c:showSerName val="0"/>
+          <c:showPercent val="0"/>
+          <c:showBubbleSize val="0"/>
+          <c:extLst>
+            <c:ext xmlns:c15="http://schemas.microsoft.com/office/drawing/2012/chart" uri="{CE6537A1-D6FC-4f65-9D91-7224C49458BB}"/>
+          </c:extLst>
+        </c:dLbl>
+      </c:pivotFmt>
+      <c:pivotFmt>
+        <c:idx val="6"/>
+        <c:spPr>
+          <a:solidFill>
+            <a:schemeClr val="accent1"/>
+          </a:solidFill>
+          <a:ln>
+            <a:noFill/>
+          </a:ln>
+          <a:effectLst/>
+        </c:spPr>
+        <c:marker>
+          <c:symbol val="none"/>
+        </c:marker>
+        <c:dLbl>
+          <c:idx val="0"/>
+          <c:spPr>
+            <a:noFill/>
+            <a:ln>
+              <a:noFill/>
+            </a:ln>
+            <a:effectLst/>
+          </c:spPr>
+          <c:txPr>
+            <a:bodyPr rot="0" spcFirstLastPara="1" vertOverflow="ellipsis" vert="horz" wrap="square" lIns="38100" tIns="19050" rIns="38100" bIns="19050" anchor="ctr" anchorCtr="1">
+              <a:spAutoFit/>
+            </a:bodyPr>
+            <a:lstStyle/>
+            <a:p>
+              <a:pPr>
+                <a:defRPr sz="900" b="0" i="0" u="none" strike="noStrike" kern="1200" baseline="0">
+                  <a:solidFill>
+                    <a:schemeClr val="tx1">
+                      <a:lumMod val="75000"/>
+                      <a:lumOff val="25000"/>
+                    </a:schemeClr>
+                  </a:solidFill>
+                  <a:latin typeface="+mn-lt"/>
+                  <a:ea typeface="+mn-ea"/>
+                  <a:cs typeface="+mn-cs"/>
+                </a:defRPr>
+              </a:pPr>
+              <a:endParaRPr lang="en-US"/>
+            </a:p>
+          </c:txPr>
+          <c:showLegendKey val="0"/>
+          <c:showVal val="0"/>
+          <c:showCatName val="0"/>
+          <c:showSerName val="0"/>
+          <c:showPercent val="0"/>
+          <c:showBubbleSize val="0"/>
+          <c:extLst>
+            <c:ext xmlns:c15="http://schemas.microsoft.com/office/drawing/2012/chart" uri="{CE6537A1-D6FC-4f65-9D91-7224C49458BB}"/>
+          </c:extLst>
+        </c:dLbl>
+      </c:pivotFmt>
+      <c:pivotFmt>
+        <c:idx val="7"/>
+        <c:spPr>
+          <a:solidFill>
+            <a:schemeClr val="accent1"/>
+          </a:solidFill>
+          <a:ln>
+            <a:noFill/>
+          </a:ln>
+          <a:effectLst/>
+        </c:spPr>
+        <c:marker>
+          <c:symbol val="none"/>
+        </c:marker>
+        <c:dLbl>
+          <c:idx val="0"/>
+          <c:spPr>
+            <a:noFill/>
+            <a:ln>
+              <a:noFill/>
+            </a:ln>
+            <a:effectLst/>
+          </c:spPr>
+          <c:txPr>
+            <a:bodyPr rot="0" spcFirstLastPara="1" vertOverflow="ellipsis" vert="horz" wrap="square" lIns="38100" tIns="19050" rIns="38100" bIns="19050" anchor="ctr" anchorCtr="1">
+              <a:spAutoFit/>
+            </a:bodyPr>
+            <a:lstStyle/>
+            <a:p>
+              <a:pPr>
+                <a:defRPr sz="900" b="0" i="0" u="none" strike="noStrike" kern="1200" baseline="0">
+                  <a:solidFill>
+                    <a:schemeClr val="tx1">
+                      <a:lumMod val="75000"/>
+                      <a:lumOff val="25000"/>
+                    </a:schemeClr>
+                  </a:solidFill>
+                  <a:latin typeface="+mn-lt"/>
+                  <a:ea typeface="+mn-ea"/>
+                  <a:cs typeface="+mn-cs"/>
+                </a:defRPr>
+              </a:pPr>
+              <a:endParaRPr lang="en-US"/>
+            </a:p>
+          </c:txPr>
+          <c:showLegendKey val="0"/>
+          <c:showVal val="0"/>
+          <c:showCatName val="0"/>
+          <c:showSerName val="0"/>
+          <c:showPercent val="0"/>
+          <c:showBubbleSize val="0"/>
+          <c:extLst>
+            <c:ext xmlns:c15="http://schemas.microsoft.com/office/drawing/2012/chart" uri="{CE6537A1-D6FC-4f65-9D91-7224C49458BB}"/>
+          </c:extLst>
+        </c:dLbl>
+      </c:pivotFmt>
+    </c:pivotFmts>
+    <c:plotArea>
+      <c:layout/>
+      <c:barChart>
+        <c:barDir val="col"/>
+        <c:grouping val="clustered"/>
+        <c:varyColors val="0"/>
+        <c:ser>
+          <c:idx val="0"/>
+          <c:order val="0"/>
+          <c:tx>
+            <c:strRef>
+              <c:f>SB_t3!$B$3</c:f>
+              <c:strCache>
+                <c:ptCount val="1"/>
+                <c:pt idx="0">
+                  <c:v>Sum of  Production Budget </c:v>
+                </c:pt>
+              </c:strCache>
+            </c:strRef>
+          </c:tx>
+          <c:spPr>
+            <a:solidFill>
+              <a:schemeClr val="accent1"/>
+            </a:solidFill>
+            <a:ln>
+              <a:noFill/>
+            </a:ln>
+            <a:effectLst/>
+          </c:spPr>
+          <c:invertIfNegative val="0"/>
+          <c:cat>
+            <c:strRef>
+              <c:f>SB_t3!$A$4:$A$7</c:f>
+              <c:strCache>
+                <c:ptCount val="3"/>
+                <c:pt idx="0">
+                  <c:v>Baby Driver</c:v>
+                </c:pt>
+                <c:pt idx="1">
+                  <c:v>The Longest Ride</c:v>
+                </c:pt>
+                <c:pt idx="2">
+                  <c:v>The Maze Runner</c:v>
+                </c:pt>
+              </c:strCache>
+            </c:strRef>
+          </c:cat>
+          <c:val>
+            <c:numRef>
+              <c:f>SB_t3!$B$4:$B$7</c:f>
+              <c:numCache>
+                <c:formatCode>"$"#,##0</c:formatCode>
+                <c:ptCount val="3"/>
+                <c:pt idx="0">
+                  <c:v>34000000</c:v>
+                </c:pt>
+                <c:pt idx="1">
+                  <c:v>34000000</c:v>
+                </c:pt>
+                <c:pt idx="2">
+                  <c:v>34000000</c:v>
+                </c:pt>
+              </c:numCache>
+            </c:numRef>
+          </c:val>
+          <c:extLst>
+            <c:ext xmlns:c16="http://schemas.microsoft.com/office/drawing/2014/chart" uri="{C3380CC4-5D6E-409C-BE32-E72D297353CC}">
+              <c16:uniqueId val="{00000000-843A-4EED-B77A-B2D3B02AC7EF}"/>
+            </c:ext>
+          </c:extLst>
+        </c:ser>
+        <c:ser>
+          <c:idx val="1"/>
+          <c:order val="1"/>
+          <c:tx>
+            <c:strRef>
+              <c:f>SB_t3!$C$3</c:f>
+              <c:strCache>
+                <c:ptCount val="1"/>
+                <c:pt idx="0">
+                  <c:v>Sum of Total Box Office</c:v>
+                </c:pt>
+              </c:strCache>
+            </c:strRef>
+          </c:tx>
+          <c:spPr>
+            <a:solidFill>
+              <a:schemeClr val="accent2"/>
+            </a:solidFill>
+            <a:ln>
+              <a:noFill/>
+            </a:ln>
+            <a:effectLst/>
+          </c:spPr>
+          <c:invertIfNegative val="0"/>
+          <c:cat>
+            <c:strRef>
+              <c:f>SB_t3!$A$4:$A$7</c:f>
+              <c:strCache>
+                <c:ptCount val="3"/>
+                <c:pt idx="0">
+                  <c:v>Baby Driver</c:v>
+                </c:pt>
+                <c:pt idx="1">
+                  <c:v>The Longest Ride</c:v>
+                </c:pt>
+                <c:pt idx="2">
+                  <c:v>The Maze Runner</c:v>
+                </c:pt>
+              </c:strCache>
+            </c:strRef>
+          </c:cat>
+          <c:val>
+            <c:numRef>
+              <c:f>SB_t3!$C$4:$C$7</c:f>
+              <c:numCache>
+                <c:formatCode>"$"#,##0</c:formatCode>
+                <c:ptCount val="3"/>
+                <c:pt idx="0">
+                  <c:v>228104185</c:v>
+                </c:pt>
+                <c:pt idx="1">
+                  <c:v>63802928</c:v>
+                </c:pt>
+                <c:pt idx="2">
+                  <c:v>348319861</c:v>
+                </c:pt>
+              </c:numCache>
+            </c:numRef>
+          </c:val>
+          <c:extLst>
+            <c:ext xmlns:c16="http://schemas.microsoft.com/office/drawing/2014/chart" uri="{C3380CC4-5D6E-409C-BE32-E72D297353CC}">
+              <c16:uniqueId val="{00000001-843A-4EED-B77A-B2D3B02AC7EF}"/>
+            </c:ext>
+          </c:extLst>
+        </c:ser>
+        <c:dLbls>
+          <c:showLegendKey val="0"/>
+          <c:showVal val="0"/>
+          <c:showCatName val="0"/>
+          <c:showSerName val="0"/>
+          <c:showPercent val="0"/>
+          <c:showBubbleSize val="0"/>
+        </c:dLbls>
+        <c:gapWidth val="219"/>
+        <c:overlap val="-27"/>
+        <c:axId val="969278495"/>
+        <c:axId val="969280159"/>
+      </c:barChart>
+      <c:catAx>
+        <c:axId val="969278495"/>
+        <c:scaling>
+          <c:orientation val="minMax"/>
+        </c:scaling>
+        <c:delete val="0"/>
+        <c:axPos val="b"/>
+        <c:numFmt formatCode="General" sourceLinked="1"/>
+        <c:majorTickMark val="none"/>
+        <c:minorTickMark val="none"/>
+        <c:tickLblPos val="nextTo"/>
+        <c:spPr>
+          <a:noFill/>
+          <a:ln w="9525" cap="flat" cmpd="sng" algn="ctr">
+            <a:solidFill>
+              <a:schemeClr val="tx1">
+                <a:lumMod val="15000"/>
+                <a:lumOff val="85000"/>
+              </a:schemeClr>
+            </a:solidFill>
+            <a:round/>
+          </a:ln>
+          <a:effectLst/>
+        </c:spPr>
+        <c:txPr>
+          <a:bodyPr rot="-1800000" spcFirstLastPara="1" vertOverflow="ellipsis" wrap="square" anchor="ctr" anchorCtr="1"/>
+          <a:lstStyle/>
+          <a:p>
+            <a:pPr>
+              <a:defRPr sz="900" b="0" i="0" u="none" strike="noStrike" kern="1200" baseline="0">
+                <a:solidFill>
+                  <a:schemeClr val="tx1">
+                    <a:lumMod val="65000"/>
+                    <a:lumOff val="35000"/>
+                  </a:schemeClr>
+                </a:solidFill>
+                <a:latin typeface="+mn-lt"/>
+                <a:ea typeface="+mn-ea"/>
+                <a:cs typeface="+mn-cs"/>
+              </a:defRPr>
+            </a:pPr>
+            <a:endParaRPr lang="en-US"/>
+          </a:p>
+        </c:txPr>
+        <c:crossAx val="969280159"/>
+        <c:crosses val="autoZero"/>
+        <c:auto val="1"/>
+        <c:lblAlgn val="ctr"/>
+        <c:lblOffset val="100"/>
+        <c:noMultiLvlLbl val="0"/>
+      </c:catAx>
+      <c:valAx>
+        <c:axId val="969280159"/>
+        <c:scaling>
+          <c:orientation val="minMax"/>
+        </c:scaling>
+        <c:delete val="0"/>
+        <c:axPos val="l"/>
+        <c:majorGridlines>
+          <c:spPr>
+            <a:ln w="9525" cap="flat" cmpd="sng" algn="ctr">
+              <a:solidFill>
+                <a:schemeClr val="tx1">
+                  <a:lumMod val="15000"/>
+                  <a:lumOff val="85000"/>
+                </a:schemeClr>
+              </a:solidFill>
+              <a:round/>
+            </a:ln>
+            <a:effectLst/>
+          </c:spPr>
+        </c:majorGridlines>
+        <c:numFmt formatCode="&quot;$&quot;#,##0" sourceLinked="1"/>
+        <c:majorTickMark val="none"/>
+        <c:minorTickMark val="none"/>
+        <c:tickLblPos val="nextTo"/>
+        <c:spPr>
+          <a:noFill/>
+          <a:ln>
+            <a:noFill/>
+          </a:ln>
+          <a:effectLst/>
+        </c:spPr>
+        <c:txPr>
+          <a:bodyPr rot="-60000000" spcFirstLastPara="1" vertOverflow="ellipsis" vert="horz" wrap="square" anchor="ctr" anchorCtr="1"/>
+          <a:lstStyle/>
+          <a:p>
+            <a:pPr>
+              <a:defRPr sz="900" b="0" i="0" u="none" strike="noStrike" kern="1200" baseline="0">
+                <a:solidFill>
+                  <a:schemeClr val="tx1">
+                    <a:lumMod val="65000"/>
+                    <a:lumOff val="35000"/>
+                  </a:schemeClr>
+                </a:solidFill>
+                <a:latin typeface="+mn-lt"/>
+                <a:ea typeface="+mn-ea"/>
+                <a:cs typeface="+mn-cs"/>
+              </a:defRPr>
+            </a:pPr>
+            <a:endParaRPr lang="en-US"/>
+          </a:p>
+        </c:txPr>
+        <c:crossAx val="969278495"/>
+        <c:crosses val="autoZero"/>
+        <c:crossBetween val="between"/>
+      </c:valAx>
+      <c:spPr>
+        <a:noFill/>
+        <a:ln>
+          <a:noFill/>
+        </a:ln>
+        <a:effectLst/>
+      </c:spPr>
+    </c:plotArea>
+    <c:legend>
+      <c:legendPos val="r"/>
+      <c:overlay val="0"/>
+      <c:spPr>
+        <a:noFill/>
+        <a:ln>
+          <a:noFill/>
+        </a:ln>
+        <a:effectLst/>
+      </c:spPr>
+      <c:txPr>
+        <a:bodyPr rot="0" spcFirstLastPara="1" vertOverflow="ellipsis" vert="horz" wrap="square" anchor="ctr" anchorCtr="1"/>
+        <a:lstStyle/>
+        <a:p>
+          <a:pPr>
+            <a:defRPr sz="900" b="0" i="0" u="none" strike="noStrike" kern="1200" baseline="0">
+              <a:solidFill>
+                <a:schemeClr val="tx1">
+                  <a:lumMod val="65000"/>
+                  <a:lumOff val="35000"/>
+                </a:schemeClr>
+              </a:solidFill>
+              <a:latin typeface="+mn-lt"/>
+              <a:ea typeface="+mn-ea"/>
+              <a:cs typeface="+mn-cs"/>
+            </a:defRPr>
+          </a:pPr>
+          <a:endParaRPr lang="en-US"/>
+        </a:p>
+      </c:txPr>
+    </c:legend>
+    <c:plotVisOnly val="1"/>
+    <c:dispBlanksAs val="gap"/>
+    <c:extLst>
+      <c:ext xmlns:c16r3="http://schemas.microsoft.com/office/drawing/2017/03/chart" uri="{56B9EC1D-385E-4148-901F-78D8002777C0}">
+        <c16r3:dataDisplayOptions16>
+          <c16r3:dispNaAsBlank val="1"/>
+        </c16r3:dataDisplayOptions16>
+      </c:ext>
+    </c:extLst>
+    <c:showDLblsOverMax val="0"/>
+  </c:chart>
+  <c:spPr>
+    <a:noFill/>
+    <a:ln>
+      <a:noFill/>
+    </a:ln>
+    <a:effectLst/>
+  </c:spPr>
+  <c:txPr>
+    <a:bodyPr/>
+    <a:lstStyle/>
+    <a:p>
+      <a:pPr>
+        <a:defRPr/>
+      </a:pPr>
+      <a:endParaRPr lang="en-US"/>
+    </a:p>
+  </c:txPr>
+  <c:externalData r:id="rId3">
+    <c:autoUpdate val="0"/>
+  </c:externalData>
+  <c:extLst>
+    <c:ext xmlns:c14="http://schemas.microsoft.com/office/drawing/2007/8/2/chart" uri="{781A3756-C4B2-4CAC-9D66-4F8BD8637D16}">
+      <c14:pivotOptions>
+        <c14:dropZoneFilter val="1"/>
+        <c14:dropZoneCategories val="1"/>
+        <c14:dropZoneData val="1"/>
+        <c14:dropZoneSeries val="1"/>
+      </c14:pivotOptions>
+    </c:ext>
+    <c:ext xmlns:c16="http://schemas.microsoft.com/office/drawing/2014/chart" uri="{E28EC0CA-F0BB-4C9C-879D-F8772B89E7AC}">
+      <c16:pivotOptions16>
+        <c16:showExpandCollapseFieldButtons val="1"/>
+      </c16:pivotOptions16>
+    </c:ext>
+  </c:extLst>
+</c:chartSpace>
+</file>
+
+<file path=ppt/charts/chart6.xml><?xml version="1.0" encoding="utf-8"?>
+<c:chartSpace xmlns:c="http://schemas.openxmlformats.org/drawingml/2006/chart" xmlns:a="http://schemas.openxmlformats.org/drawingml/2006/main" xmlns:r="http://schemas.openxmlformats.org/officeDocument/2006/relationships" xmlns:c16r2="http://schemas.microsoft.com/office/drawing/2015/06/chart">
+  <c:date1904 val="0"/>
+  <c:lang val="en-US"/>
+  <c:roundedCorners val="0"/>
+  <mc:AlternateContent xmlns:mc="http://schemas.openxmlformats.org/markup-compatibility/2006">
+    <mc:Choice xmlns:c14="http://schemas.microsoft.com/office/drawing/2007/8/2/chart" Requires="c14">
+      <c14:style val="102"/>
+    </mc:Choice>
+    <mc:Fallback>
+      <c:style val="2"/>
+    </mc:Fallback>
+  </mc:AlternateContent>
+  <c:pivotSource>
+    <c:name>[c_movie_data.xlsx]BB_b3!PivotTable2</c:name>
+    <c:fmtId val="3"/>
   </c:pivotSource>
   <c:chart>
     <c:autoTitleDeleted val="0"/>
@@ -3404,17 +4797,7 @@
       </c:pivotFmt>
     </c:pivotFmts>
     <c:plotArea>
-      <c:layout>
-        <c:manualLayout>
-          <c:layoutTarget val="inner"/>
-          <c:xMode val="edge"/>
-          <c:yMode val="edge"/>
-          <c:x val="0.26350581957598113"/>
-          <c:y val="4.6296296296296294E-2"/>
-          <c:w val="0.34359645416011203"/>
-          <c:h val="0.61944371536891218"/>
-        </c:manualLayout>
-      </c:layout>
+      <c:layout/>
       <c:barChart>
         <c:barDir val="col"/>
         <c:grouping val="clustered"/>
@@ -3424,7 +4807,7 @@
           <c:order val="0"/>
           <c:tx>
             <c:strRef>
-              <c:f>Sheet6!$B$3</c:f>
+              <c:f>BB_b3!$B$3</c:f>
               <c:strCache>
                 <c:ptCount val="1"/>
                 <c:pt idx="0">
@@ -3445,42 +4828,42 @@
           <c:invertIfNegative val="0"/>
           <c:cat>
             <c:strRef>
-              <c:f>Sheet6!$A$4:$A$7</c:f>
+              <c:f>BB_b3!$A$4:$A$7</c:f>
               <c:strCache>
                 <c:ptCount val="3"/>
                 <c:pt idx="0">
-                  <c:v>Bohemian Rhapsody</c:v>
+                  <c:v>Land of the Lost</c:v>
                 </c:pt>
                 <c:pt idx="1">
-                  <c:v>Despicable Me 2</c:v>
+                  <c:v>Robin Hood (2018)</c:v>
                 </c:pt>
                 <c:pt idx="2">
-                  <c:v>Despicable Me 3</c:v>
+                  <c:v>Speed Racer</c:v>
                 </c:pt>
               </c:strCache>
             </c:strRef>
           </c:cat>
           <c:val>
             <c:numRef>
-              <c:f>Sheet6!$B$4:$B$7</c:f>
+              <c:f>BB_b3!$B$4:$B$7</c:f>
               <c:numCache>
                 <c:formatCode>"$"#,##0</c:formatCode>
                 <c:ptCount val="3"/>
                 <c:pt idx="0">
-                  <c:v>55000000</c:v>
+                  <c:v>100000000</c:v>
                 </c:pt>
                 <c:pt idx="1">
-                  <c:v>76000000</c:v>
+                  <c:v>99000000</c:v>
                 </c:pt>
                 <c:pt idx="2">
-                  <c:v>75000000</c:v>
+                  <c:v>120000000</c:v>
                 </c:pt>
               </c:numCache>
             </c:numRef>
           </c:val>
           <c:extLst>
             <c:ext xmlns:c16="http://schemas.microsoft.com/office/drawing/2014/chart" uri="{C3380CC4-5D6E-409C-BE32-E72D297353CC}">
-              <c16:uniqueId val="{00000000-F64D-4440-BAB6-3AB9C8CD633B}"/>
+              <c16:uniqueId val="{00000000-0CA0-4C92-A52B-58E3E65E62DD}"/>
             </c:ext>
           </c:extLst>
         </c:ser>
@@ -3489,7 +4872,7 @@
           <c:order val="1"/>
           <c:tx>
             <c:strRef>
-              <c:f>Sheet6!$C$3</c:f>
+              <c:f>BB_b3!$C$3</c:f>
               <c:strCache>
                 <c:ptCount val="1"/>
                 <c:pt idx="0">
@@ -3510,42 +4893,42 @@
           <c:invertIfNegative val="0"/>
           <c:cat>
             <c:strRef>
-              <c:f>Sheet6!$A$4:$A$7</c:f>
+              <c:f>BB_b3!$A$4:$A$7</c:f>
               <c:strCache>
                 <c:ptCount val="3"/>
                 <c:pt idx="0">
-                  <c:v>Bohemian Rhapsody</c:v>
+                  <c:v>Land of the Lost</c:v>
                 </c:pt>
                 <c:pt idx="1">
-                  <c:v>Despicable Me 2</c:v>
+                  <c:v>Robin Hood (2018)</c:v>
                 </c:pt>
                 <c:pt idx="2">
-                  <c:v>Despicable Me 3</c:v>
+                  <c:v>Speed Racer</c:v>
                 </c:pt>
               </c:strCache>
             </c:strRef>
           </c:cat>
           <c:val>
             <c:numRef>
-              <c:f>Sheet6!$C$4:$C$7</c:f>
+              <c:f>BB_b3!$C$4:$C$7</c:f>
               <c:numCache>
                 <c:formatCode>"$"#,##0</c:formatCode>
                 <c:ptCount val="3"/>
                 <c:pt idx="0">
-                  <c:v>868558377</c:v>
+                  <c:v>69548641</c:v>
                 </c:pt>
                 <c:pt idx="1">
-                  <c:v>975216835</c:v>
+                  <c:v>84747441</c:v>
                 </c:pt>
                 <c:pt idx="2">
-                  <c:v>1034822373</c:v>
+                  <c:v>93394462</c:v>
                 </c:pt>
               </c:numCache>
             </c:numRef>
           </c:val>
           <c:extLst>
             <c:ext xmlns:c16="http://schemas.microsoft.com/office/drawing/2014/chart" uri="{C3380CC4-5D6E-409C-BE32-E72D297353CC}">
-              <c16:uniqueId val="{00000001-F64D-4440-BAB6-3AB9C8CD633B}"/>
+              <c16:uniqueId val="{00000001-0CA0-4C92-A52B-58E3E65E62DD}"/>
             </c:ext>
           </c:extLst>
         </c:ser>
@@ -3559,11 +4942,11 @@
         </c:dLbls>
         <c:gapWidth val="219"/>
         <c:overlap val="-27"/>
-        <c:axId val="701655727"/>
-        <c:axId val="701659887"/>
+        <c:axId val="107886255"/>
+        <c:axId val="107892911"/>
       </c:barChart>
       <c:catAx>
-        <c:axId val="701655727"/>
+        <c:axId val="107886255"/>
         <c:scaling>
           <c:orientation val="minMax"/>
         </c:scaling>
@@ -3587,7 +4970,7 @@
           <a:effectLst/>
         </c:spPr>
         <c:txPr>
-          <a:bodyPr rot="-60000000" spcFirstLastPara="1" vertOverflow="ellipsis" vert="horz" wrap="square" anchor="ctr" anchorCtr="1"/>
+          <a:bodyPr rot="-1800000" spcFirstLastPara="1" vertOverflow="ellipsis" wrap="square" anchor="ctr" anchorCtr="1"/>
           <a:lstStyle/>
           <a:p>
             <a:pPr>
@@ -3606,7 +4989,7 @@
             <a:endParaRPr lang="en-US"/>
           </a:p>
         </c:txPr>
-        <c:crossAx val="701659887"/>
+        <c:crossAx val="107892911"/>
         <c:crosses val="autoZero"/>
         <c:auto val="1"/>
         <c:lblAlgn val="ctr"/>
@@ -3614,7 +4997,7 @@
         <c:noMultiLvlLbl val="0"/>
       </c:catAx>
       <c:valAx>
-        <c:axId val="701659887"/>
+        <c:axId val="107892911"/>
         <c:scaling>
           <c:orientation val="minMax"/>
         </c:scaling>
@@ -3665,7 +5048,7 @@
             <a:endParaRPr lang="en-US"/>
           </a:p>
         </c:txPr>
-        <c:crossAx val="701655727"/>
+        <c:crossAx val="107886255"/>
         <c:crosses val="autoZero"/>
         <c:crossBetween val="between"/>
       </c:valAx>
@@ -3757,7 +5140,7 @@
 </c:chartSpace>
 </file>
 
-<file path=ppt/charts/chart6.xml><?xml version="1.0" encoding="utf-8"?>
+<file path=ppt/charts/chart7.xml><?xml version="1.0" encoding="utf-8"?>
 <c:chartSpace xmlns:c="http://schemas.openxmlformats.org/drawingml/2006/chart" xmlns:a="http://schemas.openxmlformats.org/drawingml/2006/main" xmlns:r="http://schemas.openxmlformats.org/officeDocument/2006/relationships" xmlns:c16r2="http://schemas.microsoft.com/office/drawing/2015/06/chart">
   <c:date1904 val="0"/>
   <c:lang val="en-US"/>
@@ -3771,81 +5154,10 @@
     </mc:Fallback>
   </mc:AlternateContent>
   <c:pivotSource>
-    <c:name>[c_movie_data.xlsx]Sheet4!PivotTable6</c:name>
-    <c:fmtId val="3"/>
+    <c:name>[c_movie_data.xlsx]SB_b3!PivotTable4</c:name>
+    <c:fmtId val="17"/>
   </c:pivotSource>
   <c:chart>
-    <c:title>
-      <c:tx>
-        <c:rich>
-          <a:bodyPr rot="0" spcFirstLastPara="1" vertOverflow="ellipsis" vert="horz" wrap="square" anchor="ctr" anchorCtr="1"/>
-          <a:lstStyle/>
-          <a:p>
-            <a:pPr>
-              <a:defRPr sz="1400" b="0" i="0" u="none" strike="noStrike" kern="1200" spc="0" baseline="0">
-                <a:solidFill>
-                  <a:schemeClr val="tx1">
-                    <a:lumMod val="65000"/>
-                    <a:lumOff val="35000"/>
-                  </a:schemeClr>
-                </a:solidFill>
-                <a:latin typeface="+mn-lt"/>
-                <a:ea typeface="+mn-ea"/>
-                <a:cs typeface="+mn-cs"/>
-              </a:defRPr>
-            </a:pPr>
-            <a:r>
-              <a:rPr lang="en-US"/>
-              <a:t>Average</a:t>
-            </a:r>
-            <a:r>
-              <a:rPr lang="en-US" baseline="0"/>
-              <a:t> </a:t>
-            </a:r>
-            <a:r>
-              <a:rPr lang="en-US"/>
-              <a:t>Net Porfit Margin</a:t>
-            </a:r>
-          </a:p>
-        </c:rich>
-      </c:tx>
-      <c:layout>
-        <c:manualLayout>
-          <c:xMode val="edge"/>
-          <c:yMode val="edge"/>
-          <c:x val="0.37441916167664668"/>
-          <c:y val="1.7825311942959002E-2"/>
-        </c:manualLayout>
-      </c:layout>
-      <c:overlay val="0"/>
-      <c:spPr>
-        <a:noFill/>
-        <a:ln>
-          <a:noFill/>
-        </a:ln>
-        <a:effectLst/>
-      </c:spPr>
-      <c:txPr>
-        <a:bodyPr rot="0" spcFirstLastPara="1" vertOverflow="ellipsis" vert="horz" wrap="square" anchor="ctr" anchorCtr="1"/>
-        <a:lstStyle/>
-        <a:p>
-          <a:pPr>
-            <a:defRPr sz="1400" b="0" i="0" u="none" strike="noStrike" kern="1200" spc="0" baseline="0">
-              <a:solidFill>
-                <a:schemeClr val="tx1">
-                  <a:lumMod val="65000"/>
-                  <a:lumOff val="35000"/>
-                </a:schemeClr>
-              </a:solidFill>
-              <a:latin typeface="+mn-lt"/>
-              <a:ea typeface="+mn-ea"/>
-              <a:cs typeface="+mn-cs"/>
-            </a:defRPr>
-          </a:pPr>
-          <a:endParaRPr lang="en-US"/>
-        </a:p>
-      </c:txPr>
-    </c:title>
     <c:autoTitleDeleted val="0"/>
     <c:pivotFmts>
       <c:pivotFmt>
@@ -3894,545 +5206,7 @@
             </a:p>
           </c:txPr>
           <c:showLegendKey val="0"/>
-          <c:showVal val="1"/>
-          <c:showCatName val="0"/>
-          <c:showSerName val="0"/>
-          <c:showPercent val="0"/>
-          <c:showBubbleSize val="0"/>
-          <c:extLst>
-            <c:ext xmlns:c15="http://schemas.microsoft.com/office/drawing/2012/chart" uri="{CE6537A1-D6FC-4f65-9D91-7224C49458BB}"/>
-          </c:extLst>
-        </c:dLbl>
-      </c:pivotFmt>
-      <c:pivotFmt>
-        <c:idx val="1"/>
-        <c:spPr>
-          <a:solidFill>
-            <a:schemeClr val="accent1"/>
-          </a:solidFill>
-          <a:ln>
-            <a:noFill/>
-          </a:ln>
-          <a:effectLst/>
-        </c:spPr>
-        <c:marker>
-          <c:symbol val="none"/>
-        </c:marker>
-        <c:dLbl>
-          <c:idx val="0"/>
-          <c:spPr>
-            <a:noFill/>
-            <a:ln>
-              <a:noFill/>
-            </a:ln>
-            <a:effectLst/>
-          </c:spPr>
-          <c:txPr>
-            <a:bodyPr rot="0" spcFirstLastPara="1" vertOverflow="ellipsis" vert="horz" wrap="square" lIns="38100" tIns="19050" rIns="38100" bIns="19050" anchor="ctr" anchorCtr="1">
-              <a:spAutoFit/>
-            </a:bodyPr>
-            <a:lstStyle/>
-            <a:p>
-              <a:pPr>
-                <a:defRPr sz="900" b="0" i="0" u="none" strike="noStrike" kern="1200" baseline="0">
-                  <a:solidFill>
-                    <a:schemeClr val="tx1">
-                      <a:lumMod val="75000"/>
-                      <a:lumOff val="25000"/>
-                    </a:schemeClr>
-                  </a:solidFill>
-                  <a:latin typeface="+mn-lt"/>
-                  <a:ea typeface="+mn-ea"/>
-                  <a:cs typeface="+mn-cs"/>
-                </a:defRPr>
-              </a:pPr>
-              <a:endParaRPr lang="en-US"/>
-            </a:p>
-          </c:txPr>
-          <c:showLegendKey val="0"/>
-          <c:showVal val="1"/>
-          <c:showCatName val="0"/>
-          <c:showSerName val="0"/>
-          <c:showPercent val="0"/>
-          <c:showBubbleSize val="0"/>
-          <c:extLst>
-            <c:ext xmlns:c15="http://schemas.microsoft.com/office/drawing/2012/chart" uri="{CE6537A1-D6FC-4f65-9D91-7224C49458BB}"/>
-          </c:extLst>
-        </c:dLbl>
-      </c:pivotFmt>
-      <c:pivotFmt>
-        <c:idx val="2"/>
-        <c:spPr>
-          <a:solidFill>
-            <a:schemeClr val="accent1"/>
-          </a:solidFill>
-          <a:ln>
-            <a:noFill/>
-          </a:ln>
-          <a:effectLst/>
-        </c:spPr>
-        <c:marker>
-          <c:symbol val="none"/>
-        </c:marker>
-        <c:dLbl>
-          <c:idx val="0"/>
-          <c:spPr>
-            <a:noFill/>
-            <a:ln>
-              <a:noFill/>
-            </a:ln>
-            <a:effectLst/>
-          </c:spPr>
-          <c:txPr>
-            <a:bodyPr rot="0" spcFirstLastPara="1" vertOverflow="ellipsis" vert="horz" wrap="square" lIns="38100" tIns="19050" rIns="38100" bIns="19050" anchor="ctr" anchorCtr="1">
-              <a:spAutoFit/>
-            </a:bodyPr>
-            <a:lstStyle/>
-            <a:p>
-              <a:pPr>
-                <a:defRPr sz="900" b="0" i="0" u="none" strike="noStrike" kern="1200" baseline="0">
-                  <a:solidFill>
-                    <a:schemeClr val="tx1">
-                      <a:lumMod val="75000"/>
-                      <a:lumOff val="25000"/>
-                    </a:schemeClr>
-                  </a:solidFill>
-                  <a:latin typeface="+mn-lt"/>
-                  <a:ea typeface="+mn-ea"/>
-                  <a:cs typeface="+mn-cs"/>
-                </a:defRPr>
-              </a:pPr>
-              <a:endParaRPr lang="en-US"/>
-            </a:p>
-          </c:txPr>
-          <c:showLegendKey val="0"/>
-          <c:showVal val="1"/>
-          <c:showCatName val="0"/>
-          <c:showSerName val="0"/>
-          <c:showPercent val="0"/>
-          <c:showBubbleSize val="0"/>
-          <c:extLst>
-            <c:ext xmlns:c15="http://schemas.microsoft.com/office/drawing/2012/chart" uri="{CE6537A1-D6FC-4f65-9D91-7224C49458BB}"/>
-          </c:extLst>
-        </c:dLbl>
-      </c:pivotFmt>
-    </c:pivotFmts>
-    <c:plotArea>
-      <c:layout/>
-      <c:barChart>
-        <c:barDir val="col"/>
-        <c:grouping val="clustered"/>
-        <c:varyColors val="0"/>
-        <c:ser>
-          <c:idx val="0"/>
-          <c:order val="0"/>
-          <c:tx>
-            <c:strRef>
-              <c:f>Sheet4!$B$3</c:f>
-              <c:strCache>
-                <c:ptCount val="1"/>
-                <c:pt idx="0">
-                  <c:v>Total</c:v>
-                </c:pt>
-              </c:strCache>
-            </c:strRef>
-          </c:tx>
-          <c:spPr>
-            <a:solidFill>
-              <a:schemeClr val="accent1"/>
-            </a:solidFill>
-            <a:ln>
-              <a:noFill/>
-            </a:ln>
-            <a:effectLst/>
-          </c:spPr>
-          <c:invertIfNegative val="0"/>
-          <c:dLbls>
-            <c:spPr>
-              <a:noFill/>
-              <a:ln>
-                <a:noFill/>
-              </a:ln>
-              <a:effectLst/>
-            </c:spPr>
-            <c:txPr>
-              <a:bodyPr rot="0" spcFirstLastPara="1" vertOverflow="ellipsis" vert="horz" wrap="square" lIns="38100" tIns="19050" rIns="38100" bIns="19050" anchor="ctr" anchorCtr="1">
-                <a:spAutoFit/>
-              </a:bodyPr>
-              <a:lstStyle/>
-              <a:p>
-                <a:pPr>
-                  <a:defRPr sz="900" b="0" i="0" u="none" strike="noStrike" kern="1200" baseline="0">
-                    <a:solidFill>
-                      <a:schemeClr val="tx1">
-                        <a:lumMod val="75000"/>
-                        <a:lumOff val="25000"/>
-                      </a:schemeClr>
-                    </a:solidFill>
-                    <a:latin typeface="+mn-lt"/>
-                    <a:ea typeface="+mn-ea"/>
-                    <a:cs typeface="+mn-cs"/>
-                  </a:defRPr>
-                </a:pPr>
-                <a:endParaRPr lang="en-US"/>
-              </a:p>
-            </c:txPr>
-            <c:showLegendKey val="0"/>
-            <c:showVal val="1"/>
-            <c:showCatName val="0"/>
-            <c:showSerName val="0"/>
-            <c:showPercent val="0"/>
-            <c:showBubbleSize val="0"/>
-            <c:showLeaderLines val="0"/>
-            <c:extLst>
-              <c:ext xmlns:c15="http://schemas.microsoft.com/office/drawing/2012/chart" uri="{CE6537A1-D6FC-4f65-9D91-7224C49458BB}">
-                <c15:showLeaderLines val="1"/>
-                <c15:leaderLines>
-                  <c:spPr>
-                    <a:ln w="9525" cap="flat" cmpd="sng" algn="ctr">
-                      <a:solidFill>
-                        <a:schemeClr val="tx1">
-                          <a:lumMod val="35000"/>
-                          <a:lumOff val="65000"/>
-                        </a:schemeClr>
-                      </a:solidFill>
-                      <a:round/>
-                    </a:ln>
-                    <a:effectLst/>
-                  </c:spPr>
-                </c15:leaderLines>
-              </c:ext>
-            </c:extLst>
-          </c:dLbls>
-          <c:cat>
-            <c:strRef>
-              <c:f>Sheet4!$A$4:$A$7</c:f>
-              <c:strCache>
-                <c:ptCount val="3"/>
-                <c:pt idx="0">
-                  <c:v>Horror</c:v>
-                </c:pt>
-                <c:pt idx="1">
-                  <c:v>Musical</c:v>
-                </c:pt>
-                <c:pt idx="2">
-                  <c:v>Romantic Comedy</c:v>
-                </c:pt>
-              </c:strCache>
-            </c:strRef>
-          </c:cat>
-          <c:val>
-            <c:numRef>
-              <c:f>Sheet4!$B$4:$B$7</c:f>
-              <c:numCache>
-                <c:formatCode>0%</c:formatCode>
-                <c:ptCount val="3"/>
-                <c:pt idx="0">
-                  <c:v>3.8087931034482745</c:v>
-                </c:pt>
-                <c:pt idx="1">
-                  <c:v>4.7705882352941194</c:v>
-                </c:pt>
-                <c:pt idx="2">
-                  <c:v>2.3130232558139534</c:v>
-                </c:pt>
-              </c:numCache>
-            </c:numRef>
-          </c:val>
-          <c:extLst>
-            <c:ext xmlns:c16="http://schemas.microsoft.com/office/drawing/2014/chart" uri="{C3380CC4-5D6E-409C-BE32-E72D297353CC}">
-              <c16:uniqueId val="{00000000-CD13-45D7-8D69-5B0BD939B558}"/>
-            </c:ext>
-          </c:extLst>
-        </c:ser>
-        <c:dLbls>
-          <c:showLegendKey val="0"/>
           <c:showVal val="0"/>
-          <c:showCatName val="0"/>
-          <c:showSerName val="0"/>
-          <c:showPercent val="0"/>
-          <c:showBubbleSize val="0"/>
-        </c:dLbls>
-        <c:gapWidth val="219"/>
-        <c:overlap val="-27"/>
-        <c:axId val="820652751"/>
-        <c:axId val="820649839"/>
-      </c:barChart>
-      <c:catAx>
-        <c:axId val="820652751"/>
-        <c:scaling>
-          <c:orientation val="minMax"/>
-        </c:scaling>
-        <c:delete val="0"/>
-        <c:axPos val="b"/>
-        <c:numFmt formatCode="General" sourceLinked="1"/>
-        <c:majorTickMark val="none"/>
-        <c:minorTickMark val="none"/>
-        <c:tickLblPos val="nextTo"/>
-        <c:spPr>
-          <a:noFill/>
-          <a:ln w="9525" cap="flat" cmpd="sng" algn="ctr">
-            <a:solidFill>
-              <a:schemeClr val="tx1">
-                <a:lumMod val="15000"/>
-                <a:lumOff val="85000"/>
-              </a:schemeClr>
-            </a:solidFill>
-            <a:round/>
-          </a:ln>
-          <a:effectLst/>
-        </c:spPr>
-        <c:txPr>
-          <a:bodyPr rot="-60000000" spcFirstLastPara="1" vertOverflow="ellipsis" vert="horz" wrap="square" anchor="ctr" anchorCtr="1"/>
-          <a:lstStyle/>
-          <a:p>
-            <a:pPr>
-              <a:defRPr sz="900" b="0" i="0" u="none" strike="noStrike" kern="1200" baseline="0">
-                <a:solidFill>
-                  <a:schemeClr val="tx1">
-                    <a:lumMod val="65000"/>
-                    <a:lumOff val="35000"/>
-                  </a:schemeClr>
-                </a:solidFill>
-                <a:latin typeface="+mn-lt"/>
-                <a:ea typeface="+mn-ea"/>
-                <a:cs typeface="+mn-cs"/>
-              </a:defRPr>
-            </a:pPr>
-            <a:endParaRPr lang="en-US"/>
-          </a:p>
-        </c:txPr>
-        <c:crossAx val="820649839"/>
-        <c:crosses val="autoZero"/>
-        <c:auto val="1"/>
-        <c:lblAlgn val="ctr"/>
-        <c:lblOffset val="100"/>
-        <c:noMultiLvlLbl val="0"/>
-      </c:catAx>
-      <c:valAx>
-        <c:axId val="820649839"/>
-        <c:scaling>
-          <c:orientation val="minMax"/>
-        </c:scaling>
-        <c:delete val="0"/>
-        <c:axPos val="l"/>
-        <c:numFmt formatCode="0%" sourceLinked="1"/>
-        <c:majorTickMark val="none"/>
-        <c:minorTickMark val="none"/>
-        <c:tickLblPos val="nextTo"/>
-        <c:spPr>
-          <a:noFill/>
-          <a:ln>
-            <a:noFill/>
-          </a:ln>
-          <a:effectLst/>
-        </c:spPr>
-        <c:txPr>
-          <a:bodyPr rot="-60000000" spcFirstLastPara="1" vertOverflow="ellipsis" vert="horz" wrap="square" anchor="ctr" anchorCtr="1"/>
-          <a:lstStyle/>
-          <a:p>
-            <a:pPr>
-              <a:defRPr sz="900" b="0" i="0" u="none" strike="noStrike" kern="1200" baseline="0">
-                <a:solidFill>
-                  <a:schemeClr val="tx1">
-                    <a:lumMod val="65000"/>
-                    <a:lumOff val="35000"/>
-                  </a:schemeClr>
-                </a:solidFill>
-                <a:latin typeface="+mn-lt"/>
-                <a:ea typeface="+mn-ea"/>
-                <a:cs typeface="+mn-cs"/>
-              </a:defRPr>
-            </a:pPr>
-            <a:endParaRPr lang="en-US"/>
-          </a:p>
-        </c:txPr>
-        <c:crossAx val="820652751"/>
-        <c:crosses val="autoZero"/>
-        <c:crossBetween val="between"/>
-      </c:valAx>
-      <c:spPr>
-        <a:noFill/>
-        <a:ln>
-          <a:noFill/>
-        </a:ln>
-        <a:effectLst/>
-      </c:spPr>
-    </c:plotArea>
-    <c:plotVisOnly val="1"/>
-    <c:dispBlanksAs val="gap"/>
-    <c:extLst>
-      <c:ext xmlns:c16r3="http://schemas.microsoft.com/office/drawing/2017/03/chart" uri="{56B9EC1D-385E-4148-901F-78D8002777C0}">
-        <c16r3:dataDisplayOptions16>
-          <c16r3:dispNaAsBlank val="1"/>
-        </c16r3:dataDisplayOptions16>
-      </c:ext>
-    </c:extLst>
-    <c:showDLblsOverMax val="0"/>
-  </c:chart>
-  <c:spPr>
-    <a:noFill/>
-    <a:ln>
-      <a:noFill/>
-    </a:ln>
-    <a:effectLst/>
-  </c:spPr>
-  <c:txPr>
-    <a:bodyPr/>
-    <a:lstStyle/>
-    <a:p>
-      <a:pPr>
-        <a:defRPr/>
-      </a:pPr>
-      <a:endParaRPr lang="en-US"/>
-    </a:p>
-  </c:txPr>
-  <c:externalData r:id="rId3">
-    <c:autoUpdate val="0"/>
-  </c:externalData>
-  <c:extLst>
-    <c:ext xmlns:c14="http://schemas.microsoft.com/office/drawing/2007/8/2/chart" uri="{781A3756-C4B2-4CAC-9D66-4F8BD8637D16}">
-      <c14:pivotOptions>
-        <c14:dropZoneFilter val="1"/>
-        <c14:dropZoneCategories val="1"/>
-        <c14:dropZoneData val="1"/>
-      </c14:pivotOptions>
-    </c:ext>
-    <c:ext xmlns:c16="http://schemas.microsoft.com/office/drawing/2014/chart" uri="{E28EC0CA-F0BB-4C9C-879D-F8772B89E7AC}">
-      <c16:pivotOptions16>
-        <c16:showExpandCollapseFieldButtons val="1"/>
-      </c16:pivotOptions16>
-    </c:ext>
-  </c:extLst>
-</c:chartSpace>
-</file>
-
-<file path=ppt/charts/chart7.xml><?xml version="1.0" encoding="utf-8"?>
-<c:chartSpace xmlns:c="http://schemas.openxmlformats.org/drawingml/2006/chart" xmlns:a="http://schemas.openxmlformats.org/drawingml/2006/main" xmlns:r="http://schemas.openxmlformats.org/officeDocument/2006/relationships" xmlns:c16r2="http://schemas.microsoft.com/office/drawing/2015/06/chart">
-  <c:date1904 val="0"/>
-  <c:lang val="en-US"/>
-  <c:roundedCorners val="0"/>
-  <mc:AlternateContent xmlns:mc="http://schemas.openxmlformats.org/markup-compatibility/2006">
-    <mc:Choice xmlns:c14="http://schemas.microsoft.com/office/drawing/2007/8/2/chart" Requires="c14">
-      <c14:style val="102"/>
-    </mc:Choice>
-    <mc:Fallback>
-      <c:style val="2"/>
-    </mc:Fallback>
-  </mc:AlternateContent>
-  <c:pivotSource>
-    <c:name>[c_movie_data.xlsx]Sheet3!PivotTable5</c:name>
-    <c:fmtId val="7"/>
-  </c:pivotSource>
-  <c:chart>
-    <c:title>
-      <c:tx>
-        <c:rich>
-          <a:bodyPr rot="0" spcFirstLastPara="1" vertOverflow="ellipsis" vert="horz" wrap="square" anchor="ctr" anchorCtr="1"/>
-          <a:lstStyle/>
-          <a:p>
-            <a:pPr>
-              <a:defRPr sz="1400" b="0" i="0" u="none" strike="noStrike" kern="1200" spc="0" baseline="0">
-                <a:solidFill>
-                  <a:schemeClr val="tx1">
-                    <a:lumMod val="65000"/>
-                    <a:lumOff val="35000"/>
-                  </a:schemeClr>
-                </a:solidFill>
-                <a:latin typeface="+mn-lt"/>
-                <a:ea typeface="+mn-ea"/>
-                <a:cs typeface="+mn-cs"/>
-              </a:defRPr>
-            </a:pPr>
-            <a:r>
-              <a:rPr lang="en-US"/>
-              <a:t>Average</a:t>
-            </a:r>
-            <a:r>
-              <a:rPr lang="en-US" baseline="0"/>
-              <a:t> Budget vs. Box Office Totals</a:t>
-            </a:r>
-          </a:p>
-        </c:rich>
-      </c:tx>
-      <c:overlay val="0"/>
-      <c:spPr>
-        <a:noFill/>
-        <a:ln>
-          <a:noFill/>
-        </a:ln>
-        <a:effectLst/>
-      </c:spPr>
-      <c:txPr>
-        <a:bodyPr rot="0" spcFirstLastPara="1" vertOverflow="ellipsis" vert="horz" wrap="square" anchor="ctr" anchorCtr="1"/>
-        <a:lstStyle/>
-        <a:p>
-          <a:pPr>
-            <a:defRPr sz="1400" b="0" i="0" u="none" strike="noStrike" kern="1200" spc="0" baseline="0">
-              <a:solidFill>
-                <a:schemeClr val="tx1">
-                  <a:lumMod val="65000"/>
-                  <a:lumOff val="35000"/>
-                </a:schemeClr>
-              </a:solidFill>
-              <a:latin typeface="+mn-lt"/>
-              <a:ea typeface="+mn-ea"/>
-              <a:cs typeface="+mn-cs"/>
-            </a:defRPr>
-          </a:pPr>
-          <a:endParaRPr lang="en-US"/>
-        </a:p>
-      </c:txPr>
-    </c:title>
-    <c:autoTitleDeleted val="0"/>
-    <c:pivotFmts>
-      <c:pivotFmt>
-        <c:idx val="0"/>
-        <c:spPr>
-          <a:solidFill>
-            <a:schemeClr val="accent1"/>
-          </a:solidFill>
-          <a:ln>
-            <a:noFill/>
-          </a:ln>
-          <a:effectLst/>
-        </c:spPr>
-        <c:marker>
-          <c:symbol val="none"/>
-        </c:marker>
-        <c:dLbl>
-          <c:idx val="0"/>
-          <c:spPr>
-            <a:noFill/>
-            <a:ln>
-              <a:noFill/>
-            </a:ln>
-            <a:effectLst/>
-          </c:spPr>
-          <c:txPr>
-            <a:bodyPr rot="0" spcFirstLastPara="1" vertOverflow="ellipsis" vert="horz" wrap="square" lIns="38100" tIns="19050" rIns="38100" bIns="19050" anchor="ctr" anchorCtr="1">
-              <a:spAutoFit/>
-            </a:bodyPr>
-            <a:lstStyle/>
-            <a:p>
-              <a:pPr>
-                <a:defRPr sz="900" b="0" i="0" u="none" strike="noStrike" kern="1200" baseline="0">
-                  <a:solidFill>
-                    <a:schemeClr val="tx1">
-                      <a:lumMod val="75000"/>
-                      <a:lumOff val="25000"/>
-                    </a:schemeClr>
-                  </a:solidFill>
-                  <a:latin typeface="+mn-lt"/>
-                  <a:ea typeface="+mn-ea"/>
-                  <a:cs typeface="+mn-cs"/>
-                </a:defRPr>
-              </a:pPr>
-              <a:endParaRPr lang="en-US"/>
-            </a:p>
-          </c:txPr>
-          <c:showLegendKey val="0"/>
-          <c:showVal val="1"/>
           <c:showCatName val="0"/>
           <c:showSerName val="0"/>
           <c:showPercent val="0"/>
@@ -4600,7 +5374,7 @@
             </a:p>
           </c:txPr>
           <c:showLegendKey val="0"/>
-          <c:showVal val="1"/>
+          <c:showVal val="0"/>
           <c:showCatName val="0"/>
           <c:showSerName val="0"/>
           <c:showPercent val="0"/>
@@ -4712,7 +5486,7 @@
             </a:p>
           </c:txPr>
           <c:showLegendKey val="0"/>
-          <c:showVal val="1"/>
+          <c:showVal val="0"/>
           <c:showCatName val="0"/>
           <c:showSerName val="0"/>
           <c:showPercent val="0"/>
@@ -4734,11 +5508,11 @@
           <c:order val="0"/>
           <c:tx>
             <c:strRef>
-              <c:f>Sheet3!$B$3</c:f>
+              <c:f>SB_b3!$B$3</c:f>
               <c:strCache>
                 <c:ptCount val="1"/>
                 <c:pt idx="0">
-                  <c:v>Average of Total Box Office</c:v>
+                  <c:v>Sum of  Production Budget </c:v>
                 </c:pt>
               </c:strCache>
             </c:strRef>
@@ -4753,101 +5527,44 @@
             <a:effectLst/>
           </c:spPr>
           <c:invertIfNegative val="0"/>
-          <c:dLbls>
-            <c:spPr>
-              <a:noFill/>
-              <a:ln>
-                <a:noFill/>
-              </a:ln>
-              <a:effectLst/>
-            </c:spPr>
-            <c:txPr>
-              <a:bodyPr rot="0" spcFirstLastPara="1" vertOverflow="ellipsis" vert="horz" wrap="square" lIns="38100" tIns="19050" rIns="38100" bIns="19050" anchor="ctr" anchorCtr="1">
-                <a:spAutoFit/>
-              </a:bodyPr>
-              <a:lstStyle/>
-              <a:p>
-                <a:pPr>
-                  <a:defRPr sz="900" b="0" i="0" u="none" strike="noStrike" kern="1200" baseline="0">
-                    <a:solidFill>
-                      <a:schemeClr val="tx1">
-                        <a:lumMod val="75000"/>
-                        <a:lumOff val="25000"/>
-                      </a:schemeClr>
-                    </a:solidFill>
-                    <a:latin typeface="+mn-lt"/>
-                    <a:ea typeface="+mn-ea"/>
-                    <a:cs typeface="+mn-cs"/>
-                  </a:defRPr>
-                </a:pPr>
-                <a:endParaRPr lang="en-US"/>
-              </a:p>
-            </c:txPr>
-            <c:showLegendKey val="0"/>
-            <c:showVal val="1"/>
-            <c:showCatName val="0"/>
-            <c:showSerName val="0"/>
-            <c:showPercent val="0"/>
-            <c:showBubbleSize val="0"/>
-            <c:showLeaderLines val="0"/>
-            <c:extLst>
-              <c:ext xmlns:c15="http://schemas.microsoft.com/office/drawing/2012/chart" uri="{CE6537A1-D6FC-4f65-9D91-7224C49458BB}">
-                <c15:showLeaderLines val="1"/>
-                <c15:leaderLines>
-                  <c:spPr>
-                    <a:ln w="9525" cap="flat" cmpd="sng" algn="ctr">
-                      <a:solidFill>
-                        <a:schemeClr val="tx1">
-                          <a:lumMod val="35000"/>
-                          <a:lumOff val="65000"/>
-                        </a:schemeClr>
-                      </a:solidFill>
-                      <a:round/>
-                    </a:ln>
-                    <a:effectLst/>
-                  </c:spPr>
-                </c15:leaderLines>
-              </c:ext>
-            </c:extLst>
-          </c:dLbls>
           <c:cat>
             <c:strRef>
-              <c:f>Sheet3!$A$4:$A$7</c:f>
+              <c:f>SB_b3!$A$4:$A$7</c:f>
               <c:strCache>
                 <c:ptCount val="3"/>
                 <c:pt idx="0">
-                  <c:v>Horror</c:v>
+                  <c:v>Casino Jack</c:v>
                 </c:pt>
                 <c:pt idx="1">
-                  <c:v>Musical</c:v>
+                  <c:v>My All-American</c:v>
                 </c:pt>
                 <c:pt idx="2">
-                  <c:v>Romantic Comedy</c:v>
+                  <c:v>Rosewater</c:v>
                 </c:pt>
               </c:strCache>
             </c:strRef>
           </c:cat>
           <c:val>
             <c:numRef>
-              <c:f>Sheet3!$B$4:$B$7</c:f>
+              <c:f>SB_b3!$B$4:$B$7</c:f>
               <c:numCache>
                 <c:formatCode>"$"#,##0</c:formatCode>
                 <c:ptCount val="3"/>
                 <c:pt idx="0">
-                  <c:v>94970554.637931034</c:v>
+                  <c:v>12500000</c:v>
                 </c:pt>
                 <c:pt idx="1">
-                  <c:v>344278935.11764705</c:v>
+                  <c:v>20000000</c:v>
                 </c:pt>
                 <c:pt idx="2">
-                  <c:v>104926434.93023255</c:v>
+                  <c:v>10000000</c:v>
                 </c:pt>
               </c:numCache>
             </c:numRef>
           </c:val>
           <c:extLst>
             <c:ext xmlns:c16="http://schemas.microsoft.com/office/drawing/2014/chart" uri="{C3380CC4-5D6E-409C-BE32-E72D297353CC}">
-              <c16:uniqueId val="{00000000-BC13-4296-9B52-89CFA91AD4EE}"/>
+              <c16:uniqueId val="{00000000-71A0-41AC-A523-E5CBADF0805D}"/>
             </c:ext>
           </c:extLst>
         </c:ser>
@@ -4856,11 +5573,11 @@
           <c:order val="1"/>
           <c:tx>
             <c:strRef>
-              <c:f>Sheet3!$C$3</c:f>
+              <c:f>SB_b3!$C$3</c:f>
               <c:strCache>
                 <c:ptCount val="1"/>
                 <c:pt idx="0">
-                  <c:v>Average of  Production Budget </c:v>
+                  <c:v>Sum of Total Box Office</c:v>
                 </c:pt>
               </c:strCache>
             </c:strRef>
@@ -4875,101 +5592,44 @@
             <a:effectLst/>
           </c:spPr>
           <c:invertIfNegative val="0"/>
-          <c:dLbls>
-            <c:spPr>
-              <a:noFill/>
-              <a:ln>
-                <a:noFill/>
-              </a:ln>
-              <a:effectLst/>
-            </c:spPr>
-            <c:txPr>
-              <a:bodyPr rot="0" spcFirstLastPara="1" vertOverflow="ellipsis" vert="horz" wrap="square" lIns="38100" tIns="19050" rIns="38100" bIns="19050" anchor="ctr" anchorCtr="1">
-                <a:spAutoFit/>
-              </a:bodyPr>
-              <a:lstStyle/>
-              <a:p>
-                <a:pPr>
-                  <a:defRPr sz="900" b="0" i="0" u="none" strike="noStrike" kern="1200" baseline="0">
-                    <a:solidFill>
-                      <a:schemeClr val="tx1">
-                        <a:lumMod val="75000"/>
-                        <a:lumOff val="25000"/>
-                      </a:schemeClr>
-                    </a:solidFill>
-                    <a:latin typeface="+mn-lt"/>
-                    <a:ea typeface="+mn-ea"/>
-                    <a:cs typeface="+mn-cs"/>
-                  </a:defRPr>
-                </a:pPr>
-                <a:endParaRPr lang="en-US"/>
-              </a:p>
-            </c:txPr>
-            <c:showLegendKey val="0"/>
-            <c:showVal val="1"/>
-            <c:showCatName val="0"/>
-            <c:showSerName val="0"/>
-            <c:showPercent val="0"/>
-            <c:showBubbleSize val="0"/>
-            <c:showLeaderLines val="0"/>
-            <c:extLst>
-              <c:ext xmlns:c15="http://schemas.microsoft.com/office/drawing/2012/chart" uri="{CE6537A1-D6FC-4f65-9D91-7224C49458BB}">
-                <c15:showLeaderLines val="1"/>
-                <c15:leaderLines>
-                  <c:spPr>
-                    <a:ln w="9525" cap="flat" cmpd="sng" algn="ctr">
-                      <a:solidFill>
-                        <a:schemeClr val="tx1">
-                          <a:lumMod val="35000"/>
-                          <a:lumOff val="65000"/>
-                        </a:schemeClr>
-                      </a:solidFill>
-                      <a:round/>
-                    </a:ln>
-                    <a:effectLst/>
-                  </c:spPr>
-                </c15:leaderLines>
-              </c:ext>
-            </c:extLst>
-          </c:dLbls>
           <c:cat>
             <c:strRef>
-              <c:f>Sheet3!$A$4:$A$7</c:f>
+              <c:f>SB_b3!$A$4:$A$7</c:f>
               <c:strCache>
                 <c:ptCount val="3"/>
                 <c:pt idx="0">
-                  <c:v>Horror</c:v>
+                  <c:v>Casino Jack</c:v>
                 </c:pt>
                 <c:pt idx="1">
-                  <c:v>Musical</c:v>
+                  <c:v>My All-American</c:v>
                 </c:pt>
                 <c:pt idx="2">
-                  <c:v>Romantic Comedy</c:v>
+                  <c:v>Rosewater</c:v>
                 </c:pt>
               </c:strCache>
             </c:strRef>
           </c:cat>
           <c:val>
             <c:numRef>
-              <c:f>Sheet3!$C$4:$C$7</c:f>
+              <c:f>SB_b3!$C$4:$C$7</c:f>
               <c:numCache>
                 <c:formatCode>"$"#,##0</c:formatCode>
                 <c:ptCount val="3"/>
                 <c:pt idx="0">
-                  <c:v>25328448.275862068</c:v>
+                  <c:v>2272186</c:v>
                 </c:pt>
                 <c:pt idx="1">
-                  <c:v>82041176.470588237</c:v>
+                  <c:v>2246000</c:v>
                 </c:pt>
                 <c:pt idx="2">
-                  <c:v>32141860.465116277</c:v>
+                  <c:v>3185717</c:v>
                 </c:pt>
               </c:numCache>
             </c:numRef>
           </c:val>
           <c:extLst>
             <c:ext xmlns:c16="http://schemas.microsoft.com/office/drawing/2014/chart" uri="{C3380CC4-5D6E-409C-BE32-E72D297353CC}">
-              <c16:uniqueId val="{00000001-BC13-4296-9B52-89CFA91AD4EE}"/>
+              <c16:uniqueId val="{00000001-71A0-41AC-A523-E5CBADF0805D}"/>
             </c:ext>
           </c:extLst>
         </c:ser>
@@ -4983,11 +5643,1430 @@
         </c:dLbls>
         <c:gapWidth val="219"/>
         <c:overlap val="-27"/>
-        <c:axId val="678982671"/>
-        <c:axId val="678982255"/>
+        <c:axId val="562861583"/>
+        <c:axId val="562862831"/>
       </c:barChart>
       <c:catAx>
-        <c:axId val="678982671"/>
+        <c:axId val="562861583"/>
+        <c:scaling>
+          <c:orientation val="minMax"/>
+        </c:scaling>
+        <c:delete val="0"/>
+        <c:axPos val="b"/>
+        <c:numFmt formatCode="General" sourceLinked="1"/>
+        <c:majorTickMark val="none"/>
+        <c:minorTickMark val="none"/>
+        <c:tickLblPos val="nextTo"/>
+        <c:spPr>
+          <a:noFill/>
+          <a:ln w="9525" cap="flat" cmpd="sng" algn="ctr">
+            <a:solidFill>
+              <a:schemeClr val="tx1">
+                <a:lumMod val="15000"/>
+                <a:lumOff val="85000"/>
+              </a:schemeClr>
+            </a:solidFill>
+            <a:round/>
+          </a:ln>
+          <a:effectLst/>
+        </c:spPr>
+        <c:txPr>
+          <a:bodyPr rot="-60000000" spcFirstLastPara="1" vertOverflow="ellipsis" vert="horz" wrap="square" anchor="b" anchorCtr="0"/>
+          <a:lstStyle/>
+          <a:p>
+            <a:pPr>
+              <a:defRPr sz="900" b="0" i="0" u="none" strike="noStrike" kern="1200" baseline="0">
+                <a:solidFill>
+                  <a:schemeClr val="tx1">
+                    <a:lumMod val="65000"/>
+                    <a:lumOff val="35000"/>
+                  </a:schemeClr>
+                </a:solidFill>
+                <a:latin typeface="+mn-lt"/>
+                <a:ea typeface="+mn-ea"/>
+                <a:cs typeface="+mn-cs"/>
+              </a:defRPr>
+            </a:pPr>
+            <a:endParaRPr lang="en-US"/>
+          </a:p>
+        </c:txPr>
+        <c:crossAx val="562862831"/>
+        <c:crosses val="autoZero"/>
+        <c:auto val="1"/>
+        <c:lblAlgn val="ctr"/>
+        <c:lblOffset val="100"/>
+        <c:noMultiLvlLbl val="0"/>
+      </c:catAx>
+      <c:valAx>
+        <c:axId val="562862831"/>
+        <c:scaling>
+          <c:orientation val="minMax"/>
+          <c:max val="140000000"/>
+        </c:scaling>
+        <c:delete val="0"/>
+        <c:axPos val="l"/>
+        <c:majorGridlines>
+          <c:spPr>
+            <a:ln w="9525" cap="flat" cmpd="sng" algn="ctr">
+              <a:solidFill>
+                <a:schemeClr val="tx1">
+                  <a:lumMod val="15000"/>
+                  <a:lumOff val="85000"/>
+                </a:schemeClr>
+              </a:solidFill>
+              <a:round/>
+            </a:ln>
+            <a:effectLst/>
+          </c:spPr>
+        </c:majorGridlines>
+        <c:numFmt formatCode="&quot;$&quot;#,##0" sourceLinked="1"/>
+        <c:majorTickMark val="none"/>
+        <c:minorTickMark val="none"/>
+        <c:tickLblPos val="nextTo"/>
+        <c:spPr>
+          <a:noFill/>
+          <a:ln>
+            <a:noFill/>
+          </a:ln>
+          <a:effectLst/>
+        </c:spPr>
+        <c:txPr>
+          <a:bodyPr rot="-60000000" spcFirstLastPara="1" vertOverflow="ellipsis" vert="horz" wrap="square" anchor="ctr" anchorCtr="1"/>
+          <a:lstStyle/>
+          <a:p>
+            <a:pPr>
+              <a:defRPr sz="900" b="0" i="0" u="none" strike="noStrike" kern="1200" baseline="0">
+                <a:solidFill>
+                  <a:schemeClr val="tx1">
+                    <a:lumMod val="65000"/>
+                    <a:lumOff val="35000"/>
+                  </a:schemeClr>
+                </a:solidFill>
+                <a:latin typeface="+mn-lt"/>
+                <a:ea typeface="+mn-ea"/>
+                <a:cs typeface="+mn-cs"/>
+              </a:defRPr>
+            </a:pPr>
+            <a:endParaRPr lang="en-US"/>
+          </a:p>
+        </c:txPr>
+        <c:crossAx val="562861583"/>
+        <c:crosses val="autoZero"/>
+        <c:crossBetween val="between"/>
+      </c:valAx>
+      <c:spPr>
+        <a:noFill/>
+        <a:ln>
+          <a:noFill/>
+        </a:ln>
+        <a:effectLst/>
+      </c:spPr>
+    </c:plotArea>
+    <c:legend>
+      <c:legendPos val="r"/>
+      <c:overlay val="0"/>
+      <c:spPr>
+        <a:noFill/>
+        <a:ln>
+          <a:noFill/>
+        </a:ln>
+        <a:effectLst/>
+      </c:spPr>
+      <c:txPr>
+        <a:bodyPr rot="0" spcFirstLastPara="1" vertOverflow="ellipsis" vert="horz" wrap="square" anchor="ctr" anchorCtr="1"/>
+        <a:lstStyle/>
+        <a:p>
+          <a:pPr>
+            <a:defRPr sz="900" b="0" i="0" u="none" strike="noStrike" kern="1200" baseline="0">
+              <a:solidFill>
+                <a:schemeClr val="tx1">
+                  <a:lumMod val="65000"/>
+                  <a:lumOff val="35000"/>
+                </a:schemeClr>
+              </a:solidFill>
+              <a:latin typeface="+mn-lt"/>
+              <a:ea typeface="+mn-ea"/>
+              <a:cs typeface="+mn-cs"/>
+            </a:defRPr>
+          </a:pPr>
+          <a:endParaRPr lang="en-US"/>
+        </a:p>
+      </c:txPr>
+    </c:legend>
+    <c:plotVisOnly val="1"/>
+    <c:dispBlanksAs val="gap"/>
+    <c:extLst>
+      <c:ext xmlns:c16r3="http://schemas.microsoft.com/office/drawing/2017/03/chart" uri="{56B9EC1D-385E-4148-901F-78D8002777C0}">
+        <c16r3:dataDisplayOptions16>
+          <c16r3:dispNaAsBlank val="1"/>
+        </c16r3:dataDisplayOptions16>
+      </c:ext>
+    </c:extLst>
+    <c:showDLblsOverMax val="0"/>
+  </c:chart>
+  <c:spPr>
+    <a:noFill/>
+    <a:ln>
+      <a:noFill/>
+    </a:ln>
+    <a:effectLst/>
+  </c:spPr>
+  <c:txPr>
+    <a:bodyPr/>
+    <a:lstStyle/>
+    <a:p>
+      <a:pPr>
+        <a:defRPr/>
+      </a:pPr>
+      <a:endParaRPr lang="en-US"/>
+    </a:p>
+  </c:txPr>
+  <c:externalData r:id="rId3">
+    <c:autoUpdate val="0"/>
+  </c:externalData>
+  <c:extLst>
+    <c:ext xmlns:c14="http://schemas.microsoft.com/office/drawing/2007/8/2/chart" uri="{781A3756-C4B2-4CAC-9D66-4F8BD8637D16}">
+      <c14:pivotOptions>
+        <c14:dropZoneFilter val="1"/>
+        <c14:dropZoneCategories val="1"/>
+        <c14:dropZoneData val="1"/>
+        <c14:dropZoneSeries val="1"/>
+      </c14:pivotOptions>
+    </c:ext>
+    <c:ext xmlns:c16="http://schemas.microsoft.com/office/drawing/2014/chart" uri="{E28EC0CA-F0BB-4C9C-879D-F8772B89E7AC}">
+      <c16:pivotOptions16>
+        <c16:showExpandCollapseFieldButtons val="1"/>
+      </c16:pivotOptions16>
+    </c:ext>
+  </c:extLst>
+</c:chartSpace>
+</file>
+
+<file path=ppt/charts/chart8.xml><?xml version="1.0" encoding="utf-8"?>
+<c:chartSpace xmlns:c="http://schemas.openxmlformats.org/drawingml/2006/chart" xmlns:a="http://schemas.openxmlformats.org/drawingml/2006/main" xmlns:r="http://schemas.openxmlformats.org/officeDocument/2006/relationships" xmlns:c16r2="http://schemas.microsoft.com/office/drawing/2015/06/chart">
+  <c:date1904 val="0"/>
+  <c:lang val="en-US"/>
+  <c:roundedCorners val="0"/>
+  <mc:AlternateContent xmlns:mc="http://schemas.openxmlformats.org/markup-compatibility/2006">
+    <mc:Choice xmlns:c14="http://schemas.microsoft.com/office/drawing/2007/8/2/chart" Requires="c14">
+      <c14:style val="102"/>
+    </mc:Choice>
+    <mc:Fallback>
+      <c:style val="2"/>
+    </mc:Fallback>
+  </mc:AlternateContent>
+  <c:pivotSource>
+    <c:name>[c_movie_data.xlsx]MB_b3!PivotTable3</c:name>
+    <c:fmtId val="7"/>
+  </c:pivotSource>
+  <c:chart>
+    <c:autoTitleDeleted val="0"/>
+    <c:pivotFmts>
+      <c:pivotFmt>
+        <c:idx val="0"/>
+        <c:spPr>
+          <a:solidFill>
+            <a:schemeClr val="accent1"/>
+          </a:solidFill>
+          <a:ln>
+            <a:noFill/>
+          </a:ln>
+          <a:effectLst/>
+        </c:spPr>
+        <c:marker>
+          <c:symbol val="none"/>
+        </c:marker>
+        <c:dLbl>
+          <c:idx val="0"/>
+          <c:spPr>
+            <a:noFill/>
+            <a:ln>
+              <a:noFill/>
+            </a:ln>
+            <a:effectLst/>
+          </c:spPr>
+          <c:txPr>
+            <a:bodyPr rot="0" spcFirstLastPara="1" vertOverflow="ellipsis" vert="horz" wrap="square" lIns="38100" tIns="19050" rIns="38100" bIns="19050" anchor="ctr" anchorCtr="1">
+              <a:spAutoFit/>
+            </a:bodyPr>
+            <a:lstStyle/>
+            <a:p>
+              <a:pPr>
+                <a:defRPr sz="900" b="0" i="0" u="none" strike="noStrike" kern="1200" baseline="0">
+                  <a:solidFill>
+                    <a:schemeClr val="tx1">
+                      <a:lumMod val="75000"/>
+                      <a:lumOff val="25000"/>
+                    </a:schemeClr>
+                  </a:solidFill>
+                  <a:latin typeface="+mn-lt"/>
+                  <a:ea typeface="+mn-ea"/>
+                  <a:cs typeface="+mn-cs"/>
+                </a:defRPr>
+              </a:pPr>
+              <a:endParaRPr lang="en-US"/>
+            </a:p>
+          </c:txPr>
+          <c:showLegendKey val="0"/>
+          <c:showVal val="0"/>
+          <c:showCatName val="0"/>
+          <c:showSerName val="0"/>
+          <c:showPercent val="0"/>
+          <c:showBubbleSize val="0"/>
+          <c:extLst>
+            <c:ext xmlns:c15="http://schemas.microsoft.com/office/drawing/2012/chart" uri="{CE6537A1-D6FC-4f65-9D91-7224C49458BB}"/>
+          </c:extLst>
+        </c:dLbl>
+      </c:pivotFmt>
+      <c:pivotFmt>
+        <c:idx val="1"/>
+        <c:spPr>
+          <a:solidFill>
+            <a:schemeClr val="accent1"/>
+          </a:solidFill>
+          <a:ln>
+            <a:noFill/>
+          </a:ln>
+          <a:effectLst/>
+        </c:spPr>
+        <c:marker>
+          <c:symbol val="none"/>
+        </c:marker>
+        <c:dLbl>
+          <c:idx val="0"/>
+          <c:spPr>
+            <a:noFill/>
+            <a:ln>
+              <a:noFill/>
+            </a:ln>
+            <a:effectLst/>
+          </c:spPr>
+          <c:txPr>
+            <a:bodyPr rot="0" spcFirstLastPara="1" vertOverflow="ellipsis" vert="horz" wrap="square" lIns="38100" tIns="19050" rIns="38100" bIns="19050" anchor="ctr" anchorCtr="1">
+              <a:spAutoFit/>
+            </a:bodyPr>
+            <a:lstStyle/>
+            <a:p>
+              <a:pPr>
+                <a:defRPr sz="900" b="0" i="0" u="none" strike="noStrike" kern="1200" baseline="0">
+                  <a:solidFill>
+                    <a:schemeClr val="tx1">
+                      <a:lumMod val="75000"/>
+                      <a:lumOff val="25000"/>
+                    </a:schemeClr>
+                  </a:solidFill>
+                  <a:latin typeface="+mn-lt"/>
+                  <a:ea typeface="+mn-ea"/>
+                  <a:cs typeface="+mn-cs"/>
+                </a:defRPr>
+              </a:pPr>
+              <a:endParaRPr lang="en-US"/>
+            </a:p>
+          </c:txPr>
+          <c:showLegendKey val="0"/>
+          <c:showVal val="0"/>
+          <c:showCatName val="0"/>
+          <c:showSerName val="0"/>
+          <c:showPercent val="0"/>
+          <c:showBubbleSize val="0"/>
+          <c:extLst>
+            <c:ext xmlns:c15="http://schemas.microsoft.com/office/drawing/2012/chart" uri="{CE6537A1-D6FC-4f65-9D91-7224C49458BB}"/>
+          </c:extLst>
+        </c:dLbl>
+      </c:pivotFmt>
+      <c:pivotFmt>
+        <c:idx val="2"/>
+        <c:spPr>
+          <a:solidFill>
+            <a:schemeClr val="accent1"/>
+          </a:solidFill>
+          <a:ln>
+            <a:noFill/>
+          </a:ln>
+          <a:effectLst/>
+        </c:spPr>
+        <c:marker>
+          <c:symbol val="none"/>
+        </c:marker>
+        <c:dLbl>
+          <c:idx val="0"/>
+          <c:spPr>
+            <a:noFill/>
+            <a:ln>
+              <a:noFill/>
+            </a:ln>
+            <a:effectLst/>
+          </c:spPr>
+          <c:txPr>
+            <a:bodyPr rot="0" spcFirstLastPara="1" vertOverflow="ellipsis" vert="horz" wrap="square" lIns="38100" tIns="19050" rIns="38100" bIns="19050" anchor="ctr" anchorCtr="1">
+              <a:spAutoFit/>
+            </a:bodyPr>
+            <a:lstStyle/>
+            <a:p>
+              <a:pPr>
+                <a:defRPr sz="900" b="0" i="0" u="none" strike="noStrike" kern="1200" baseline="0">
+                  <a:solidFill>
+                    <a:schemeClr val="tx1">
+                      <a:lumMod val="75000"/>
+                      <a:lumOff val="25000"/>
+                    </a:schemeClr>
+                  </a:solidFill>
+                  <a:latin typeface="+mn-lt"/>
+                  <a:ea typeface="+mn-ea"/>
+                  <a:cs typeface="+mn-cs"/>
+                </a:defRPr>
+              </a:pPr>
+              <a:endParaRPr lang="en-US"/>
+            </a:p>
+          </c:txPr>
+          <c:showLegendKey val="0"/>
+          <c:showVal val="0"/>
+          <c:showCatName val="0"/>
+          <c:showSerName val="0"/>
+          <c:showPercent val="0"/>
+          <c:showBubbleSize val="0"/>
+          <c:extLst>
+            <c:ext xmlns:c15="http://schemas.microsoft.com/office/drawing/2012/chart" uri="{CE6537A1-D6FC-4f65-9D91-7224C49458BB}"/>
+          </c:extLst>
+        </c:dLbl>
+      </c:pivotFmt>
+      <c:pivotFmt>
+        <c:idx val="3"/>
+        <c:spPr>
+          <a:solidFill>
+            <a:schemeClr val="accent1"/>
+          </a:solidFill>
+          <a:ln>
+            <a:noFill/>
+          </a:ln>
+          <a:effectLst/>
+        </c:spPr>
+        <c:marker>
+          <c:symbol val="none"/>
+        </c:marker>
+        <c:dLbl>
+          <c:idx val="0"/>
+          <c:spPr>
+            <a:noFill/>
+            <a:ln>
+              <a:noFill/>
+            </a:ln>
+            <a:effectLst/>
+          </c:spPr>
+          <c:txPr>
+            <a:bodyPr rot="0" spcFirstLastPara="1" vertOverflow="ellipsis" vert="horz" wrap="square" lIns="38100" tIns="19050" rIns="38100" bIns="19050" anchor="ctr" anchorCtr="1">
+              <a:spAutoFit/>
+            </a:bodyPr>
+            <a:lstStyle/>
+            <a:p>
+              <a:pPr>
+                <a:defRPr sz="900" b="0" i="0" u="none" strike="noStrike" kern="1200" baseline="0">
+                  <a:solidFill>
+                    <a:schemeClr val="tx1">
+                      <a:lumMod val="75000"/>
+                      <a:lumOff val="25000"/>
+                    </a:schemeClr>
+                  </a:solidFill>
+                  <a:latin typeface="+mn-lt"/>
+                  <a:ea typeface="+mn-ea"/>
+                  <a:cs typeface="+mn-cs"/>
+                </a:defRPr>
+              </a:pPr>
+              <a:endParaRPr lang="en-US"/>
+            </a:p>
+          </c:txPr>
+          <c:showLegendKey val="0"/>
+          <c:showVal val="0"/>
+          <c:showCatName val="0"/>
+          <c:showSerName val="0"/>
+          <c:showPercent val="0"/>
+          <c:showBubbleSize val="0"/>
+          <c:extLst>
+            <c:ext xmlns:c15="http://schemas.microsoft.com/office/drawing/2012/chart" uri="{CE6537A1-D6FC-4f65-9D91-7224C49458BB}"/>
+          </c:extLst>
+        </c:dLbl>
+      </c:pivotFmt>
+      <c:pivotFmt>
+        <c:idx val="4"/>
+        <c:spPr>
+          <a:solidFill>
+            <a:schemeClr val="accent1"/>
+          </a:solidFill>
+          <a:ln>
+            <a:noFill/>
+          </a:ln>
+          <a:effectLst/>
+        </c:spPr>
+        <c:marker>
+          <c:symbol val="none"/>
+        </c:marker>
+        <c:dLbl>
+          <c:idx val="0"/>
+          <c:spPr>
+            <a:noFill/>
+            <a:ln>
+              <a:noFill/>
+            </a:ln>
+            <a:effectLst/>
+          </c:spPr>
+          <c:txPr>
+            <a:bodyPr rot="0" spcFirstLastPara="1" vertOverflow="ellipsis" vert="horz" wrap="square" lIns="38100" tIns="19050" rIns="38100" bIns="19050" anchor="ctr" anchorCtr="1">
+              <a:spAutoFit/>
+            </a:bodyPr>
+            <a:lstStyle/>
+            <a:p>
+              <a:pPr>
+                <a:defRPr sz="900" b="0" i="0" u="none" strike="noStrike" kern="1200" baseline="0">
+                  <a:solidFill>
+                    <a:schemeClr val="tx1">
+                      <a:lumMod val="75000"/>
+                      <a:lumOff val="25000"/>
+                    </a:schemeClr>
+                  </a:solidFill>
+                  <a:latin typeface="+mn-lt"/>
+                  <a:ea typeface="+mn-ea"/>
+                  <a:cs typeface="+mn-cs"/>
+                </a:defRPr>
+              </a:pPr>
+              <a:endParaRPr lang="en-US"/>
+            </a:p>
+          </c:txPr>
+          <c:showLegendKey val="0"/>
+          <c:showVal val="0"/>
+          <c:showCatName val="0"/>
+          <c:showSerName val="0"/>
+          <c:showPercent val="0"/>
+          <c:showBubbleSize val="0"/>
+          <c:extLst>
+            <c:ext xmlns:c15="http://schemas.microsoft.com/office/drawing/2012/chart" uri="{CE6537A1-D6FC-4f65-9D91-7224C49458BB}"/>
+          </c:extLst>
+        </c:dLbl>
+      </c:pivotFmt>
+      <c:pivotFmt>
+        <c:idx val="5"/>
+        <c:spPr>
+          <a:solidFill>
+            <a:schemeClr val="accent1"/>
+          </a:solidFill>
+          <a:ln>
+            <a:noFill/>
+          </a:ln>
+          <a:effectLst/>
+        </c:spPr>
+        <c:marker>
+          <c:symbol val="none"/>
+        </c:marker>
+        <c:dLbl>
+          <c:idx val="0"/>
+          <c:spPr>
+            <a:noFill/>
+            <a:ln>
+              <a:noFill/>
+            </a:ln>
+            <a:effectLst/>
+          </c:spPr>
+          <c:txPr>
+            <a:bodyPr rot="0" spcFirstLastPara="1" vertOverflow="ellipsis" vert="horz" wrap="square" lIns="38100" tIns="19050" rIns="38100" bIns="19050" anchor="ctr" anchorCtr="1">
+              <a:spAutoFit/>
+            </a:bodyPr>
+            <a:lstStyle/>
+            <a:p>
+              <a:pPr>
+                <a:defRPr sz="900" b="0" i="0" u="none" strike="noStrike" kern="1200" baseline="0">
+                  <a:solidFill>
+                    <a:schemeClr val="tx1">
+                      <a:lumMod val="75000"/>
+                      <a:lumOff val="25000"/>
+                    </a:schemeClr>
+                  </a:solidFill>
+                  <a:latin typeface="+mn-lt"/>
+                  <a:ea typeface="+mn-ea"/>
+                  <a:cs typeface="+mn-cs"/>
+                </a:defRPr>
+              </a:pPr>
+              <a:endParaRPr lang="en-US"/>
+            </a:p>
+          </c:txPr>
+          <c:showLegendKey val="0"/>
+          <c:showVal val="0"/>
+          <c:showCatName val="0"/>
+          <c:showSerName val="0"/>
+          <c:showPercent val="0"/>
+          <c:showBubbleSize val="0"/>
+          <c:extLst>
+            <c:ext xmlns:c15="http://schemas.microsoft.com/office/drawing/2012/chart" uri="{CE6537A1-D6FC-4f65-9D91-7224C49458BB}"/>
+          </c:extLst>
+        </c:dLbl>
+      </c:pivotFmt>
+    </c:pivotFmts>
+    <c:plotArea>
+      <c:layout/>
+      <c:barChart>
+        <c:barDir val="col"/>
+        <c:grouping val="clustered"/>
+        <c:varyColors val="0"/>
+        <c:ser>
+          <c:idx val="0"/>
+          <c:order val="0"/>
+          <c:tx>
+            <c:strRef>
+              <c:f>MB_b3!$B$3</c:f>
+              <c:strCache>
+                <c:ptCount val="1"/>
+                <c:pt idx="0">
+                  <c:v>Sum of  Production Budget </c:v>
+                </c:pt>
+              </c:strCache>
+            </c:strRef>
+          </c:tx>
+          <c:spPr>
+            <a:solidFill>
+              <a:schemeClr val="accent1"/>
+            </a:solidFill>
+            <a:ln>
+              <a:noFill/>
+            </a:ln>
+            <a:effectLst/>
+          </c:spPr>
+          <c:invertIfNegative val="0"/>
+          <c:cat>
+            <c:strRef>
+              <c:f>MB_b3!$A$4:$A$7</c:f>
+              <c:strCache>
+                <c:ptCount val="3"/>
+                <c:pt idx="0">
+                  <c:v>All the King's Men</c:v>
+                </c:pt>
+                <c:pt idx="1">
+                  <c:v>Lucky You</c:v>
+                </c:pt>
+                <c:pt idx="2">
+                  <c:v>The Warrior's Way</c:v>
+                </c:pt>
+              </c:strCache>
+            </c:strRef>
+          </c:cat>
+          <c:val>
+            <c:numRef>
+              <c:f>MB_b3!$B$4:$B$7</c:f>
+              <c:numCache>
+                <c:formatCode>"$"#,##0</c:formatCode>
+                <c:ptCount val="3"/>
+                <c:pt idx="0">
+                  <c:v>55000000</c:v>
+                </c:pt>
+                <c:pt idx="1">
+                  <c:v>55000000</c:v>
+                </c:pt>
+                <c:pt idx="2">
+                  <c:v>42000000</c:v>
+                </c:pt>
+              </c:numCache>
+            </c:numRef>
+          </c:val>
+          <c:extLst>
+            <c:ext xmlns:c16="http://schemas.microsoft.com/office/drawing/2014/chart" uri="{C3380CC4-5D6E-409C-BE32-E72D297353CC}">
+              <c16:uniqueId val="{00000000-8D57-480F-B2D0-211E4A3C2B0C}"/>
+            </c:ext>
+          </c:extLst>
+        </c:ser>
+        <c:ser>
+          <c:idx val="1"/>
+          <c:order val="1"/>
+          <c:tx>
+            <c:strRef>
+              <c:f>MB_b3!$C$3</c:f>
+              <c:strCache>
+                <c:ptCount val="1"/>
+                <c:pt idx="0">
+                  <c:v>Sum of Total Box Office</c:v>
+                </c:pt>
+              </c:strCache>
+            </c:strRef>
+          </c:tx>
+          <c:spPr>
+            <a:solidFill>
+              <a:schemeClr val="accent2"/>
+            </a:solidFill>
+            <a:ln>
+              <a:noFill/>
+            </a:ln>
+            <a:effectLst/>
+          </c:spPr>
+          <c:invertIfNegative val="0"/>
+          <c:cat>
+            <c:strRef>
+              <c:f>MB_b3!$A$4:$A$7</c:f>
+              <c:strCache>
+                <c:ptCount val="3"/>
+                <c:pt idx="0">
+                  <c:v>All the King's Men</c:v>
+                </c:pt>
+                <c:pt idx="1">
+                  <c:v>Lucky You</c:v>
+                </c:pt>
+                <c:pt idx="2">
+                  <c:v>The Warrior's Way</c:v>
+                </c:pt>
+              </c:strCache>
+            </c:strRef>
+          </c:cat>
+          <c:val>
+            <c:numRef>
+              <c:f>MB_b3!$C$4:$C$7</c:f>
+              <c:numCache>
+                <c:formatCode>"$"#,##0</c:formatCode>
+                <c:ptCount val="3"/>
+                <c:pt idx="0">
+                  <c:v>9521458</c:v>
+                </c:pt>
+                <c:pt idx="1">
+                  <c:v>6521829</c:v>
+                </c:pt>
+                <c:pt idx="2">
+                  <c:v>8514325</c:v>
+                </c:pt>
+              </c:numCache>
+            </c:numRef>
+          </c:val>
+          <c:extLst>
+            <c:ext xmlns:c16="http://schemas.microsoft.com/office/drawing/2014/chart" uri="{C3380CC4-5D6E-409C-BE32-E72D297353CC}">
+              <c16:uniqueId val="{00000001-8D57-480F-B2D0-211E4A3C2B0C}"/>
+            </c:ext>
+          </c:extLst>
+        </c:ser>
+        <c:dLbls>
+          <c:showLegendKey val="0"/>
+          <c:showVal val="0"/>
+          <c:showCatName val="0"/>
+          <c:showSerName val="0"/>
+          <c:showPercent val="0"/>
+          <c:showBubbleSize val="0"/>
+        </c:dLbls>
+        <c:gapWidth val="219"/>
+        <c:overlap val="-27"/>
+        <c:axId val="562884047"/>
+        <c:axId val="562868239"/>
+      </c:barChart>
+      <c:catAx>
+        <c:axId val="562884047"/>
+        <c:scaling>
+          <c:orientation val="minMax"/>
+        </c:scaling>
+        <c:delete val="0"/>
+        <c:axPos val="b"/>
+        <c:numFmt formatCode="General" sourceLinked="1"/>
+        <c:majorTickMark val="none"/>
+        <c:minorTickMark val="none"/>
+        <c:tickLblPos val="nextTo"/>
+        <c:spPr>
+          <a:noFill/>
+          <a:ln w="9525" cap="flat" cmpd="sng" algn="ctr">
+            <a:solidFill>
+              <a:schemeClr val="tx1">
+                <a:lumMod val="15000"/>
+                <a:lumOff val="85000"/>
+              </a:schemeClr>
+            </a:solidFill>
+            <a:round/>
+          </a:ln>
+          <a:effectLst/>
+        </c:spPr>
+        <c:txPr>
+          <a:bodyPr rot="-1980000" spcFirstLastPara="1" vertOverflow="ellipsis" vert="horz" wrap="square" anchor="ctr" anchorCtr="1"/>
+          <a:lstStyle/>
+          <a:p>
+            <a:pPr>
+              <a:defRPr sz="900" b="0" i="0" u="none" strike="noStrike" kern="1200" baseline="0">
+                <a:ln>
+                  <a:noFill/>
+                </a:ln>
+                <a:solidFill>
+                  <a:schemeClr val="tx1">
+                    <a:lumMod val="65000"/>
+                    <a:lumOff val="35000"/>
+                  </a:schemeClr>
+                </a:solidFill>
+                <a:latin typeface="+mn-lt"/>
+                <a:ea typeface="+mn-ea"/>
+                <a:cs typeface="+mn-cs"/>
+              </a:defRPr>
+            </a:pPr>
+            <a:endParaRPr lang="en-US"/>
+          </a:p>
+        </c:txPr>
+        <c:crossAx val="562868239"/>
+        <c:crosses val="autoZero"/>
+        <c:auto val="1"/>
+        <c:lblAlgn val="ctr"/>
+        <c:lblOffset val="100"/>
+        <c:noMultiLvlLbl val="0"/>
+      </c:catAx>
+      <c:valAx>
+        <c:axId val="562868239"/>
+        <c:scaling>
+          <c:orientation val="minMax"/>
+          <c:max val="140000000"/>
+        </c:scaling>
+        <c:delete val="0"/>
+        <c:axPos val="l"/>
+        <c:majorGridlines>
+          <c:spPr>
+            <a:ln w="9525" cap="flat" cmpd="sng" algn="ctr">
+              <a:solidFill>
+                <a:schemeClr val="tx1">
+                  <a:lumMod val="15000"/>
+                  <a:lumOff val="85000"/>
+                </a:schemeClr>
+              </a:solidFill>
+              <a:round/>
+            </a:ln>
+            <a:effectLst/>
+          </c:spPr>
+        </c:majorGridlines>
+        <c:numFmt formatCode="&quot;$&quot;#,##0" sourceLinked="1"/>
+        <c:majorTickMark val="none"/>
+        <c:minorTickMark val="none"/>
+        <c:tickLblPos val="nextTo"/>
+        <c:spPr>
+          <a:noFill/>
+          <a:ln>
+            <a:noFill/>
+          </a:ln>
+          <a:effectLst/>
+        </c:spPr>
+        <c:txPr>
+          <a:bodyPr rot="-60000000" spcFirstLastPara="1" vertOverflow="ellipsis" vert="horz" wrap="square" anchor="ctr" anchorCtr="1"/>
+          <a:lstStyle/>
+          <a:p>
+            <a:pPr>
+              <a:defRPr sz="900" b="0" i="0" u="none" strike="noStrike" kern="1200" baseline="0">
+                <a:solidFill>
+                  <a:schemeClr val="tx1">
+                    <a:lumMod val="65000"/>
+                    <a:lumOff val="35000"/>
+                  </a:schemeClr>
+                </a:solidFill>
+                <a:latin typeface="+mn-lt"/>
+                <a:ea typeface="+mn-ea"/>
+                <a:cs typeface="+mn-cs"/>
+              </a:defRPr>
+            </a:pPr>
+            <a:endParaRPr lang="en-US"/>
+          </a:p>
+        </c:txPr>
+        <c:crossAx val="562884047"/>
+        <c:crosses val="autoZero"/>
+        <c:crossBetween val="between"/>
+      </c:valAx>
+      <c:spPr>
+        <a:noFill/>
+        <a:ln>
+          <a:noFill/>
+        </a:ln>
+        <a:effectLst/>
+      </c:spPr>
+    </c:plotArea>
+    <c:legend>
+      <c:legendPos val="r"/>
+      <c:overlay val="0"/>
+      <c:spPr>
+        <a:noFill/>
+        <a:ln>
+          <a:noFill/>
+        </a:ln>
+        <a:effectLst/>
+      </c:spPr>
+      <c:txPr>
+        <a:bodyPr rot="0" spcFirstLastPara="1" vertOverflow="ellipsis" vert="horz" wrap="square" anchor="ctr" anchorCtr="1"/>
+        <a:lstStyle/>
+        <a:p>
+          <a:pPr>
+            <a:defRPr sz="900" b="0" i="0" u="none" strike="noStrike" kern="1200" baseline="0">
+              <a:solidFill>
+                <a:schemeClr val="tx1">
+                  <a:lumMod val="65000"/>
+                  <a:lumOff val="35000"/>
+                </a:schemeClr>
+              </a:solidFill>
+              <a:latin typeface="+mn-lt"/>
+              <a:ea typeface="+mn-ea"/>
+              <a:cs typeface="+mn-cs"/>
+            </a:defRPr>
+          </a:pPr>
+          <a:endParaRPr lang="en-US"/>
+        </a:p>
+      </c:txPr>
+    </c:legend>
+    <c:plotVisOnly val="1"/>
+    <c:dispBlanksAs val="gap"/>
+    <c:extLst>
+      <c:ext xmlns:c16r3="http://schemas.microsoft.com/office/drawing/2017/03/chart" uri="{56B9EC1D-385E-4148-901F-78D8002777C0}">
+        <c16r3:dataDisplayOptions16>
+          <c16r3:dispNaAsBlank val="1"/>
+        </c16r3:dataDisplayOptions16>
+      </c:ext>
+    </c:extLst>
+    <c:showDLblsOverMax val="0"/>
+  </c:chart>
+  <c:spPr>
+    <a:noFill/>
+    <a:ln>
+      <a:noFill/>
+    </a:ln>
+    <a:effectLst/>
+  </c:spPr>
+  <c:txPr>
+    <a:bodyPr/>
+    <a:lstStyle/>
+    <a:p>
+      <a:pPr>
+        <a:defRPr/>
+      </a:pPr>
+      <a:endParaRPr lang="en-US"/>
+    </a:p>
+  </c:txPr>
+  <c:externalData r:id="rId3">
+    <c:autoUpdate val="0"/>
+  </c:externalData>
+  <c:extLst>
+    <c:ext xmlns:c14="http://schemas.microsoft.com/office/drawing/2007/8/2/chart" uri="{781A3756-C4B2-4CAC-9D66-4F8BD8637D16}">
+      <c14:pivotOptions>
+        <c14:dropZoneFilter val="1"/>
+        <c14:dropZoneCategories val="1"/>
+        <c14:dropZoneData val="1"/>
+        <c14:dropZoneSeries val="1"/>
+      </c14:pivotOptions>
+    </c:ext>
+    <c:ext xmlns:c16="http://schemas.microsoft.com/office/drawing/2014/chart" uri="{E28EC0CA-F0BB-4C9C-879D-F8772B89E7AC}">
+      <c16:pivotOptions16>
+        <c16:showExpandCollapseFieldButtons val="1"/>
+      </c16:pivotOptions16>
+    </c:ext>
+  </c:extLst>
+</c:chartSpace>
+</file>
+
+<file path=ppt/charts/chart9.xml><?xml version="1.0" encoding="utf-8"?>
+<c:chartSpace xmlns:c="http://schemas.openxmlformats.org/drawingml/2006/chart" xmlns:a="http://schemas.openxmlformats.org/drawingml/2006/main" xmlns:r="http://schemas.openxmlformats.org/officeDocument/2006/relationships" xmlns:c16r2="http://schemas.microsoft.com/office/drawing/2015/06/chart">
+  <c:date1904 val="0"/>
+  <c:lang val="en-US"/>
+  <c:roundedCorners val="0"/>
+  <mc:AlternateContent xmlns:mc="http://schemas.openxmlformats.org/markup-compatibility/2006">
+    <mc:Choice xmlns:c14="http://schemas.microsoft.com/office/drawing/2007/8/2/chart" Requires="c14">
+      <c14:style val="102"/>
+    </mc:Choice>
+    <mc:Fallback>
+      <c:style val="2"/>
+    </mc:Fallback>
+  </mc:AlternateContent>
+  <c:pivotSource>
+    <c:name>[c_movie_data.xlsx]Genre!PivotTable1</c:name>
+    <c:fmtId val="16"/>
+  </c:pivotSource>
+  <c:chart>
+    <c:title>
+      <c:tx>
+        <c:rich>
+          <a:bodyPr rot="0" spcFirstLastPara="1" vertOverflow="ellipsis" vert="horz" wrap="square" anchor="ctr" anchorCtr="1"/>
+          <a:lstStyle/>
+          <a:p>
+            <a:pPr>
+              <a:defRPr sz="1400" b="0" i="0" u="none" strike="noStrike" kern="1200" spc="0" baseline="0">
+                <a:solidFill>
+                  <a:schemeClr val="tx1">
+                    <a:lumMod val="65000"/>
+                    <a:lumOff val="35000"/>
+                  </a:schemeClr>
+                </a:solidFill>
+                <a:latin typeface="+mn-lt"/>
+                <a:ea typeface="+mn-ea"/>
+                <a:cs typeface="+mn-cs"/>
+              </a:defRPr>
+            </a:pPr>
+            <a:r>
+              <a:rPr lang="en-US"/>
+              <a:t>Average</a:t>
+            </a:r>
+            <a:r>
+              <a:rPr lang="en-US" baseline="0"/>
+              <a:t> Budget vs. Box Office Totals</a:t>
+            </a:r>
+            <a:endParaRPr lang="en-US"/>
+          </a:p>
+        </c:rich>
+      </c:tx>
+      <c:overlay val="0"/>
+      <c:spPr>
+        <a:noFill/>
+        <a:ln>
+          <a:noFill/>
+        </a:ln>
+        <a:effectLst/>
+      </c:spPr>
+      <c:txPr>
+        <a:bodyPr rot="0" spcFirstLastPara="1" vertOverflow="ellipsis" vert="horz" wrap="square" anchor="ctr" anchorCtr="1"/>
+        <a:lstStyle/>
+        <a:p>
+          <a:pPr>
+            <a:defRPr sz="1400" b="0" i="0" u="none" strike="noStrike" kern="1200" spc="0" baseline="0">
+              <a:solidFill>
+                <a:schemeClr val="tx1">
+                  <a:lumMod val="65000"/>
+                  <a:lumOff val="35000"/>
+                </a:schemeClr>
+              </a:solidFill>
+              <a:latin typeface="+mn-lt"/>
+              <a:ea typeface="+mn-ea"/>
+              <a:cs typeface="+mn-cs"/>
+            </a:defRPr>
+          </a:pPr>
+          <a:endParaRPr lang="en-US"/>
+        </a:p>
+      </c:txPr>
+    </c:title>
+    <c:autoTitleDeleted val="0"/>
+    <c:pivotFmts>
+      <c:pivotFmt>
+        <c:idx val="0"/>
+        <c:spPr>
+          <a:solidFill>
+            <a:schemeClr val="accent1"/>
+          </a:solidFill>
+          <a:ln>
+            <a:noFill/>
+          </a:ln>
+          <a:effectLst/>
+        </c:spPr>
+        <c:marker>
+          <c:symbol val="none"/>
+        </c:marker>
+      </c:pivotFmt>
+      <c:pivotFmt>
+        <c:idx val="1"/>
+        <c:spPr>
+          <a:solidFill>
+            <a:schemeClr val="accent1"/>
+          </a:solidFill>
+          <a:ln>
+            <a:noFill/>
+          </a:ln>
+          <a:effectLst/>
+        </c:spPr>
+        <c:marker>
+          <c:symbol val="none"/>
+        </c:marker>
+      </c:pivotFmt>
+      <c:pivotFmt>
+        <c:idx val="2"/>
+        <c:spPr>
+          <a:solidFill>
+            <a:schemeClr val="accent1"/>
+          </a:solidFill>
+          <a:ln>
+            <a:noFill/>
+          </a:ln>
+          <a:effectLst/>
+        </c:spPr>
+        <c:marker>
+          <c:symbol val="none"/>
+        </c:marker>
+        <c:dLbl>
+          <c:idx val="0"/>
+          <c:spPr>
+            <a:noFill/>
+            <a:ln>
+              <a:noFill/>
+            </a:ln>
+            <a:effectLst/>
+          </c:spPr>
+          <c:txPr>
+            <a:bodyPr rot="0" spcFirstLastPara="1" vertOverflow="ellipsis" vert="horz" wrap="square" lIns="38100" tIns="19050" rIns="38100" bIns="19050" anchor="ctr" anchorCtr="1">
+              <a:spAutoFit/>
+            </a:bodyPr>
+            <a:lstStyle/>
+            <a:p>
+              <a:pPr>
+                <a:defRPr sz="900" b="0" i="0" u="none" strike="noStrike" kern="1200" baseline="0">
+                  <a:solidFill>
+                    <a:schemeClr val="tx1">
+                      <a:lumMod val="75000"/>
+                      <a:lumOff val="25000"/>
+                    </a:schemeClr>
+                  </a:solidFill>
+                  <a:latin typeface="+mn-lt"/>
+                  <a:ea typeface="+mn-ea"/>
+                  <a:cs typeface="+mn-cs"/>
+                </a:defRPr>
+              </a:pPr>
+              <a:endParaRPr lang="en-US"/>
+            </a:p>
+          </c:txPr>
+          <c:showLegendKey val="0"/>
+          <c:showVal val="0"/>
+          <c:showCatName val="0"/>
+          <c:showSerName val="0"/>
+          <c:showPercent val="0"/>
+          <c:showBubbleSize val="0"/>
+          <c:extLst>
+            <c:ext xmlns:c15="http://schemas.microsoft.com/office/drawing/2012/chart" uri="{CE6537A1-D6FC-4f65-9D91-7224C49458BB}"/>
+          </c:extLst>
+        </c:dLbl>
+      </c:pivotFmt>
+      <c:pivotFmt>
+        <c:idx val="3"/>
+        <c:spPr>
+          <a:solidFill>
+            <a:schemeClr val="accent1"/>
+          </a:solidFill>
+          <a:ln>
+            <a:noFill/>
+          </a:ln>
+          <a:effectLst/>
+        </c:spPr>
+        <c:marker>
+          <c:symbol val="none"/>
+        </c:marker>
+        <c:dLbl>
+          <c:idx val="0"/>
+          <c:spPr>
+            <a:noFill/>
+            <a:ln>
+              <a:noFill/>
+            </a:ln>
+            <a:effectLst/>
+          </c:spPr>
+          <c:txPr>
+            <a:bodyPr rot="0" spcFirstLastPara="1" vertOverflow="ellipsis" vert="horz" wrap="square" lIns="38100" tIns="19050" rIns="38100" bIns="19050" anchor="ctr" anchorCtr="1">
+              <a:spAutoFit/>
+            </a:bodyPr>
+            <a:lstStyle/>
+            <a:p>
+              <a:pPr>
+                <a:defRPr sz="900" b="0" i="0" u="none" strike="noStrike" kern="1200" baseline="0">
+                  <a:solidFill>
+                    <a:schemeClr val="tx1">
+                      <a:lumMod val="75000"/>
+                      <a:lumOff val="25000"/>
+                    </a:schemeClr>
+                  </a:solidFill>
+                  <a:latin typeface="+mn-lt"/>
+                  <a:ea typeface="+mn-ea"/>
+                  <a:cs typeface="+mn-cs"/>
+                </a:defRPr>
+              </a:pPr>
+              <a:endParaRPr lang="en-US"/>
+            </a:p>
+          </c:txPr>
+          <c:showLegendKey val="0"/>
+          <c:showVal val="0"/>
+          <c:showCatName val="0"/>
+          <c:showSerName val="0"/>
+          <c:showPercent val="0"/>
+          <c:showBubbleSize val="0"/>
+          <c:extLst>
+            <c:ext xmlns:c15="http://schemas.microsoft.com/office/drawing/2012/chart" uri="{CE6537A1-D6FC-4f65-9D91-7224C49458BB}"/>
+          </c:extLst>
+        </c:dLbl>
+      </c:pivotFmt>
+      <c:pivotFmt>
+        <c:idx val="4"/>
+        <c:spPr>
+          <a:solidFill>
+            <a:schemeClr val="accent1"/>
+          </a:solidFill>
+          <a:ln>
+            <a:noFill/>
+          </a:ln>
+          <a:effectLst/>
+        </c:spPr>
+        <c:marker>
+          <c:symbol val="none"/>
+        </c:marker>
+        <c:dLbl>
+          <c:idx val="0"/>
+          <c:spPr>
+            <a:noFill/>
+            <a:ln>
+              <a:noFill/>
+            </a:ln>
+            <a:effectLst/>
+          </c:spPr>
+          <c:txPr>
+            <a:bodyPr rot="0" spcFirstLastPara="1" vertOverflow="ellipsis" vert="horz" wrap="square" lIns="38100" tIns="19050" rIns="38100" bIns="19050" anchor="ctr" anchorCtr="1">
+              <a:spAutoFit/>
+            </a:bodyPr>
+            <a:lstStyle/>
+            <a:p>
+              <a:pPr>
+                <a:defRPr sz="900" b="0" i="0" u="none" strike="noStrike" kern="1200" baseline="0">
+                  <a:solidFill>
+                    <a:schemeClr val="tx1">
+                      <a:lumMod val="75000"/>
+                      <a:lumOff val="25000"/>
+                    </a:schemeClr>
+                  </a:solidFill>
+                  <a:latin typeface="+mn-lt"/>
+                  <a:ea typeface="+mn-ea"/>
+                  <a:cs typeface="+mn-cs"/>
+                </a:defRPr>
+              </a:pPr>
+              <a:endParaRPr lang="en-US"/>
+            </a:p>
+          </c:txPr>
+          <c:showLegendKey val="0"/>
+          <c:showVal val="0"/>
+          <c:showCatName val="0"/>
+          <c:showSerName val="0"/>
+          <c:showPercent val="0"/>
+          <c:showBubbleSize val="0"/>
+          <c:extLst>
+            <c:ext xmlns:c15="http://schemas.microsoft.com/office/drawing/2012/chart" uri="{CE6537A1-D6FC-4f65-9D91-7224C49458BB}"/>
+          </c:extLst>
+        </c:dLbl>
+      </c:pivotFmt>
+      <c:pivotFmt>
+        <c:idx val="5"/>
+        <c:spPr>
+          <a:solidFill>
+            <a:schemeClr val="accent1"/>
+          </a:solidFill>
+          <a:ln>
+            <a:noFill/>
+          </a:ln>
+          <a:effectLst/>
+        </c:spPr>
+        <c:marker>
+          <c:symbol val="none"/>
+        </c:marker>
+        <c:dLbl>
+          <c:idx val="0"/>
+          <c:spPr>
+            <a:noFill/>
+            <a:ln>
+              <a:noFill/>
+            </a:ln>
+            <a:effectLst/>
+          </c:spPr>
+          <c:txPr>
+            <a:bodyPr rot="0" spcFirstLastPara="1" vertOverflow="ellipsis" vert="horz" wrap="square" lIns="38100" tIns="19050" rIns="38100" bIns="19050" anchor="ctr" anchorCtr="1">
+              <a:spAutoFit/>
+            </a:bodyPr>
+            <a:lstStyle/>
+            <a:p>
+              <a:pPr>
+                <a:defRPr sz="900" b="0" i="0" u="none" strike="noStrike" kern="1200" baseline="0">
+                  <a:solidFill>
+                    <a:schemeClr val="tx1">
+                      <a:lumMod val="75000"/>
+                      <a:lumOff val="25000"/>
+                    </a:schemeClr>
+                  </a:solidFill>
+                  <a:latin typeface="+mn-lt"/>
+                  <a:ea typeface="+mn-ea"/>
+                  <a:cs typeface="+mn-cs"/>
+                </a:defRPr>
+              </a:pPr>
+              <a:endParaRPr lang="en-US"/>
+            </a:p>
+          </c:txPr>
+          <c:showLegendKey val="0"/>
+          <c:showVal val="0"/>
+          <c:showCatName val="0"/>
+          <c:showSerName val="0"/>
+          <c:showPercent val="0"/>
+          <c:showBubbleSize val="0"/>
+          <c:extLst>
+            <c:ext xmlns:c15="http://schemas.microsoft.com/office/drawing/2012/chart" uri="{CE6537A1-D6FC-4f65-9D91-7224C49458BB}"/>
+          </c:extLst>
+        </c:dLbl>
+      </c:pivotFmt>
+    </c:pivotFmts>
+    <c:plotArea>
+      <c:layout>
+        <c:manualLayout>
+          <c:layoutTarget val="inner"/>
+          <c:xMode val="edge"/>
+          <c:yMode val="edge"/>
+          <c:x val="0.14384211364680219"/>
+          <c:y val="0.16341521576920465"/>
+          <c:w val="0.53047603196927928"/>
+          <c:h val="0.69199749366598207"/>
+        </c:manualLayout>
+      </c:layout>
+      <c:barChart>
+        <c:barDir val="col"/>
+        <c:grouping val="clustered"/>
+        <c:varyColors val="0"/>
+        <c:ser>
+          <c:idx val="0"/>
+          <c:order val="0"/>
+          <c:tx>
+            <c:strRef>
+              <c:f>Genre!$B$3</c:f>
+              <c:strCache>
+                <c:ptCount val="1"/>
+                <c:pt idx="0">
+                  <c:v>Average of  Production Budget </c:v>
+                </c:pt>
+              </c:strCache>
+            </c:strRef>
+          </c:tx>
+          <c:spPr>
+            <a:solidFill>
+              <a:schemeClr val="accent1"/>
+            </a:solidFill>
+            <a:ln>
+              <a:noFill/>
+            </a:ln>
+            <a:effectLst/>
+          </c:spPr>
+          <c:invertIfNegative val="0"/>
+          <c:cat>
+            <c:strRef>
+              <c:f>Genre!$A$4:$A$9</c:f>
+              <c:strCache>
+                <c:ptCount val="5"/>
+                <c:pt idx="0">
+                  <c:v>Adventure</c:v>
+                </c:pt>
+                <c:pt idx="1">
+                  <c:v>Musical</c:v>
+                </c:pt>
+                <c:pt idx="2">
+                  <c:v>Romantic Comedy</c:v>
+                </c:pt>
+                <c:pt idx="3">
+                  <c:v>Horror</c:v>
+                </c:pt>
+                <c:pt idx="4">
+                  <c:v>Drama</c:v>
+                </c:pt>
+              </c:strCache>
+            </c:strRef>
+          </c:cat>
+          <c:val>
+            <c:numRef>
+              <c:f>Genre!$B$4:$B$9</c:f>
+              <c:numCache>
+                <c:formatCode>General</c:formatCode>
+                <c:ptCount val="5"/>
+                <c:pt idx="0">
+                  <c:v>109253012.04819277</c:v>
+                </c:pt>
+                <c:pt idx="1">
+                  <c:v>82041176.470588237</c:v>
+                </c:pt>
+                <c:pt idx="2">
+                  <c:v>32141860.465116277</c:v>
+                </c:pt>
+                <c:pt idx="3">
+                  <c:v>25328448.275862068</c:v>
+                </c:pt>
+                <c:pt idx="4">
+                  <c:v>33700211.864406779</c:v>
+                </c:pt>
+              </c:numCache>
+            </c:numRef>
+          </c:val>
+          <c:extLst>
+            <c:ext xmlns:c16="http://schemas.microsoft.com/office/drawing/2014/chart" uri="{C3380CC4-5D6E-409C-BE32-E72D297353CC}">
+              <c16:uniqueId val="{00000000-F74E-4C92-BB65-BCF490A54DF6}"/>
+            </c:ext>
+          </c:extLst>
+        </c:ser>
+        <c:ser>
+          <c:idx val="1"/>
+          <c:order val="1"/>
+          <c:tx>
+            <c:strRef>
+              <c:f>Genre!$C$3</c:f>
+              <c:strCache>
+                <c:ptCount val="1"/>
+                <c:pt idx="0">
+                  <c:v>Average of Total Box Office</c:v>
+                </c:pt>
+              </c:strCache>
+            </c:strRef>
+          </c:tx>
+          <c:spPr>
+            <a:solidFill>
+              <a:schemeClr val="accent3"/>
+            </a:solidFill>
+            <a:ln>
+              <a:noFill/>
+            </a:ln>
+            <a:effectLst/>
+          </c:spPr>
+          <c:invertIfNegative val="0"/>
+          <c:cat>
+            <c:strRef>
+              <c:f>Genre!$A$4:$A$9</c:f>
+              <c:strCache>
+                <c:ptCount val="5"/>
+                <c:pt idx="0">
+                  <c:v>Adventure</c:v>
+                </c:pt>
+                <c:pt idx="1">
+                  <c:v>Musical</c:v>
+                </c:pt>
+                <c:pt idx="2">
+                  <c:v>Romantic Comedy</c:v>
+                </c:pt>
+                <c:pt idx="3">
+                  <c:v>Horror</c:v>
+                </c:pt>
+                <c:pt idx="4">
+                  <c:v>Drama</c:v>
+                </c:pt>
+              </c:strCache>
+            </c:strRef>
+          </c:cat>
+          <c:val>
+            <c:numRef>
+              <c:f>Genre!$C$4:$C$9</c:f>
+              <c:numCache>
+                <c:formatCode>General</c:formatCode>
+                <c:ptCount val="5"/>
+                <c:pt idx="0">
+                  <c:v>348330246.27710843</c:v>
+                </c:pt>
+                <c:pt idx="1">
+                  <c:v>344278935.11764705</c:v>
+                </c:pt>
+                <c:pt idx="2">
+                  <c:v>104926434.93023255</c:v>
+                </c:pt>
+                <c:pt idx="3">
+                  <c:v>94970554.637931034</c:v>
+                </c:pt>
+                <c:pt idx="4">
+                  <c:v>94350541.033898309</c:v>
+                </c:pt>
+              </c:numCache>
+            </c:numRef>
+          </c:val>
+          <c:extLst>
+            <c:ext xmlns:c16="http://schemas.microsoft.com/office/drawing/2014/chart" uri="{C3380CC4-5D6E-409C-BE32-E72D297353CC}">
+              <c16:uniqueId val="{00000001-F74E-4C92-BB65-BCF490A54DF6}"/>
+            </c:ext>
+          </c:extLst>
+        </c:ser>
+        <c:dLbls>
+          <c:showLegendKey val="0"/>
+          <c:showVal val="0"/>
+          <c:showCatName val="0"/>
+          <c:showSerName val="0"/>
+          <c:showPercent val="0"/>
+          <c:showBubbleSize val="0"/>
+        </c:dLbls>
+        <c:gapWidth val="219"/>
+        <c:overlap val="-27"/>
+        <c:axId val="252573200"/>
+        <c:axId val="252572784"/>
+      </c:barChart>
+      <c:catAx>
+        <c:axId val="252573200"/>
         <c:scaling>
           <c:orientation val="minMax"/>
         </c:scaling>
@@ -5030,7 +7109,7 @@
             <a:endParaRPr lang="en-US"/>
           </a:p>
         </c:txPr>
-        <c:crossAx val="678982255"/>
+        <c:crossAx val="252572784"/>
         <c:crosses val="autoZero"/>
         <c:auto val="1"/>
         <c:lblAlgn val="ctr"/>
@@ -5038,13 +7117,27 @@
         <c:noMultiLvlLbl val="0"/>
       </c:catAx>
       <c:valAx>
-        <c:axId val="678982255"/>
+        <c:axId val="252572784"/>
         <c:scaling>
           <c:orientation val="minMax"/>
         </c:scaling>
         <c:delete val="0"/>
         <c:axPos val="l"/>
-        <c:numFmt formatCode="&quot;$&quot;#,##0" sourceLinked="1"/>
+        <c:majorGridlines>
+          <c:spPr>
+            <a:ln w="9525" cap="flat" cmpd="sng" algn="ctr">
+              <a:solidFill>
+                <a:schemeClr val="tx1">
+                  <a:lumMod val="15000"/>
+                  <a:lumOff val="85000"/>
+                </a:schemeClr>
+              </a:solidFill>
+              <a:round/>
+            </a:ln>
+            <a:effectLst/>
+          </c:spPr>
+        </c:majorGridlines>
+        <c:numFmt formatCode="&quot;$&quot;#,##0" sourceLinked="0"/>
         <c:majorTickMark val="none"/>
         <c:minorTickMark val="none"/>
         <c:tickLblPos val="nextTo"/>
@@ -5075,7 +7168,7 @@
             <a:endParaRPr lang="en-US"/>
           </a:p>
         </c:txPr>
-        <c:crossAx val="678982671"/>
+        <c:crossAx val="252573200"/>
         <c:crosses val="autoZero"/>
         <c:crossBetween val="between"/>
       </c:valAx>
@@ -5168,6 +7261,43 @@
 </file>
 
 <file path=ppt/charts/colors1.xml><?xml version="1.0" encoding="utf-8"?>
+<cs:colorStyle xmlns:cs="http://schemas.microsoft.com/office/drawing/2012/chartStyle" xmlns:a="http://schemas.openxmlformats.org/drawingml/2006/main" meth="cycle" id="11">
+  <a:schemeClr val="accent1"/>
+  <a:schemeClr val="accent3"/>
+  <a:schemeClr val="accent5"/>
+  <cs:variation/>
+  <cs:variation>
+    <a:lumMod val="60000"/>
+  </cs:variation>
+  <cs:variation>
+    <a:lumMod val="80000"/>
+    <a:lumOff val="20000"/>
+  </cs:variation>
+  <cs:variation>
+    <a:lumMod val="80000"/>
+  </cs:variation>
+  <cs:variation>
+    <a:lumMod val="60000"/>
+    <a:lumOff val="40000"/>
+  </cs:variation>
+  <cs:variation>
+    <a:lumMod val="50000"/>
+  </cs:variation>
+  <cs:variation>
+    <a:lumMod val="70000"/>
+    <a:lumOff val="30000"/>
+  </cs:variation>
+  <cs:variation>
+    <a:lumMod val="70000"/>
+  </cs:variation>
+  <cs:variation>
+    <a:lumMod val="50000"/>
+    <a:lumOff val="50000"/>
+  </cs:variation>
+</cs:colorStyle>
+</file>
+
+<file path=ppt/charts/colors10.xml><?xml version="1.0" encoding="utf-8"?>
 <cs:colorStyle xmlns:cs="http://schemas.microsoft.com/office/drawing/2012/chartStyle" xmlns:a="http://schemas.openxmlformats.org/drawingml/2006/main" meth="cycle" id="11">
   <a:schemeClr val="accent1"/>
   <a:schemeClr val="accent3"/>
@@ -5441,6 +7571,83 @@
 </cs:colorStyle>
 </file>
 
+<file path=ppt/charts/colors8.xml><?xml version="1.0" encoding="utf-8"?>
+<cs:colorStyle xmlns:cs="http://schemas.microsoft.com/office/drawing/2012/chartStyle" xmlns:a="http://schemas.openxmlformats.org/drawingml/2006/main" meth="cycle" id="10">
+  <a:schemeClr val="accent1"/>
+  <a:schemeClr val="accent2"/>
+  <a:schemeClr val="accent3"/>
+  <a:schemeClr val="accent4"/>
+  <a:schemeClr val="accent5"/>
+  <a:schemeClr val="accent6"/>
+  <cs:variation/>
+  <cs:variation>
+    <a:lumMod val="60000"/>
+  </cs:variation>
+  <cs:variation>
+    <a:lumMod val="80000"/>
+    <a:lumOff val="20000"/>
+  </cs:variation>
+  <cs:variation>
+    <a:lumMod val="80000"/>
+  </cs:variation>
+  <cs:variation>
+    <a:lumMod val="60000"/>
+    <a:lumOff val="40000"/>
+  </cs:variation>
+  <cs:variation>
+    <a:lumMod val="50000"/>
+  </cs:variation>
+  <cs:variation>
+    <a:lumMod val="70000"/>
+    <a:lumOff val="30000"/>
+  </cs:variation>
+  <cs:variation>
+    <a:lumMod val="70000"/>
+  </cs:variation>
+  <cs:variation>
+    <a:lumMod val="50000"/>
+    <a:lumOff val="50000"/>
+  </cs:variation>
+</cs:colorStyle>
+</file>
+
+<file path=ppt/charts/colors9.xml><?xml version="1.0" encoding="utf-8"?>
+<cs:colorStyle xmlns:cs="http://schemas.microsoft.com/office/drawing/2012/chartStyle" xmlns:a="http://schemas.openxmlformats.org/drawingml/2006/main" meth="cycle" id="11">
+  <a:schemeClr val="accent1"/>
+  <a:schemeClr val="accent3"/>
+  <a:schemeClr val="accent5"/>
+  <cs:variation/>
+  <cs:variation>
+    <a:lumMod val="60000"/>
+  </cs:variation>
+  <cs:variation>
+    <a:lumMod val="80000"/>
+    <a:lumOff val="20000"/>
+  </cs:variation>
+  <cs:variation>
+    <a:lumMod val="80000"/>
+  </cs:variation>
+  <cs:variation>
+    <a:lumMod val="60000"/>
+    <a:lumOff val="40000"/>
+  </cs:variation>
+  <cs:variation>
+    <a:lumMod val="50000"/>
+  </cs:variation>
+  <cs:variation>
+    <a:lumMod val="70000"/>
+    <a:lumOff val="30000"/>
+  </cs:variation>
+  <cs:variation>
+    <a:lumMod val="70000"/>
+  </cs:variation>
+  <cs:variation>
+    <a:lumMod val="50000"/>
+    <a:lumOff val="50000"/>
+  </cs:variation>
+</cs:colorStyle>
+</file>
+
 <file path=ppt/charts/style1.xml><?xml version="1.0" encoding="utf-8"?>
 <cs:chartStyle xmlns:cs="http://schemas.microsoft.com/office/drawing/2012/chartStyle" xmlns:a="http://schemas.openxmlformats.org/drawingml/2006/main" id="201">
   <cs:axisTitle>
@@ -5944,7 +8151,7 @@
 </cs:chartStyle>
 </file>
 
-<file path=ppt/charts/style2.xml><?xml version="1.0" encoding="utf-8"?>
+<file path=ppt/charts/style10.xml><?xml version="1.0" encoding="utf-8"?>
 <cs:chartStyle xmlns:cs="http://schemas.microsoft.com/office/drawing/2012/chartStyle" xmlns:a="http://schemas.openxmlformats.org/drawingml/2006/main" id="201">
   <cs:axisTitle>
     <cs:lnRef idx="0"/>
@@ -6447,7 +8654,7 @@
 </cs:chartStyle>
 </file>
 
-<file path=ppt/charts/style3.xml><?xml version="1.0" encoding="utf-8"?>
+<file path=ppt/charts/style2.xml><?xml version="1.0" encoding="utf-8"?>
 <cs:chartStyle xmlns:cs="http://schemas.microsoft.com/office/drawing/2012/chartStyle" xmlns:a="http://schemas.openxmlformats.org/drawingml/2006/main" id="201">
   <cs:axisTitle>
     <cs:lnRef idx="0"/>
@@ -6950,7 +9157,7 @@
 </cs:chartStyle>
 </file>
 
-<file path=ppt/charts/style4.xml><?xml version="1.0" encoding="utf-8"?>
+<file path=ppt/charts/style3.xml><?xml version="1.0" encoding="utf-8"?>
 <cs:chartStyle xmlns:cs="http://schemas.microsoft.com/office/drawing/2012/chartStyle" xmlns:a="http://schemas.openxmlformats.org/drawingml/2006/main" id="201">
   <cs:axisTitle>
     <cs:lnRef idx="0"/>
@@ -7453,7 +9660,7 @@
 </cs:chartStyle>
 </file>
 
-<file path=ppt/charts/style5.xml><?xml version="1.0" encoding="utf-8"?>
+<file path=ppt/charts/style4.xml><?xml version="1.0" encoding="utf-8"?>
 <cs:chartStyle xmlns:cs="http://schemas.microsoft.com/office/drawing/2012/chartStyle" xmlns:a="http://schemas.openxmlformats.org/drawingml/2006/main" id="201">
   <cs:axisTitle>
     <cs:lnRef idx="0"/>
@@ -7956,7 +10163,7 @@
 </cs:chartStyle>
 </file>
 
-<file path=ppt/charts/style6.xml><?xml version="1.0" encoding="utf-8"?>
+<file path=ppt/charts/style5.xml><?xml version="1.0" encoding="utf-8"?>
 <cs:chartStyle xmlns:cs="http://schemas.microsoft.com/office/drawing/2012/chartStyle" xmlns:a="http://schemas.openxmlformats.org/drawingml/2006/main" id="201">
   <cs:axisTitle>
     <cs:lnRef idx="0"/>
@@ -8459,7 +10666,1516 @@
 </cs:chartStyle>
 </file>
 
+<file path=ppt/charts/style6.xml><?xml version="1.0" encoding="utf-8"?>
+<cs:chartStyle xmlns:cs="http://schemas.microsoft.com/office/drawing/2012/chartStyle" xmlns:a="http://schemas.openxmlformats.org/drawingml/2006/main" id="201">
+  <cs:axisTitle>
+    <cs:lnRef idx="0"/>
+    <cs:fillRef idx="0"/>
+    <cs:effectRef idx="0"/>
+    <cs:fontRef idx="minor">
+      <a:schemeClr val="tx1">
+        <a:lumMod val="65000"/>
+        <a:lumOff val="35000"/>
+      </a:schemeClr>
+    </cs:fontRef>
+    <cs:defRPr sz="1000" kern="1200"/>
+  </cs:axisTitle>
+  <cs:categoryAxis>
+    <cs:lnRef idx="0"/>
+    <cs:fillRef idx="0"/>
+    <cs:effectRef idx="0"/>
+    <cs:fontRef idx="minor">
+      <a:schemeClr val="tx1">
+        <a:lumMod val="65000"/>
+        <a:lumOff val="35000"/>
+      </a:schemeClr>
+    </cs:fontRef>
+    <cs:spPr>
+      <a:ln w="9525" cap="flat" cmpd="sng" algn="ctr">
+        <a:solidFill>
+          <a:schemeClr val="tx1">
+            <a:lumMod val="15000"/>
+            <a:lumOff val="85000"/>
+          </a:schemeClr>
+        </a:solidFill>
+        <a:round/>
+      </a:ln>
+    </cs:spPr>
+    <cs:defRPr sz="900" kern="1200"/>
+  </cs:categoryAxis>
+  <cs:chartArea mods="allowNoFillOverride allowNoLineOverride">
+    <cs:lnRef idx="0"/>
+    <cs:fillRef idx="0"/>
+    <cs:effectRef idx="0"/>
+    <cs:fontRef idx="minor">
+      <a:schemeClr val="tx1"/>
+    </cs:fontRef>
+    <cs:spPr>
+      <a:solidFill>
+        <a:schemeClr val="bg1"/>
+      </a:solidFill>
+      <a:ln w="9525" cap="flat" cmpd="sng" algn="ctr">
+        <a:solidFill>
+          <a:schemeClr val="tx1">
+            <a:lumMod val="15000"/>
+            <a:lumOff val="85000"/>
+          </a:schemeClr>
+        </a:solidFill>
+        <a:round/>
+      </a:ln>
+    </cs:spPr>
+    <cs:defRPr sz="1000" kern="1200"/>
+  </cs:chartArea>
+  <cs:dataLabel>
+    <cs:lnRef idx="0"/>
+    <cs:fillRef idx="0"/>
+    <cs:effectRef idx="0"/>
+    <cs:fontRef idx="minor">
+      <a:schemeClr val="tx1">
+        <a:lumMod val="75000"/>
+        <a:lumOff val="25000"/>
+      </a:schemeClr>
+    </cs:fontRef>
+    <cs:defRPr sz="900" kern="1200"/>
+  </cs:dataLabel>
+  <cs:dataLabelCallout>
+    <cs:lnRef idx="0"/>
+    <cs:fillRef idx="0"/>
+    <cs:effectRef idx="0"/>
+    <cs:fontRef idx="minor">
+      <a:schemeClr val="dk1">
+        <a:lumMod val="65000"/>
+        <a:lumOff val="35000"/>
+      </a:schemeClr>
+    </cs:fontRef>
+    <cs:spPr>
+      <a:solidFill>
+        <a:schemeClr val="lt1"/>
+      </a:solidFill>
+      <a:ln>
+        <a:solidFill>
+          <a:schemeClr val="dk1">
+            <a:lumMod val="25000"/>
+            <a:lumOff val="75000"/>
+          </a:schemeClr>
+        </a:solidFill>
+      </a:ln>
+    </cs:spPr>
+    <cs:defRPr sz="900" kern="1200"/>
+    <cs:bodyPr rot="0" spcFirstLastPara="1" vertOverflow="clip" horzOverflow="clip" vert="horz" wrap="square" lIns="36576" tIns="18288" rIns="36576" bIns="18288" anchor="ctr" anchorCtr="1">
+      <a:spAutoFit/>
+    </cs:bodyPr>
+  </cs:dataLabelCallout>
+  <cs:dataPoint>
+    <cs:lnRef idx="0"/>
+    <cs:fillRef idx="1">
+      <cs:styleClr val="auto"/>
+    </cs:fillRef>
+    <cs:effectRef idx="0"/>
+    <cs:fontRef idx="minor">
+      <a:schemeClr val="tx1"/>
+    </cs:fontRef>
+  </cs:dataPoint>
+  <cs:dataPoint3D>
+    <cs:lnRef idx="0"/>
+    <cs:fillRef idx="1">
+      <cs:styleClr val="auto"/>
+    </cs:fillRef>
+    <cs:effectRef idx="0"/>
+    <cs:fontRef idx="minor">
+      <a:schemeClr val="tx1"/>
+    </cs:fontRef>
+  </cs:dataPoint3D>
+  <cs:dataPointLine>
+    <cs:lnRef idx="0">
+      <cs:styleClr val="auto"/>
+    </cs:lnRef>
+    <cs:fillRef idx="1"/>
+    <cs:effectRef idx="0"/>
+    <cs:fontRef idx="minor">
+      <a:schemeClr val="tx1"/>
+    </cs:fontRef>
+    <cs:spPr>
+      <a:ln w="28575" cap="rnd">
+        <a:solidFill>
+          <a:schemeClr val="phClr"/>
+        </a:solidFill>
+        <a:round/>
+      </a:ln>
+    </cs:spPr>
+  </cs:dataPointLine>
+  <cs:dataPointMarker>
+    <cs:lnRef idx="0">
+      <cs:styleClr val="auto"/>
+    </cs:lnRef>
+    <cs:fillRef idx="1">
+      <cs:styleClr val="auto"/>
+    </cs:fillRef>
+    <cs:effectRef idx="0"/>
+    <cs:fontRef idx="minor">
+      <a:schemeClr val="tx1"/>
+    </cs:fontRef>
+    <cs:spPr>
+      <a:ln w="9525">
+        <a:solidFill>
+          <a:schemeClr val="phClr"/>
+        </a:solidFill>
+      </a:ln>
+    </cs:spPr>
+  </cs:dataPointMarker>
+  <cs:dataPointMarkerLayout symbol="circle" size="5"/>
+  <cs:dataPointWireframe>
+    <cs:lnRef idx="0">
+      <cs:styleClr val="auto"/>
+    </cs:lnRef>
+    <cs:fillRef idx="1"/>
+    <cs:effectRef idx="0"/>
+    <cs:fontRef idx="minor">
+      <a:schemeClr val="tx1"/>
+    </cs:fontRef>
+    <cs:spPr>
+      <a:ln w="9525" cap="rnd">
+        <a:solidFill>
+          <a:schemeClr val="phClr"/>
+        </a:solidFill>
+        <a:round/>
+      </a:ln>
+    </cs:spPr>
+  </cs:dataPointWireframe>
+  <cs:dataTable>
+    <cs:lnRef idx="0"/>
+    <cs:fillRef idx="0"/>
+    <cs:effectRef idx="0"/>
+    <cs:fontRef idx="minor">
+      <a:schemeClr val="tx1">
+        <a:lumMod val="65000"/>
+        <a:lumOff val="35000"/>
+      </a:schemeClr>
+    </cs:fontRef>
+    <cs:spPr>
+      <a:noFill/>
+      <a:ln w="9525" cap="flat" cmpd="sng" algn="ctr">
+        <a:solidFill>
+          <a:schemeClr val="tx1">
+            <a:lumMod val="15000"/>
+            <a:lumOff val="85000"/>
+          </a:schemeClr>
+        </a:solidFill>
+        <a:round/>
+      </a:ln>
+    </cs:spPr>
+    <cs:defRPr sz="900" kern="1200"/>
+  </cs:dataTable>
+  <cs:downBar>
+    <cs:lnRef idx="0"/>
+    <cs:fillRef idx="0"/>
+    <cs:effectRef idx="0"/>
+    <cs:fontRef idx="minor">
+      <a:schemeClr val="dk1"/>
+    </cs:fontRef>
+    <cs:spPr>
+      <a:solidFill>
+        <a:schemeClr val="dk1">
+          <a:lumMod val="65000"/>
+          <a:lumOff val="35000"/>
+        </a:schemeClr>
+      </a:solidFill>
+      <a:ln w="9525">
+        <a:solidFill>
+          <a:schemeClr val="tx1">
+            <a:lumMod val="65000"/>
+            <a:lumOff val="35000"/>
+          </a:schemeClr>
+        </a:solidFill>
+      </a:ln>
+    </cs:spPr>
+  </cs:downBar>
+  <cs:dropLine>
+    <cs:lnRef idx="0"/>
+    <cs:fillRef idx="0"/>
+    <cs:effectRef idx="0"/>
+    <cs:fontRef idx="minor">
+      <a:schemeClr val="tx1"/>
+    </cs:fontRef>
+    <cs:spPr>
+      <a:ln w="9525" cap="flat" cmpd="sng" algn="ctr">
+        <a:solidFill>
+          <a:schemeClr val="tx1">
+            <a:lumMod val="35000"/>
+            <a:lumOff val="65000"/>
+          </a:schemeClr>
+        </a:solidFill>
+        <a:round/>
+      </a:ln>
+    </cs:spPr>
+  </cs:dropLine>
+  <cs:errorBar>
+    <cs:lnRef idx="0"/>
+    <cs:fillRef idx="0"/>
+    <cs:effectRef idx="0"/>
+    <cs:fontRef idx="minor">
+      <a:schemeClr val="tx1"/>
+    </cs:fontRef>
+    <cs:spPr>
+      <a:ln w="9525" cap="flat" cmpd="sng" algn="ctr">
+        <a:solidFill>
+          <a:schemeClr val="tx1">
+            <a:lumMod val="65000"/>
+            <a:lumOff val="35000"/>
+          </a:schemeClr>
+        </a:solidFill>
+        <a:round/>
+      </a:ln>
+    </cs:spPr>
+  </cs:errorBar>
+  <cs:floor>
+    <cs:lnRef idx="0"/>
+    <cs:fillRef idx="0"/>
+    <cs:effectRef idx="0"/>
+    <cs:fontRef idx="minor">
+      <a:schemeClr val="tx1"/>
+    </cs:fontRef>
+    <cs:spPr>
+      <a:noFill/>
+      <a:ln>
+        <a:noFill/>
+      </a:ln>
+    </cs:spPr>
+  </cs:floor>
+  <cs:gridlineMajor>
+    <cs:lnRef idx="0"/>
+    <cs:fillRef idx="0"/>
+    <cs:effectRef idx="0"/>
+    <cs:fontRef idx="minor">
+      <a:schemeClr val="tx1"/>
+    </cs:fontRef>
+    <cs:spPr>
+      <a:ln w="9525" cap="flat" cmpd="sng" algn="ctr">
+        <a:solidFill>
+          <a:schemeClr val="tx1">
+            <a:lumMod val="15000"/>
+            <a:lumOff val="85000"/>
+          </a:schemeClr>
+        </a:solidFill>
+        <a:round/>
+      </a:ln>
+    </cs:spPr>
+  </cs:gridlineMajor>
+  <cs:gridlineMinor>
+    <cs:lnRef idx="0"/>
+    <cs:fillRef idx="0"/>
+    <cs:effectRef idx="0"/>
+    <cs:fontRef idx="minor">
+      <a:schemeClr val="tx1"/>
+    </cs:fontRef>
+    <cs:spPr>
+      <a:ln w="9525" cap="flat" cmpd="sng" algn="ctr">
+        <a:solidFill>
+          <a:schemeClr val="tx1">
+            <a:lumMod val="5000"/>
+            <a:lumOff val="95000"/>
+          </a:schemeClr>
+        </a:solidFill>
+        <a:round/>
+      </a:ln>
+    </cs:spPr>
+  </cs:gridlineMinor>
+  <cs:hiLoLine>
+    <cs:lnRef idx="0"/>
+    <cs:fillRef idx="0"/>
+    <cs:effectRef idx="0"/>
+    <cs:fontRef idx="minor">
+      <a:schemeClr val="tx1"/>
+    </cs:fontRef>
+    <cs:spPr>
+      <a:ln w="9525" cap="flat" cmpd="sng" algn="ctr">
+        <a:solidFill>
+          <a:schemeClr val="tx1">
+            <a:lumMod val="75000"/>
+            <a:lumOff val="25000"/>
+          </a:schemeClr>
+        </a:solidFill>
+        <a:round/>
+      </a:ln>
+    </cs:spPr>
+  </cs:hiLoLine>
+  <cs:leaderLine>
+    <cs:lnRef idx="0"/>
+    <cs:fillRef idx="0"/>
+    <cs:effectRef idx="0"/>
+    <cs:fontRef idx="minor">
+      <a:schemeClr val="tx1"/>
+    </cs:fontRef>
+    <cs:spPr>
+      <a:ln w="9525" cap="flat" cmpd="sng" algn="ctr">
+        <a:solidFill>
+          <a:schemeClr val="tx1">
+            <a:lumMod val="35000"/>
+            <a:lumOff val="65000"/>
+          </a:schemeClr>
+        </a:solidFill>
+        <a:round/>
+      </a:ln>
+    </cs:spPr>
+  </cs:leaderLine>
+  <cs:legend>
+    <cs:lnRef idx="0"/>
+    <cs:fillRef idx="0"/>
+    <cs:effectRef idx="0"/>
+    <cs:fontRef idx="minor">
+      <a:schemeClr val="tx1">
+        <a:lumMod val="65000"/>
+        <a:lumOff val="35000"/>
+      </a:schemeClr>
+    </cs:fontRef>
+    <cs:defRPr sz="900" kern="1200"/>
+  </cs:legend>
+  <cs:plotArea mods="allowNoFillOverride allowNoLineOverride">
+    <cs:lnRef idx="0"/>
+    <cs:fillRef idx="0"/>
+    <cs:effectRef idx="0"/>
+    <cs:fontRef idx="minor">
+      <a:schemeClr val="tx1"/>
+    </cs:fontRef>
+  </cs:plotArea>
+  <cs:plotArea3D mods="allowNoFillOverride allowNoLineOverride">
+    <cs:lnRef idx="0"/>
+    <cs:fillRef idx="0"/>
+    <cs:effectRef idx="0"/>
+    <cs:fontRef idx="minor">
+      <a:schemeClr val="tx1"/>
+    </cs:fontRef>
+  </cs:plotArea3D>
+  <cs:seriesAxis>
+    <cs:lnRef idx="0"/>
+    <cs:fillRef idx="0"/>
+    <cs:effectRef idx="0"/>
+    <cs:fontRef idx="minor">
+      <a:schemeClr val="tx1">
+        <a:lumMod val="65000"/>
+        <a:lumOff val="35000"/>
+      </a:schemeClr>
+    </cs:fontRef>
+    <cs:defRPr sz="900" kern="1200"/>
+  </cs:seriesAxis>
+  <cs:seriesLine>
+    <cs:lnRef idx="0"/>
+    <cs:fillRef idx="0"/>
+    <cs:effectRef idx="0"/>
+    <cs:fontRef idx="minor">
+      <a:schemeClr val="tx1"/>
+    </cs:fontRef>
+    <cs:spPr>
+      <a:ln w="9525" cap="flat" cmpd="sng" algn="ctr">
+        <a:solidFill>
+          <a:schemeClr val="tx1">
+            <a:lumMod val="35000"/>
+            <a:lumOff val="65000"/>
+          </a:schemeClr>
+        </a:solidFill>
+        <a:round/>
+      </a:ln>
+    </cs:spPr>
+  </cs:seriesLine>
+  <cs:title>
+    <cs:lnRef idx="0"/>
+    <cs:fillRef idx="0"/>
+    <cs:effectRef idx="0"/>
+    <cs:fontRef idx="minor">
+      <a:schemeClr val="tx1">
+        <a:lumMod val="65000"/>
+        <a:lumOff val="35000"/>
+      </a:schemeClr>
+    </cs:fontRef>
+    <cs:defRPr sz="1400" b="0" kern="1200" spc="0" baseline="0"/>
+  </cs:title>
+  <cs:trendline>
+    <cs:lnRef idx="0">
+      <cs:styleClr val="auto"/>
+    </cs:lnRef>
+    <cs:fillRef idx="0"/>
+    <cs:effectRef idx="0"/>
+    <cs:fontRef idx="minor">
+      <a:schemeClr val="tx1"/>
+    </cs:fontRef>
+    <cs:spPr>
+      <a:ln w="19050" cap="rnd">
+        <a:solidFill>
+          <a:schemeClr val="phClr"/>
+        </a:solidFill>
+        <a:prstDash val="sysDot"/>
+      </a:ln>
+    </cs:spPr>
+  </cs:trendline>
+  <cs:trendlineLabel>
+    <cs:lnRef idx="0"/>
+    <cs:fillRef idx="0"/>
+    <cs:effectRef idx="0"/>
+    <cs:fontRef idx="minor">
+      <a:schemeClr val="tx1">
+        <a:lumMod val="65000"/>
+        <a:lumOff val="35000"/>
+      </a:schemeClr>
+    </cs:fontRef>
+    <cs:defRPr sz="900" kern="1200"/>
+  </cs:trendlineLabel>
+  <cs:upBar>
+    <cs:lnRef idx="0"/>
+    <cs:fillRef idx="0"/>
+    <cs:effectRef idx="0"/>
+    <cs:fontRef idx="minor">
+      <a:schemeClr val="dk1"/>
+    </cs:fontRef>
+    <cs:spPr>
+      <a:solidFill>
+        <a:schemeClr val="lt1"/>
+      </a:solidFill>
+      <a:ln w="9525">
+        <a:solidFill>
+          <a:schemeClr val="tx1">
+            <a:lumMod val="15000"/>
+            <a:lumOff val="85000"/>
+          </a:schemeClr>
+        </a:solidFill>
+      </a:ln>
+    </cs:spPr>
+  </cs:upBar>
+  <cs:valueAxis>
+    <cs:lnRef idx="0"/>
+    <cs:fillRef idx="0"/>
+    <cs:effectRef idx="0"/>
+    <cs:fontRef idx="minor">
+      <a:schemeClr val="tx1">
+        <a:lumMod val="65000"/>
+        <a:lumOff val="35000"/>
+      </a:schemeClr>
+    </cs:fontRef>
+    <cs:defRPr sz="900" kern="1200"/>
+  </cs:valueAxis>
+  <cs:wall>
+    <cs:lnRef idx="0"/>
+    <cs:fillRef idx="0"/>
+    <cs:effectRef idx="0"/>
+    <cs:fontRef idx="minor">
+      <a:schemeClr val="tx1"/>
+    </cs:fontRef>
+    <cs:spPr>
+      <a:noFill/>
+      <a:ln>
+        <a:noFill/>
+      </a:ln>
+    </cs:spPr>
+  </cs:wall>
+</cs:chartStyle>
+</file>
+
 <file path=ppt/charts/style7.xml><?xml version="1.0" encoding="utf-8"?>
+<cs:chartStyle xmlns:cs="http://schemas.microsoft.com/office/drawing/2012/chartStyle" xmlns:a="http://schemas.openxmlformats.org/drawingml/2006/main" id="201">
+  <cs:axisTitle>
+    <cs:lnRef idx="0"/>
+    <cs:fillRef idx="0"/>
+    <cs:effectRef idx="0"/>
+    <cs:fontRef idx="minor">
+      <a:schemeClr val="tx1">
+        <a:lumMod val="65000"/>
+        <a:lumOff val="35000"/>
+      </a:schemeClr>
+    </cs:fontRef>
+    <cs:defRPr sz="1000" kern="1200"/>
+  </cs:axisTitle>
+  <cs:categoryAxis>
+    <cs:lnRef idx="0"/>
+    <cs:fillRef idx="0"/>
+    <cs:effectRef idx="0"/>
+    <cs:fontRef idx="minor">
+      <a:schemeClr val="tx1">
+        <a:lumMod val="65000"/>
+        <a:lumOff val="35000"/>
+      </a:schemeClr>
+    </cs:fontRef>
+    <cs:spPr>
+      <a:ln w="9525" cap="flat" cmpd="sng" algn="ctr">
+        <a:solidFill>
+          <a:schemeClr val="tx1">
+            <a:lumMod val="15000"/>
+            <a:lumOff val="85000"/>
+          </a:schemeClr>
+        </a:solidFill>
+        <a:round/>
+      </a:ln>
+    </cs:spPr>
+    <cs:defRPr sz="900" kern="1200"/>
+  </cs:categoryAxis>
+  <cs:chartArea mods="allowNoFillOverride allowNoLineOverride">
+    <cs:lnRef idx="0"/>
+    <cs:fillRef idx="0"/>
+    <cs:effectRef idx="0"/>
+    <cs:fontRef idx="minor">
+      <a:schemeClr val="tx1"/>
+    </cs:fontRef>
+    <cs:spPr>
+      <a:solidFill>
+        <a:schemeClr val="bg1"/>
+      </a:solidFill>
+      <a:ln w="9525" cap="flat" cmpd="sng" algn="ctr">
+        <a:solidFill>
+          <a:schemeClr val="tx1">
+            <a:lumMod val="15000"/>
+            <a:lumOff val="85000"/>
+          </a:schemeClr>
+        </a:solidFill>
+        <a:round/>
+      </a:ln>
+    </cs:spPr>
+    <cs:defRPr sz="1000" kern="1200"/>
+  </cs:chartArea>
+  <cs:dataLabel>
+    <cs:lnRef idx="0"/>
+    <cs:fillRef idx="0"/>
+    <cs:effectRef idx="0"/>
+    <cs:fontRef idx="minor">
+      <a:schemeClr val="tx1">
+        <a:lumMod val="75000"/>
+        <a:lumOff val="25000"/>
+      </a:schemeClr>
+    </cs:fontRef>
+    <cs:defRPr sz="900" kern="1200"/>
+  </cs:dataLabel>
+  <cs:dataLabelCallout>
+    <cs:lnRef idx="0"/>
+    <cs:fillRef idx="0"/>
+    <cs:effectRef idx="0"/>
+    <cs:fontRef idx="minor">
+      <a:schemeClr val="dk1">
+        <a:lumMod val="65000"/>
+        <a:lumOff val="35000"/>
+      </a:schemeClr>
+    </cs:fontRef>
+    <cs:spPr>
+      <a:solidFill>
+        <a:schemeClr val="lt1"/>
+      </a:solidFill>
+      <a:ln>
+        <a:solidFill>
+          <a:schemeClr val="dk1">
+            <a:lumMod val="25000"/>
+            <a:lumOff val="75000"/>
+          </a:schemeClr>
+        </a:solidFill>
+      </a:ln>
+    </cs:spPr>
+    <cs:defRPr sz="900" kern="1200"/>
+    <cs:bodyPr rot="0" spcFirstLastPara="1" vertOverflow="clip" horzOverflow="clip" vert="horz" wrap="square" lIns="36576" tIns="18288" rIns="36576" bIns="18288" anchor="ctr" anchorCtr="1">
+      <a:spAutoFit/>
+    </cs:bodyPr>
+  </cs:dataLabelCallout>
+  <cs:dataPoint>
+    <cs:lnRef idx="0"/>
+    <cs:fillRef idx="1">
+      <cs:styleClr val="auto"/>
+    </cs:fillRef>
+    <cs:effectRef idx="0"/>
+    <cs:fontRef idx="minor">
+      <a:schemeClr val="tx1"/>
+    </cs:fontRef>
+  </cs:dataPoint>
+  <cs:dataPoint3D>
+    <cs:lnRef idx="0"/>
+    <cs:fillRef idx="1">
+      <cs:styleClr val="auto"/>
+    </cs:fillRef>
+    <cs:effectRef idx="0"/>
+    <cs:fontRef idx="minor">
+      <a:schemeClr val="tx1"/>
+    </cs:fontRef>
+  </cs:dataPoint3D>
+  <cs:dataPointLine>
+    <cs:lnRef idx="0">
+      <cs:styleClr val="auto"/>
+    </cs:lnRef>
+    <cs:fillRef idx="1"/>
+    <cs:effectRef idx="0"/>
+    <cs:fontRef idx="minor">
+      <a:schemeClr val="tx1"/>
+    </cs:fontRef>
+    <cs:spPr>
+      <a:ln w="28575" cap="rnd">
+        <a:solidFill>
+          <a:schemeClr val="phClr"/>
+        </a:solidFill>
+        <a:round/>
+      </a:ln>
+    </cs:spPr>
+  </cs:dataPointLine>
+  <cs:dataPointMarker>
+    <cs:lnRef idx="0">
+      <cs:styleClr val="auto"/>
+    </cs:lnRef>
+    <cs:fillRef idx="1">
+      <cs:styleClr val="auto"/>
+    </cs:fillRef>
+    <cs:effectRef idx="0"/>
+    <cs:fontRef idx="minor">
+      <a:schemeClr val="tx1"/>
+    </cs:fontRef>
+    <cs:spPr>
+      <a:ln w="9525">
+        <a:solidFill>
+          <a:schemeClr val="phClr"/>
+        </a:solidFill>
+      </a:ln>
+    </cs:spPr>
+  </cs:dataPointMarker>
+  <cs:dataPointMarkerLayout symbol="circle" size="5"/>
+  <cs:dataPointWireframe>
+    <cs:lnRef idx="0">
+      <cs:styleClr val="auto"/>
+    </cs:lnRef>
+    <cs:fillRef idx="1"/>
+    <cs:effectRef idx="0"/>
+    <cs:fontRef idx="minor">
+      <a:schemeClr val="tx1"/>
+    </cs:fontRef>
+    <cs:spPr>
+      <a:ln w="9525" cap="rnd">
+        <a:solidFill>
+          <a:schemeClr val="phClr"/>
+        </a:solidFill>
+        <a:round/>
+      </a:ln>
+    </cs:spPr>
+  </cs:dataPointWireframe>
+  <cs:dataTable>
+    <cs:lnRef idx="0"/>
+    <cs:fillRef idx="0"/>
+    <cs:effectRef idx="0"/>
+    <cs:fontRef idx="minor">
+      <a:schemeClr val="tx1">
+        <a:lumMod val="65000"/>
+        <a:lumOff val="35000"/>
+      </a:schemeClr>
+    </cs:fontRef>
+    <cs:spPr>
+      <a:noFill/>
+      <a:ln w="9525" cap="flat" cmpd="sng" algn="ctr">
+        <a:solidFill>
+          <a:schemeClr val="tx1">
+            <a:lumMod val="15000"/>
+            <a:lumOff val="85000"/>
+          </a:schemeClr>
+        </a:solidFill>
+        <a:round/>
+      </a:ln>
+    </cs:spPr>
+    <cs:defRPr sz="900" kern="1200"/>
+  </cs:dataTable>
+  <cs:downBar>
+    <cs:lnRef idx="0"/>
+    <cs:fillRef idx="0"/>
+    <cs:effectRef idx="0"/>
+    <cs:fontRef idx="minor">
+      <a:schemeClr val="dk1"/>
+    </cs:fontRef>
+    <cs:spPr>
+      <a:solidFill>
+        <a:schemeClr val="dk1">
+          <a:lumMod val="65000"/>
+          <a:lumOff val="35000"/>
+        </a:schemeClr>
+      </a:solidFill>
+      <a:ln w="9525">
+        <a:solidFill>
+          <a:schemeClr val="tx1">
+            <a:lumMod val="65000"/>
+            <a:lumOff val="35000"/>
+          </a:schemeClr>
+        </a:solidFill>
+      </a:ln>
+    </cs:spPr>
+  </cs:downBar>
+  <cs:dropLine>
+    <cs:lnRef idx="0"/>
+    <cs:fillRef idx="0"/>
+    <cs:effectRef idx="0"/>
+    <cs:fontRef idx="minor">
+      <a:schemeClr val="tx1"/>
+    </cs:fontRef>
+    <cs:spPr>
+      <a:ln w="9525" cap="flat" cmpd="sng" algn="ctr">
+        <a:solidFill>
+          <a:schemeClr val="tx1">
+            <a:lumMod val="35000"/>
+            <a:lumOff val="65000"/>
+          </a:schemeClr>
+        </a:solidFill>
+        <a:round/>
+      </a:ln>
+    </cs:spPr>
+  </cs:dropLine>
+  <cs:errorBar>
+    <cs:lnRef idx="0"/>
+    <cs:fillRef idx="0"/>
+    <cs:effectRef idx="0"/>
+    <cs:fontRef idx="minor">
+      <a:schemeClr val="tx1"/>
+    </cs:fontRef>
+    <cs:spPr>
+      <a:ln w="9525" cap="flat" cmpd="sng" algn="ctr">
+        <a:solidFill>
+          <a:schemeClr val="tx1">
+            <a:lumMod val="65000"/>
+            <a:lumOff val="35000"/>
+          </a:schemeClr>
+        </a:solidFill>
+        <a:round/>
+      </a:ln>
+    </cs:spPr>
+  </cs:errorBar>
+  <cs:floor>
+    <cs:lnRef idx="0"/>
+    <cs:fillRef idx="0"/>
+    <cs:effectRef idx="0"/>
+    <cs:fontRef idx="minor">
+      <a:schemeClr val="tx1"/>
+    </cs:fontRef>
+    <cs:spPr>
+      <a:noFill/>
+      <a:ln>
+        <a:noFill/>
+      </a:ln>
+    </cs:spPr>
+  </cs:floor>
+  <cs:gridlineMajor>
+    <cs:lnRef idx="0"/>
+    <cs:fillRef idx="0"/>
+    <cs:effectRef idx="0"/>
+    <cs:fontRef idx="minor">
+      <a:schemeClr val="tx1"/>
+    </cs:fontRef>
+    <cs:spPr>
+      <a:ln w="9525" cap="flat" cmpd="sng" algn="ctr">
+        <a:solidFill>
+          <a:schemeClr val="tx1">
+            <a:lumMod val="15000"/>
+            <a:lumOff val="85000"/>
+          </a:schemeClr>
+        </a:solidFill>
+        <a:round/>
+      </a:ln>
+    </cs:spPr>
+  </cs:gridlineMajor>
+  <cs:gridlineMinor>
+    <cs:lnRef idx="0"/>
+    <cs:fillRef idx="0"/>
+    <cs:effectRef idx="0"/>
+    <cs:fontRef idx="minor">
+      <a:schemeClr val="tx1"/>
+    </cs:fontRef>
+    <cs:spPr>
+      <a:ln w="9525" cap="flat" cmpd="sng" algn="ctr">
+        <a:solidFill>
+          <a:schemeClr val="tx1">
+            <a:lumMod val="5000"/>
+            <a:lumOff val="95000"/>
+          </a:schemeClr>
+        </a:solidFill>
+        <a:round/>
+      </a:ln>
+    </cs:spPr>
+  </cs:gridlineMinor>
+  <cs:hiLoLine>
+    <cs:lnRef idx="0"/>
+    <cs:fillRef idx="0"/>
+    <cs:effectRef idx="0"/>
+    <cs:fontRef idx="minor">
+      <a:schemeClr val="tx1"/>
+    </cs:fontRef>
+    <cs:spPr>
+      <a:ln w="9525" cap="flat" cmpd="sng" algn="ctr">
+        <a:solidFill>
+          <a:schemeClr val="tx1">
+            <a:lumMod val="75000"/>
+            <a:lumOff val="25000"/>
+          </a:schemeClr>
+        </a:solidFill>
+        <a:round/>
+      </a:ln>
+    </cs:spPr>
+  </cs:hiLoLine>
+  <cs:leaderLine>
+    <cs:lnRef idx="0"/>
+    <cs:fillRef idx="0"/>
+    <cs:effectRef idx="0"/>
+    <cs:fontRef idx="minor">
+      <a:schemeClr val="tx1"/>
+    </cs:fontRef>
+    <cs:spPr>
+      <a:ln w="9525" cap="flat" cmpd="sng" algn="ctr">
+        <a:solidFill>
+          <a:schemeClr val="tx1">
+            <a:lumMod val="35000"/>
+            <a:lumOff val="65000"/>
+          </a:schemeClr>
+        </a:solidFill>
+        <a:round/>
+      </a:ln>
+    </cs:spPr>
+  </cs:leaderLine>
+  <cs:legend>
+    <cs:lnRef idx="0"/>
+    <cs:fillRef idx="0"/>
+    <cs:effectRef idx="0"/>
+    <cs:fontRef idx="minor">
+      <a:schemeClr val="tx1">
+        <a:lumMod val="65000"/>
+        <a:lumOff val="35000"/>
+      </a:schemeClr>
+    </cs:fontRef>
+    <cs:defRPr sz="900" kern="1200"/>
+  </cs:legend>
+  <cs:plotArea mods="allowNoFillOverride allowNoLineOverride">
+    <cs:lnRef idx="0"/>
+    <cs:fillRef idx="0"/>
+    <cs:effectRef idx="0"/>
+    <cs:fontRef idx="minor">
+      <a:schemeClr val="tx1"/>
+    </cs:fontRef>
+  </cs:plotArea>
+  <cs:plotArea3D mods="allowNoFillOverride allowNoLineOverride">
+    <cs:lnRef idx="0"/>
+    <cs:fillRef idx="0"/>
+    <cs:effectRef idx="0"/>
+    <cs:fontRef idx="minor">
+      <a:schemeClr val="tx1"/>
+    </cs:fontRef>
+  </cs:plotArea3D>
+  <cs:seriesAxis>
+    <cs:lnRef idx="0"/>
+    <cs:fillRef idx="0"/>
+    <cs:effectRef idx="0"/>
+    <cs:fontRef idx="minor">
+      <a:schemeClr val="tx1">
+        <a:lumMod val="65000"/>
+        <a:lumOff val="35000"/>
+      </a:schemeClr>
+    </cs:fontRef>
+    <cs:defRPr sz="900" kern="1200"/>
+  </cs:seriesAxis>
+  <cs:seriesLine>
+    <cs:lnRef idx="0"/>
+    <cs:fillRef idx="0"/>
+    <cs:effectRef idx="0"/>
+    <cs:fontRef idx="minor">
+      <a:schemeClr val="tx1"/>
+    </cs:fontRef>
+    <cs:spPr>
+      <a:ln w="9525" cap="flat" cmpd="sng" algn="ctr">
+        <a:solidFill>
+          <a:schemeClr val="tx1">
+            <a:lumMod val="35000"/>
+            <a:lumOff val="65000"/>
+          </a:schemeClr>
+        </a:solidFill>
+        <a:round/>
+      </a:ln>
+    </cs:spPr>
+  </cs:seriesLine>
+  <cs:title>
+    <cs:lnRef idx="0"/>
+    <cs:fillRef idx="0"/>
+    <cs:effectRef idx="0"/>
+    <cs:fontRef idx="minor">
+      <a:schemeClr val="tx1">
+        <a:lumMod val="65000"/>
+        <a:lumOff val="35000"/>
+      </a:schemeClr>
+    </cs:fontRef>
+    <cs:defRPr sz="1400" b="0" kern="1200" spc="0" baseline="0"/>
+  </cs:title>
+  <cs:trendline>
+    <cs:lnRef idx="0">
+      <cs:styleClr val="auto"/>
+    </cs:lnRef>
+    <cs:fillRef idx="0"/>
+    <cs:effectRef idx="0"/>
+    <cs:fontRef idx="minor">
+      <a:schemeClr val="tx1"/>
+    </cs:fontRef>
+    <cs:spPr>
+      <a:ln w="19050" cap="rnd">
+        <a:solidFill>
+          <a:schemeClr val="phClr"/>
+        </a:solidFill>
+        <a:prstDash val="sysDot"/>
+      </a:ln>
+    </cs:spPr>
+  </cs:trendline>
+  <cs:trendlineLabel>
+    <cs:lnRef idx="0"/>
+    <cs:fillRef idx="0"/>
+    <cs:effectRef idx="0"/>
+    <cs:fontRef idx="minor">
+      <a:schemeClr val="tx1">
+        <a:lumMod val="65000"/>
+        <a:lumOff val="35000"/>
+      </a:schemeClr>
+    </cs:fontRef>
+    <cs:defRPr sz="900" kern="1200"/>
+  </cs:trendlineLabel>
+  <cs:upBar>
+    <cs:lnRef idx="0"/>
+    <cs:fillRef idx="0"/>
+    <cs:effectRef idx="0"/>
+    <cs:fontRef idx="minor">
+      <a:schemeClr val="dk1"/>
+    </cs:fontRef>
+    <cs:spPr>
+      <a:solidFill>
+        <a:schemeClr val="lt1"/>
+      </a:solidFill>
+      <a:ln w="9525">
+        <a:solidFill>
+          <a:schemeClr val="tx1">
+            <a:lumMod val="15000"/>
+            <a:lumOff val="85000"/>
+          </a:schemeClr>
+        </a:solidFill>
+      </a:ln>
+    </cs:spPr>
+  </cs:upBar>
+  <cs:valueAxis>
+    <cs:lnRef idx="0"/>
+    <cs:fillRef idx="0"/>
+    <cs:effectRef idx="0"/>
+    <cs:fontRef idx="minor">
+      <a:schemeClr val="tx1">
+        <a:lumMod val="65000"/>
+        <a:lumOff val="35000"/>
+      </a:schemeClr>
+    </cs:fontRef>
+    <cs:defRPr sz="900" kern="1200"/>
+  </cs:valueAxis>
+  <cs:wall>
+    <cs:lnRef idx="0"/>
+    <cs:fillRef idx="0"/>
+    <cs:effectRef idx="0"/>
+    <cs:fontRef idx="minor">
+      <a:schemeClr val="tx1"/>
+    </cs:fontRef>
+    <cs:spPr>
+      <a:noFill/>
+      <a:ln>
+        <a:noFill/>
+      </a:ln>
+    </cs:spPr>
+  </cs:wall>
+</cs:chartStyle>
+</file>
+
+<file path=ppt/charts/style8.xml><?xml version="1.0" encoding="utf-8"?>
+<cs:chartStyle xmlns:cs="http://schemas.microsoft.com/office/drawing/2012/chartStyle" xmlns:a="http://schemas.openxmlformats.org/drawingml/2006/main" id="201">
+  <cs:axisTitle>
+    <cs:lnRef idx="0"/>
+    <cs:fillRef idx="0"/>
+    <cs:effectRef idx="0"/>
+    <cs:fontRef idx="minor">
+      <a:schemeClr val="tx1">
+        <a:lumMod val="65000"/>
+        <a:lumOff val="35000"/>
+      </a:schemeClr>
+    </cs:fontRef>
+    <cs:defRPr sz="1000" kern="1200"/>
+  </cs:axisTitle>
+  <cs:categoryAxis>
+    <cs:lnRef idx="0"/>
+    <cs:fillRef idx="0"/>
+    <cs:effectRef idx="0"/>
+    <cs:fontRef idx="minor">
+      <a:schemeClr val="tx1">
+        <a:lumMod val="65000"/>
+        <a:lumOff val="35000"/>
+      </a:schemeClr>
+    </cs:fontRef>
+    <cs:spPr>
+      <a:ln w="9525" cap="flat" cmpd="sng" algn="ctr">
+        <a:solidFill>
+          <a:schemeClr val="tx1">
+            <a:lumMod val="15000"/>
+            <a:lumOff val="85000"/>
+          </a:schemeClr>
+        </a:solidFill>
+        <a:round/>
+      </a:ln>
+    </cs:spPr>
+    <cs:defRPr sz="900" kern="1200"/>
+  </cs:categoryAxis>
+  <cs:chartArea mods="allowNoFillOverride allowNoLineOverride">
+    <cs:lnRef idx="0"/>
+    <cs:fillRef idx="0"/>
+    <cs:effectRef idx="0"/>
+    <cs:fontRef idx="minor">
+      <a:schemeClr val="tx1"/>
+    </cs:fontRef>
+    <cs:spPr>
+      <a:solidFill>
+        <a:schemeClr val="bg1"/>
+      </a:solidFill>
+      <a:ln w="9525" cap="flat" cmpd="sng" algn="ctr">
+        <a:solidFill>
+          <a:schemeClr val="tx1">
+            <a:lumMod val="15000"/>
+            <a:lumOff val="85000"/>
+          </a:schemeClr>
+        </a:solidFill>
+        <a:round/>
+      </a:ln>
+    </cs:spPr>
+    <cs:defRPr sz="1000" kern="1200"/>
+  </cs:chartArea>
+  <cs:dataLabel>
+    <cs:lnRef idx="0"/>
+    <cs:fillRef idx="0"/>
+    <cs:effectRef idx="0"/>
+    <cs:fontRef idx="minor">
+      <a:schemeClr val="tx1">
+        <a:lumMod val="75000"/>
+        <a:lumOff val="25000"/>
+      </a:schemeClr>
+    </cs:fontRef>
+    <cs:defRPr sz="900" kern="1200"/>
+  </cs:dataLabel>
+  <cs:dataLabelCallout>
+    <cs:lnRef idx="0"/>
+    <cs:fillRef idx="0"/>
+    <cs:effectRef idx="0"/>
+    <cs:fontRef idx="minor">
+      <a:schemeClr val="dk1">
+        <a:lumMod val="65000"/>
+        <a:lumOff val="35000"/>
+      </a:schemeClr>
+    </cs:fontRef>
+    <cs:spPr>
+      <a:solidFill>
+        <a:schemeClr val="lt1"/>
+      </a:solidFill>
+      <a:ln>
+        <a:solidFill>
+          <a:schemeClr val="dk1">
+            <a:lumMod val="25000"/>
+            <a:lumOff val="75000"/>
+          </a:schemeClr>
+        </a:solidFill>
+      </a:ln>
+    </cs:spPr>
+    <cs:defRPr sz="900" kern="1200"/>
+    <cs:bodyPr rot="0" spcFirstLastPara="1" vertOverflow="clip" horzOverflow="clip" vert="horz" wrap="square" lIns="36576" tIns="18288" rIns="36576" bIns="18288" anchor="ctr" anchorCtr="1">
+      <a:spAutoFit/>
+    </cs:bodyPr>
+  </cs:dataLabelCallout>
+  <cs:dataPoint>
+    <cs:lnRef idx="0"/>
+    <cs:fillRef idx="1">
+      <cs:styleClr val="auto"/>
+    </cs:fillRef>
+    <cs:effectRef idx="0"/>
+    <cs:fontRef idx="minor">
+      <a:schemeClr val="tx1"/>
+    </cs:fontRef>
+  </cs:dataPoint>
+  <cs:dataPoint3D>
+    <cs:lnRef idx="0"/>
+    <cs:fillRef idx="1">
+      <cs:styleClr val="auto"/>
+    </cs:fillRef>
+    <cs:effectRef idx="0"/>
+    <cs:fontRef idx="minor">
+      <a:schemeClr val="tx1"/>
+    </cs:fontRef>
+  </cs:dataPoint3D>
+  <cs:dataPointLine>
+    <cs:lnRef idx="0">
+      <cs:styleClr val="auto"/>
+    </cs:lnRef>
+    <cs:fillRef idx="1"/>
+    <cs:effectRef idx="0"/>
+    <cs:fontRef idx="minor">
+      <a:schemeClr val="tx1"/>
+    </cs:fontRef>
+    <cs:spPr>
+      <a:ln w="28575" cap="rnd">
+        <a:solidFill>
+          <a:schemeClr val="phClr"/>
+        </a:solidFill>
+        <a:round/>
+      </a:ln>
+    </cs:spPr>
+  </cs:dataPointLine>
+  <cs:dataPointMarker>
+    <cs:lnRef idx="0">
+      <cs:styleClr val="auto"/>
+    </cs:lnRef>
+    <cs:fillRef idx="1">
+      <cs:styleClr val="auto"/>
+    </cs:fillRef>
+    <cs:effectRef idx="0"/>
+    <cs:fontRef idx="minor">
+      <a:schemeClr val="tx1"/>
+    </cs:fontRef>
+    <cs:spPr>
+      <a:ln w="9525">
+        <a:solidFill>
+          <a:schemeClr val="phClr"/>
+        </a:solidFill>
+      </a:ln>
+    </cs:spPr>
+  </cs:dataPointMarker>
+  <cs:dataPointMarkerLayout symbol="circle" size="5"/>
+  <cs:dataPointWireframe>
+    <cs:lnRef idx="0">
+      <cs:styleClr val="auto"/>
+    </cs:lnRef>
+    <cs:fillRef idx="1"/>
+    <cs:effectRef idx="0"/>
+    <cs:fontRef idx="minor">
+      <a:schemeClr val="tx1"/>
+    </cs:fontRef>
+    <cs:spPr>
+      <a:ln w="9525" cap="rnd">
+        <a:solidFill>
+          <a:schemeClr val="phClr"/>
+        </a:solidFill>
+        <a:round/>
+      </a:ln>
+    </cs:spPr>
+  </cs:dataPointWireframe>
+  <cs:dataTable>
+    <cs:lnRef idx="0"/>
+    <cs:fillRef idx="0"/>
+    <cs:effectRef idx="0"/>
+    <cs:fontRef idx="minor">
+      <a:schemeClr val="tx1">
+        <a:lumMod val="65000"/>
+        <a:lumOff val="35000"/>
+      </a:schemeClr>
+    </cs:fontRef>
+    <cs:spPr>
+      <a:noFill/>
+      <a:ln w="9525" cap="flat" cmpd="sng" algn="ctr">
+        <a:solidFill>
+          <a:schemeClr val="tx1">
+            <a:lumMod val="15000"/>
+            <a:lumOff val="85000"/>
+          </a:schemeClr>
+        </a:solidFill>
+        <a:round/>
+      </a:ln>
+    </cs:spPr>
+    <cs:defRPr sz="900" kern="1200"/>
+  </cs:dataTable>
+  <cs:downBar>
+    <cs:lnRef idx="0"/>
+    <cs:fillRef idx="0"/>
+    <cs:effectRef idx="0"/>
+    <cs:fontRef idx="minor">
+      <a:schemeClr val="dk1"/>
+    </cs:fontRef>
+    <cs:spPr>
+      <a:solidFill>
+        <a:schemeClr val="dk1">
+          <a:lumMod val="65000"/>
+          <a:lumOff val="35000"/>
+        </a:schemeClr>
+      </a:solidFill>
+      <a:ln w="9525">
+        <a:solidFill>
+          <a:schemeClr val="tx1">
+            <a:lumMod val="65000"/>
+            <a:lumOff val="35000"/>
+          </a:schemeClr>
+        </a:solidFill>
+      </a:ln>
+    </cs:spPr>
+  </cs:downBar>
+  <cs:dropLine>
+    <cs:lnRef idx="0"/>
+    <cs:fillRef idx="0"/>
+    <cs:effectRef idx="0"/>
+    <cs:fontRef idx="minor">
+      <a:schemeClr val="tx1"/>
+    </cs:fontRef>
+    <cs:spPr>
+      <a:ln w="9525" cap="flat" cmpd="sng" algn="ctr">
+        <a:solidFill>
+          <a:schemeClr val="tx1">
+            <a:lumMod val="35000"/>
+            <a:lumOff val="65000"/>
+          </a:schemeClr>
+        </a:solidFill>
+        <a:round/>
+      </a:ln>
+    </cs:spPr>
+  </cs:dropLine>
+  <cs:errorBar>
+    <cs:lnRef idx="0"/>
+    <cs:fillRef idx="0"/>
+    <cs:effectRef idx="0"/>
+    <cs:fontRef idx="minor">
+      <a:schemeClr val="tx1"/>
+    </cs:fontRef>
+    <cs:spPr>
+      <a:ln w="9525" cap="flat" cmpd="sng" algn="ctr">
+        <a:solidFill>
+          <a:schemeClr val="tx1">
+            <a:lumMod val="65000"/>
+            <a:lumOff val="35000"/>
+          </a:schemeClr>
+        </a:solidFill>
+        <a:round/>
+      </a:ln>
+    </cs:spPr>
+  </cs:errorBar>
+  <cs:floor>
+    <cs:lnRef idx="0"/>
+    <cs:fillRef idx="0"/>
+    <cs:effectRef idx="0"/>
+    <cs:fontRef idx="minor">
+      <a:schemeClr val="tx1"/>
+    </cs:fontRef>
+    <cs:spPr>
+      <a:noFill/>
+      <a:ln>
+        <a:noFill/>
+      </a:ln>
+    </cs:spPr>
+  </cs:floor>
+  <cs:gridlineMajor>
+    <cs:lnRef idx="0"/>
+    <cs:fillRef idx="0"/>
+    <cs:effectRef idx="0"/>
+    <cs:fontRef idx="minor">
+      <a:schemeClr val="tx1"/>
+    </cs:fontRef>
+    <cs:spPr>
+      <a:ln w="9525" cap="flat" cmpd="sng" algn="ctr">
+        <a:solidFill>
+          <a:schemeClr val="tx1">
+            <a:lumMod val="15000"/>
+            <a:lumOff val="85000"/>
+          </a:schemeClr>
+        </a:solidFill>
+        <a:round/>
+      </a:ln>
+    </cs:spPr>
+  </cs:gridlineMajor>
+  <cs:gridlineMinor>
+    <cs:lnRef idx="0"/>
+    <cs:fillRef idx="0"/>
+    <cs:effectRef idx="0"/>
+    <cs:fontRef idx="minor">
+      <a:schemeClr val="tx1"/>
+    </cs:fontRef>
+    <cs:spPr>
+      <a:ln w="9525" cap="flat" cmpd="sng" algn="ctr">
+        <a:solidFill>
+          <a:schemeClr val="tx1">
+            <a:lumMod val="5000"/>
+            <a:lumOff val="95000"/>
+          </a:schemeClr>
+        </a:solidFill>
+        <a:round/>
+      </a:ln>
+    </cs:spPr>
+  </cs:gridlineMinor>
+  <cs:hiLoLine>
+    <cs:lnRef idx="0"/>
+    <cs:fillRef idx="0"/>
+    <cs:effectRef idx="0"/>
+    <cs:fontRef idx="minor">
+      <a:schemeClr val="tx1"/>
+    </cs:fontRef>
+    <cs:spPr>
+      <a:ln w="9525" cap="flat" cmpd="sng" algn="ctr">
+        <a:solidFill>
+          <a:schemeClr val="tx1">
+            <a:lumMod val="75000"/>
+            <a:lumOff val="25000"/>
+          </a:schemeClr>
+        </a:solidFill>
+        <a:round/>
+      </a:ln>
+    </cs:spPr>
+  </cs:hiLoLine>
+  <cs:leaderLine>
+    <cs:lnRef idx="0"/>
+    <cs:fillRef idx="0"/>
+    <cs:effectRef idx="0"/>
+    <cs:fontRef idx="minor">
+      <a:schemeClr val="tx1"/>
+    </cs:fontRef>
+    <cs:spPr>
+      <a:ln w="9525" cap="flat" cmpd="sng" algn="ctr">
+        <a:solidFill>
+          <a:schemeClr val="tx1">
+            <a:lumMod val="35000"/>
+            <a:lumOff val="65000"/>
+          </a:schemeClr>
+        </a:solidFill>
+        <a:round/>
+      </a:ln>
+    </cs:spPr>
+  </cs:leaderLine>
+  <cs:legend>
+    <cs:lnRef idx="0"/>
+    <cs:fillRef idx="0"/>
+    <cs:effectRef idx="0"/>
+    <cs:fontRef idx="minor">
+      <a:schemeClr val="tx1">
+        <a:lumMod val="65000"/>
+        <a:lumOff val="35000"/>
+      </a:schemeClr>
+    </cs:fontRef>
+    <cs:defRPr sz="900" kern="1200"/>
+  </cs:legend>
+  <cs:plotArea mods="allowNoFillOverride allowNoLineOverride">
+    <cs:lnRef idx="0"/>
+    <cs:fillRef idx="0"/>
+    <cs:effectRef idx="0"/>
+    <cs:fontRef idx="minor">
+      <a:schemeClr val="tx1"/>
+    </cs:fontRef>
+  </cs:plotArea>
+  <cs:plotArea3D mods="allowNoFillOverride allowNoLineOverride">
+    <cs:lnRef idx="0"/>
+    <cs:fillRef idx="0"/>
+    <cs:effectRef idx="0"/>
+    <cs:fontRef idx="minor">
+      <a:schemeClr val="tx1"/>
+    </cs:fontRef>
+  </cs:plotArea3D>
+  <cs:seriesAxis>
+    <cs:lnRef idx="0"/>
+    <cs:fillRef idx="0"/>
+    <cs:effectRef idx="0"/>
+    <cs:fontRef idx="minor">
+      <a:schemeClr val="tx1">
+        <a:lumMod val="65000"/>
+        <a:lumOff val="35000"/>
+      </a:schemeClr>
+    </cs:fontRef>
+    <cs:defRPr sz="900" kern="1200"/>
+  </cs:seriesAxis>
+  <cs:seriesLine>
+    <cs:lnRef idx="0"/>
+    <cs:fillRef idx="0"/>
+    <cs:effectRef idx="0"/>
+    <cs:fontRef idx="minor">
+      <a:schemeClr val="tx1"/>
+    </cs:fontRef>
+    <cs:spPr>
+      <a:ln w="9525" cap="flat" cmpd="sng" algn="ctr">
+        <a:solidFill>
+          <a:schemeClr val="tx1">
+            <a:lumMod val="35000"/>
+            <a:lumOff val="65000"/>
+          </a:schemeClr>
+        </a:solidFill>
+        <a:round/>
+      </a:ln>
+    </cs:spPr>
+  </cs:seriesLine>
+  <cs:title>
+    <cs:lnRef idx="0"/>
+    <cs:fillRef idx="0"/>
+    <cs:effectRef idx="0"/>
+    <cs:fontRef idx="minor">
+      <a:schemeClr val="tx1">
+        <a:lumMod val="65000"/>
+        <a:lumOff val="35000"/>
+      </a:schemeClr>
+    </cs:fontRef>
+    <cs:defRPr sz="1400" b="0" kern="1200" spc="0" baseline="0"/>
+  </cs:title>
+  <cs:trendline>
+    <cs:lnRef idx="0">
+      <cs:styleClr val="auto"/>
+    </cs:lnRef>
+    <cs:fillRef idx="0"/>
+    <cs:effectRef idx="0"/>
+    <cs:fontRef idx="minor">
+      <a:schemeClr val="tx1"/>
+    </cs:fontRef>
+    <cs:spPr>
+      <a:ln w="19050" cap="rnd">
+        <a:solidFill>
+          <a:schemeClr val="phClr"/>
+        </a:solidFill>
+        <a:prstDash val="sysDot"/>
+      </a:ln>
+    </cs:spPr>
+  </cs:trendline>
+  <cs:trendlineLabel>
+    <cs:lnRef idx="0"/>
+    <cs:fillRef idx="0"/>
+    <cs:effectRef idx="0"/>
+    <cs:fontRef idx="minor">
+      <a:schemeClr val="tx1">
+        <a:lumMod val="65000"/>
+        <a:lumOff val="35000"/>
+      </a:schemeClr>
+    </cs:fontRef>
+    <cs:defRPr sz="900" kern="1200"/>
+  </cs:trendlineLabel>
+  <cs:upBar>
+    <cs:lnRef idx="0"/>
+    <cs:fillRef idx="0"/>
+    <cs:effectRef idx="0"/>
+    <cs:fontRef idx="minor">
+      <a:schemeClr val="dk1"/>
+    </cs:fontRef>
+    <cs:spPr>
+      <a:solidFill>
+        <a:schemeClr val="lt1"/>
+      </a:solidFill>
+      <a:ln w="9525">
+        <a:solidFill>
+          <a:schemeClr val="tx1">
+            <a:lumMod val="15000"/>
+            <a:lumOff val="85000"/>
+          </a:schemeClr>
+        </a:solidFill>
+      </a:ln>
+    </cs:spPr>
+  </cs:upBar>
+  <cs:valueAxis>
+    <cs:lnRef idx="0"/>
+    <cs:fillRef idx="0"/>
+    <cs:effectRef idx="0"/>
+    <cs:fontRef idx="minor">
+      <a:schemeClr val="tx1">
+        <a:lumMod val="65000"/>
+        <a:lumOff val="35000"/>
+      </a:schemeClr>
+    </cs:fontRef>
+    <cs:defRPr sz="900" kern="1200"/>
+  </cs:valueAxis>
+  <cs:wall>
+    <cs:lnRef idx="0"/>
+    <cs:fillRef idx="0"/>
+    <cs:effectRef idx="0"/>
+    <cs:fontRef idx="minor">
+      <a:schemeClr val="tx1"/>
+    </cs:fontRef>
+    <cs:spPr>
+      <a:noFill/>
+      <a:ln>
+        <a:noFill/>
+      </a:ln>
+    </cs:spPr>
+  </cs:wall>
+</cs:chartStyle>
+</file>
+
+<file path=ppt/charts/style9.xml><?xml version="1.0" encoding="utf-8"?>
 <cs:chartStyle xmlns:cs="http://schemas.microsoft.com/office/drawing/2012/chartStyle" xmlns:a="http://schemas.openxmlformats.org/drawingml/2006/main" id="201">
   <cs:axisTitle>
     <cs:lnRef idx="0"/>
@@ -9044,7 +12760,7 @@
           <a:p>
             <a:fld id="{AFD01546-198A-4195-BCF8-F0FF54C90E5E}" type="datetimeFigureOut">
               <a:rPr lang="en-US" smtClean="0"/>
-              <a:t>8/14/2022</a:t>
+              <a:t>8/16/2022</a:t>
             </a:fld>
             <a:endParaRPr lang="en-US" dirty="0"/>
           </a:p>
@@ -9640,7 +13356,7 @@
           <a:p>
             <a:fld id="{88D38747-4367-4BD2-8D51-C97E202738E2}" type="datetime1">
               <a:rPr lang="en-US" smtClean="0"/>
-              <a:t>8/14/2022</a:t>
+              <a:t>8/16/2022</a:t>
             </a:fld>
             <a:endParaRPr lang="en-US" dirty="0"/>
           </a:p>
@@ -9945,7 +13661,7 @@
           <a:p>
             <a:fld id="{11F1B079-7EF0-44EE-B798-BCC497C9F3B2}" type="datetime1">
               <a:rPr lang="en-US" smtClean="0"/>
-              <a:t>8/14/2022</a:t>
+              <a:t>8/16/2022</a:t>
             </a:fld>
             <a:endParaRPr lang="en-US" dirty="0"/>
           </a:p>
@@ -10139,7 +13855,7 @@
           <a:p>
             <a:fld id="{28FF70A8-1D13-4657-95F0-A9EA54967B8D}" type="datetime1">
               <a:rPr lang="en-US" smtClean="0"/>
-              <a:t>8/14/2022</a:t>
+              <a:t>8/16/2022</a:t>
             </a:fld>
             <a:endParaRPr lang="en-US" dirty="0"/>
           </a:p>
@@ -10402,7 +14118,7 @@
           <a:p>
             <a:fld id="{21EB90AC-71BD-4C7F-8ACA-7B3F18292E63}" type="datetime1">
               <a:rPr lang="en-US" smtClean="0"/>
-              <a:t>8/14/2022</a:t>
+              <a:t>8/16/2022</a:t>
             </a:fld>
             <a:endParaRPr lang="en-US" dirty="0"/>
           </a:p>
@@ -10838,7 +14554,7 @@
           <a:p>
             <a:fld id="{4E6EFC2C-8905-46F0-B443-CE905B76BA01}" type="datetime1">
               <a:rPr lang="en-US" smtClean="0"/>
-              <a:t>8/14/2022</a:t>
+              <a:t>8/16/2022</a:t>
             </a:fld>
             <a:endParaRPr lang="en-US" dirty="0"/>
           </a:p>
@@ -11375,7 +15091,7 @@
           <a:p>
             <a:fld id="{D9079DC3-C9B5-499E-9140-0DC28B7074E2}" type="datetime1">
               <a:rPr lang="en-US" smtClean="0"/>
-              <a:t>8/14/2022</a:t>
+              <a:t>8/16/2022</a:t>
             </a:fld>
             <a:endParaRPr lang="en-US" dirty="0"/>
           </a:p>
@@ -12257,7 +15973,7 @@
           <a:p>
             <a:fld id="{30BB33EA-E472-4D22-9C03-A9C14AA21CED}" type="datetime1">
               <a:rPr lang="en-US" smtClean="0"/>
-              <a:t>8/14/2022</a:t>
+              <a:t>8/16/2022</a:t>
             </a:fld>
             <a:endParaRPr lang="en-US" dirty="0"/>
           </a:p>
@@ -12427,7 +16143,7 @@
           <a:p>
             <a:fld id="{73C55A3C-5767-4844-A0A3-83778C2E5409}" type="datetime1">
               <a:rPr lang="en-US" smtClean="0"/>
-              <a:t>8/14/2022</a:t>
+              <a:t>8/16/2022</a:t>
             </a:fld>
             <a:endParaRPr lang="en-US" dirty="0"/>
           </a:p>
@@ -12671,7 +16387,7 @@
           <a:p>
             <a:fld id="{CAE507A8-A5CF-4D38-AB86-7EDDA87A85D4}" type="datetime1">
               <a:rPr lang="en-US" smtClean="0"/>
-              <a:t>8/14/2022</a:t>
+              <a:t>8/16/2022</a:t>
             </a:fld>
             <a:endParaRPr lang="en-US" dirty="0"/>
           </a:p>
@@ -12913,7 +16629,7 @@
           <a:p>
             <a:fld id="{BDFCD27C-8599-43EF-BA1D-14DDC1946E06}" type="datetime1">
               <a:rPr lang="en-US" smtClean="0"/>
-              <a:t>8/14/2022</a:t>
+              <a:t>8/16/2022</a:t>
             </a:fld>
             <a:endParaRPr lang="en-US" dirty="0"/>
           </a:p>
@@ -13396,7 +17112,7 @@
           <a:p>
             <a:fld id="{49343D99-809A-49C0-96E5-4250D0B498EE}" type="datetime1">
               <a:rPr lang="en-US" smtClean="0"/>
-              <a:t>8/14/2022</a:t>
+              <a:t>8/16/2022</a:t>
             </a:fld>
             <a:endParaRPr lang="en-US" dirty="0"/>
           </a:p>
@@ -13514,7 +17230,7 @@
           <a:p>
             <a:fld id="{A143DE9B-B678-4EFB-BB7D-A4370204A0B0}" type="datetime1">
               <a:rPr lang="en-US" smtClean="0"/>
-              <a:t>8/14/2022</a:t>
+              <a:t>8/16/2022</a:t>
             </a:fld>
             <a:endParaRPr lang="en-US" dirty="0"/>
           </a:p>
@@ -13609,7 +17325,7 @@
           <a:p>
             <a:fld id="{E68812DA-F765-4142-A6A3-A8ED7235E082}" type="datetime1">
               <a:rPr lang="en-US" smtClean="0"/>
-              <a:t>8/14/2022</a:t>
+              <a:t>8/16/2022</a:t>
             </a:fld>
             <a:endParaRPr lang="en-US" dirty="0"/>
           </a:p>
@@ -13864,7 +17580,7 @@
           <a:p>
             <a:fld id="{3E0277FD-7DE6-41D4-930D-AC99F5AFE54E}" type="datetime1">
               <a:rPr lang="en-US" smtClean="0"/>
-              <a:t>8/14/2022</a:t>
+              <a:t>8/16/2022</a:t>
             </a:fld>
             <a:endParaRPr lang="en-US" dirty="0"/>
           </a:p>
@@ -14171,7 +17887,7 @@
           <a:p>
             <a:fld id="{9EA15526-7079-4B7B-987C-1B5FAE11A0FF}" type="datetime1">
               <a:rPr lang="en-US" smtClean="0"/>
-              <a:t>8/14/2022</a:t>
+              <a:t>8/16/2022</a:t>
             </a:fld>
             <a:endParaRPr lang="en-US" dirty="0"/>
           </a:p>
@@ -14406,7 +18122,7 @@
           <a:p>
             <a:fld id="{073ED0CC-082F-4160-86E5-0D6041F12778}" type="datetime1">
               <a:rPr lang="en-US" smtClean="0"/>
-              <a:t>8/14/2022</a:t>
+              <a:t>8/16/2022</a:t>
             </a:fld>
             <a:endParaRPr lang="en-US" dirty="0"/>
           </a:p>
@@ -15324,7 +19040,7 @@
           </a:effectLst>
           <a:extLst>
             <a:ext uri="{91240B29-F687-4f45-9708-019B960494DF}">
-              <a14:hiddenLine xmlns="" xmlns:a14="http://schemas.microsoft.com/office/drawing/2010/main" xmlns:p14="http://schemas.microsoft.com/office/powerpoint/2010/main" xmlns:a16="http://schemas.microsoft.com/office/drawing/2014/main" w="9525">
+              <a14:hiddenLine xmlns:a16="http://schemas.microsoft.com/office/drawing/2014/main" xmlns:p14="http://schemas.microsoft.com/office/powerpoint/2010/main" xmlns:a14="http://schemas.microsoft.com/office/drawing/2010/main" xmlns="" w="9525">
                 <a:solidFill>
                   <a:srgbClr val="000000"/>
                 </a:solidFill>
@@ -15649,7 +19365,12 @@
             <p:ph type="title"/>
           </p:nvPr>
         </p:nvSpPr>
-        <p:spPr/>
+        <p:spPr>
+          <a:xfrm>
+            <a:off x="919119" y="563418"/>
+            <a:ext cx="10353762" cy="1257300"/>
+          </a:xfrm>
+        </p:spPr>
         <p:txBody>
           <a:bodyPr/>
           <a:lstStyle/>
@@ -15680,7 +19401,7 @@
         <p:spPr/>
         <p:txBody>
           <a:bodyPr>
-            <a:normAutofit fontScale="85000" lnSpcReduction="20000"/>
+            <a:normAutofit fontScale="70000" lnSpcReduction="20000"/>
           </a:bodyPr>
           <a:lstStyle/>
           <a:p>
@@ -15692,7 +19413,13 @@
           <a:p>
             <a:r>
               <a:rPr lang="en-US" dirty="0"/>
-              <a:t>The movies range from the years 2006 to 2018 </a:t>
+              <a:t>The movies range from the years 2006 to 2018</a:t>
+            </a:r>
+          </a:p>
+          <a:p>
+            <a:r>
+              <a:rPr lang="en-US" dirty="0"/>
+              <a:t>The Data only shows select movies from Box Office Mojo top 200 movies for each year and with data provided by the-numbers and IMDB that’s filtered down to only 986 movies. </a:t>
             </a:r>
           </a:p>
           <a:p>
@@ -15704,7 +19431,7 @@
           <a:p>
             <a:r>
               <a:rPr lang="en-US" dirty="0"/>
-              <a:t>Movies were used from available merged data from the above three websites. </a:t>
+              <a:t>Movies were chosen due to available merged data from the above three websites. </a:t>
             </a:r>
           </a:p>
           <a:p>
@@ -15723,6 +19450,12 @@
             <a:r>
               <a:rPr lang="en-US" sz="2400" dirty="0"/>
               <a:t>Small Budget movies have a budget of less than $35 million</a:t>
+            </a:r>
+          </a:p>
+          <a:p>
+            <a:r>
+              <a:rPr lang="en-US" sz="2400" dirty="0"/>
+              <a:t>All Budgets provided by websites are estimates.</a:t>
             </a:r>
           </a:p>
           <a:p>
@@ -16167,7 +19900,7 @@
         <p:spPr>
           <a:xfrm>
             <a:off x="7897091" y="6354618"/>
-            <a:ext cx="4219810" cy="369332"/>
+            <a:ext cx="4046301" cy="369332"/>
           </a:xfrm>
           <a:prstGeom prst="rect">
             <a:avLst/>
@@ -16182,7 +19915,7 @@
           <a:p>
             <a:r>
               <a:rPr lang="en-US" dirty="0"/>
-              <a:t>* Are total number of movies in each budget</a:t>
+              <a:t>*  total number of movies in each budget</a:t>
             </a:r>
           </a:p>
         </p:txBody>
@@ -16270,7 +20003,7 @@
           <a:p>
             <a:r>
               <a:rPr lang="en-US" dirty="0"/>
-              <a:t>Top 3 Movies</a:t>
+              <a:t>Top 3 Box Office Gross</a:t>
             </a:r>
           </a:p>
         </p:txBody>
@@ -16389,14 +20122,14 @@
           <p:nvPr>
             <p:extLst>
               <p:ext uri="{D42A27DB-BD31-4B8C-83A1-F6EECF244321}">
-                <p14:modId xmlns:p14="http://schemas.microsoft.com/office/powerpoint/2010/main" val="1388881314"/>
+                <p14:modId xmlns:p14="http://schemas.microsoft.com/office/powerpoint/2010/main" val="3041779787"/>
               </p:ext>
             </p:extLst>
           </p:nvPr>
         </p:nvGraphicFramePr>
         <p:xfrm>
-          <a:off x="1067889" y="3019890"/>
-          <a:ext cx="3290335" cy="2743200"/>
+          <a:off x="715387" y="3019889"/>
+          <a:ext cx="3642837" cy="3369035"/>
         </p:xfrm>
         <a:graphic>
           <a:graphicData uri="http://schemas.openxmlformats.org/drawingml/2006/chart">
@@ -16419,14 +20152,14 @@
           <p:nvPr>
             <p:extLst>
               <p:ext uri="{D42A27DB-BD31-4B8C-83A1-F6EECF244321}">
-                <p14:modId xmlns:p14="http://schemas.microsoft.com/office/powerpoint/2010/main" val="963917087"/>
+                <p14:modId xmlns:p14="http://schemas.microsoft.com/office/powerpoint/2010/main" val="1979988939"/>
               </p:ext>
             </p:extLst>
           </p:nvPr>
         </p:nvGraphicFramePr>
         <p:xfrm>
-          <a:off x="4501671" y="3019890"/>
-          <a:ext cx="3308764" cy="2743200"/>
+          <a:off x="4501670" y="3019889"/>
+          <a:ext cx="3332107" cy="3511539"/>
         </p:xfrm>
         <a:graphic>
           <a:graphicData uri="http://schemas.openxmlformats.org/drawingml/2006/chart">
@@ -16436,10 +20169,10 @@
       </p:graphicFrame>
       <p:graphicFrame>
         <p:nvGraphicFramePr>
-          <p:cNvPr id="11" name="Chart 10">
+          <p:cNvPr id="6" name="Chart 5">
             <a:extLst>
               <a:ext uri="{FF2B5EF4-FFF2-40B4-BE49-F238E27FC236}">
-                <a16:creationId xmlns:a16="http://schemas.microsoft.com/office/drawing/2014/main" id="{36136369-62CC-E91D-FCC0-62BC0203B0E3}"/>
+                <a16:creationId xmlns:a16="http://schemas.microsoft.com/office/drawing/2014/main" id="{6C75DA43-DE0B-1D86-15C6-953132CAC903}"/>
               </a:ext>
             </a:extLst>
           </p:cNvPr>
@@ -16449,14 +20182,14 @@
           <p:nvPr>
             <p:extLst>
               <p:ext uri="{D42A27DB-BD31-4B8C-83A1-F6EECF244321}">
-                <p14:modId xmlns:p14="http://schemas.microsoft.com/office/powerpoint/2010/main" val="1735982999"/>
+                <p14:modId xmlns:p14="http://schemas.microsoft.com/office/powerpoint/2010/main" val="3969580091"/>
               </p:ext>
             </p:extLst>
           </p:nvPr>
         </p:nvGraphicFramePr>
         <p:xfrm>
-          <a:off x="8097329" y="2956632"/>
-          <a:ext cx="3379284" cy="2743200"/>
+          <a:off x="7833777" y="3069420"/>
+          <a:ext cx="4090368" cy="3319504"/>
         </p:xfrm>
         <a:graphic>
           <a:graphicData uri="http://schemas.openxmlformats.org/drawingml/2006/chart">
@@ -16480,25 +20213,6 @@
 <file path=ppt/slides/slide7.xml><?xml version="1.0" encoding="utf-8"?>
 <p:sld xmlns:a="http://schemas.openxmlformats.org/drawingml/2006/main" xmlns:r="http://schemas.openxmlformats.org/officeDocument/2006/relationships" xmlns:p="http://schemas.openxmlformats.org/presentationml/2006/main">
   <p:cSld>
-    <p:bg>
-      <p:bgPr>
-        <a:blipFill rotWithShape="1">
-          <a:blip r:embed="rId2">
-            <a:duotone>
-              <a:schemeClr val="bg1">
-                <a:shade val="80000"/>
-                <a:lumMod val="80000"/>
-              </a:schemeClr>
-              <a:schemeClr val="bg1">
-                <a:tint val="98000"/>
-              </a:schemeClr>
-            </a:duotone>
-          </a:blip>
-          <a:stretch/>
-        </a:blipFill>
-        <a:effectLst/>
-      </p:bgPr>
-    </p:bg>
     <p:spTree>
       <p:nvGrpSpPr>
         <p:cNvPr id="1" name=""/>
@@ -16513,72 +20227,12 @@
           <a:chExt cx="0" cy="0"/>
         </a:xfrm>
       </p:grpSpPr>
-      <p:sp useBgFill="1">
-        <p:nvSpPr>
-          <p:cNvPr id="11" name="Rectangle 10">
-            <a:extLst>
-              <a:ext uri="{FF2B5EF4-FFF2-40B4-BE49-F238E27FC236}">
-                <a16:creationId xmlns:a16="http://schemas.microsoft.com/office/drawing/2014/main" id="{3A7F5D76-1FEC-470A-B476-70574A89C72A}"/>
-              </a:ext>
-              <a:ext uri="{C183D7F6-B498-43B3-948B-1728B52AA6E4}">
-                <adec:decorative xmlns:adec="http://schemas.microsoft.com/office/drawing/2017/decorative" val="1"/>
-              </a:ext>
-            </a:extLst>
-          </p:cNvPr>
-          <p:cNvSpPr>
-            <a:spLocks noGrp="1" noRot="1" noChangeAspect="1" noMove="1" noResize="1" noEditPoints="1" noAdjustHandles="1" noChangeArrowheads="1" noChangeShapeType="1" noTextEdit="1"/>
-          </p:cNvSpPr>
-          <p:nvPr>
-            <p:extLst>
-              <p:ext uri="{386F3935-93C4-4BCD-93E2-E3B085C9AB24}">
-                <p16:designElem xmlns:p16="http://schemas.microsoft.com/office/powerpoint/2015/main" val="1"/>
-              </p:ext>
-            </p:extLst>
-          </p:nvPr>
-        </p:nvSpPr>
-        <p:spPr>
-          <a:xfrm>
-            <a:off x="0" y="0"/>
-            <a:ext cx="12192000" cy="6858000"/>
-          </a:xfrm>
-          <a:prstGeom prst="rect">
-            <a:avLst/>
-          </a:prstGeom>
-          <a:ln>
-            <a:noFill/>
-          </a:ln>
-        </p:spPr>
-        <p:style>
-          <a:lnRef idx="2">
-            <a:schemeClr val="accent1">
-              <a:shade val="50000"/>
-            </a:schemeClr>
-          </a:lnRef>
-          <a:fillRef idx="1">
-            <a:schemeClr val="accent1"/>
-          </a:fillRef>
-          <a:effectRef idx="0">
-            <a:schemeClr val="accent1"/>
-          </a:effectRef>
-          <a:fontRef idx="minor">
-            <a:schemeClr val="lt1"/>
-          </a:fontRef>
-        </p:style>
-        <p:txBody>
-          <a:bodyPr rtlCol="0" anchor="ctr"/>
-          <a:lstStyle/>
-          <a:p>
-            <a:pPr algn="ctr"/>
-            <a:endParaRPr lang="en-US"/>
-          </a:p>
-        </p:txBody>
-      </p:sp>
       <p:sp>
         <p:nvSpPr>
           <p:cNvPr id="2" name="Title 1">
             <a:extLst>
               <a:ext uri="{FF2B5EF4-FFF2-40B4-BE49-F238E27FC236}">
-                <a16:creationId xmlns:a16="http://schemas.microsoft.com/office/drawing/2014/main" id="{B77AB14D-E160-7629-AEAB-6350223109E7}"/>
+                <a16:creationId xmlns:a16="http://schemas.microsoft.com/office/drawing/2014/main" id="{A25A2640-4529-D0AB-FC30-FC4A073BC013}"/>
               </a:ext>
             </a:extLst>
           </p:cNvPr>
@@ -16589,31 +20243,24 @@
             <p:ph type="title"/>
           </p:nvPr>
         </p:nvSpPr>
-        <p:spPr>
-          <a:xfrm>
-            <a:off x="913795" y="609600"/>
-            <a:ext cx="10353762" cy="1257300"/>
-          </a:xfrm>
-        </p:spPr>
+        <p:spPr/>
         <p:txBody>
-          <a:bodyPr>
-            <a:normAutofit/>
-          </a:bodyPr>
+          <a:bodyPr/>
           <a:lstStyle/>
           <a:p>
             <a:r>
               <a:rPr lang="en-US" dirty="0"/>
-              <a:t>Movie Genres </a:t>
+              <a:t>Bottom 3 Box Office Gross </a:t>
             </a:r>
           </a:p>
         </p:txBody>
       </p:sp>
       <p:sp>
         <p:nvSpPr>
-          <p:cNvPr id="8" name="Content Placeholder 7">
+          <p:cNvPr id="3" name="Text Placeholder 2">
             <a:extLst>
               <a:ext uri="{FF2B5EF4-FFF2-40B4-BE49-F238E27FC236}">
-                <a16:creationId xmlns:a16="http://schemas.microsoft.com/office/drawing/2014/main" id="{83433C83-0823-150A-6874-342D5BBBE190}"/>
+                <a16:creationId xmlns:a16="http://schemas.microsoft.com/office/drawing/2014/main" id="{7BE81468-5435-94D1-F6F6-DE8DCB5CF3AC}"/>
               </a:ext>
             </a:extLst>
           </p:cNvPr>
@@ -16621,31 +20268,83 @@
             <a:spLocks noGrp="1"/>
           </p:cNvSpPr>
           <p:nvPr>
-            <p:ph idx="1"/>
+            <p:ph type="body" idx="1"/>
           </p:nvPr>
         </p:nvSpPr>
-        <p:spPr>
-          <a:xfrm>
-            <a:off x="913795" y="2132822"/>
-            <a:ext cx="5546272" cy="3658378"/>
-          </a:xfrm>
-        </p:spPr>
+        <p:spPr/>
         <p:txBody>
-          <a:bodyPr anchor="ctr">
-            <a:normAutofit/>
-          </a:bodyPr>
+          <a:bodyPr/>
           <a:lstStyle/>
           <a:p>
-            <a:endParaRPr lang="en-US"/>
+            <a:r>
+              <a:rPr lang="en-US" dirty="0"/>
+              <a:t>Big Budget </a:t>
+            </a:r>
+          </a:p>
+        </p:txBody>
+      </p:sp>
+      <p:sp>
+        <p:nvSpPr>
+          <p:cNvPr id="5" name="Text Placeholder 4">
+            <a:extLst>
+              <a:ext uri="{FF2B5EF4-FFF2-40B4-BE49-F238E27FC236}">
+                <a16:creationId xmlns:a16="http://schemas.microsoft.com/office/drawing/2014/main" id="{5B629840-23E5-8753-256D-AAE4FF27727E}"/>
+              </a:ext>
+            </a:extLst>
+          </p:cNvPr>
+          <p:cNvSpPr>
+            <a:spLocks noGrp="1"/>
+          </p:cNvSpPr>
+          <p:nvPr>
+            <p:ph type="body" sz="quarter" idx="3"/>
+          </p:nvPr>
+        </p:nvSpPr>
+        <p:spPr/>
+        <p:txBody>
+          <a:bodyPr/>
+          <a:lstStyle/>
+          <a:p>
+            <a:r>
+              <a:rPr lang="en-US" dirty="0"/>
+              <a:t>Medium Budget</a:t>
+            </a:r>
+          </a:p>
+        </p:txBody>
+      </p:sp>
+      <p:sp>
+        <p:nvSpPr>
+          <p:cNvPr id="7" name="Text Placeholder 6">
+            <a:extLst>
+              <a:ext uri="{FF2B5EF4-FFF2-40B4-BE49-F238E27FC236}">
+                <a16:creationId xmlns:a16="http://schemas.microsoft.com/office/drawing/2014/main" id="{0CB79667-259D-454F-022F-ECB20961AE15}"/>
+              </a:ext>
+            </a:extLst>
+          </p:cNvPr>
+          <p:cNvSpPr>
+            <a:spLocks noGrp="1"/>
+          </p:cNvSpPr>
+          <p:nvPr>
+            <p:ph type="body" sz="quarter" idx="13"/>
+          </p:nvPr>
+        </p:nvSpPr>
+        <p:spPr/>
+        <p:txBody>
+          <a:bodyPr/>
+          <a:lstStyle/>
+          <a:p>
+            <a:r>
+              <a:rPr lang="en-US" dirty="0"/>
+              <a:t>Small Budget</a:t>
+            </a:r>
           </a:p>
         </p:txBody>
       </p:sp>
       <p:graphicFrame>
         <p:nvGraphicFramePr>
-          <p:cNvPr id="3" name="Chart 2">
+          <p:cNvPr id="9" name="Chart 8">
             <a:extLst>
               <a:ext uri="{FF2B5EF4-FFF2-40B4-BE49-F238E27FC236}">
-                <a16:creationId xmlns:a16="http://schemas.microsoft.com/office/drawing/2014/main" id="{BBEFD36D-78E2-D21A-793B-DB546C8715DE}"/>
+                <a16:creationId xmlns:a16="http://schemas.microsoft.com/office/drawing/2014/main" id="{A64C6579-E86B-1E3A-4962-340D415298CC}"/>
               </a:ext>
             </a:extLst>
           </p:cNvPr>
@@ -16655,14 +20354,44 @@
           <p:nvPr>
             <p:extLst>
               <p:ext uri="{D42A27DB-BD31-4B8C-83A1-F6EECF244321}">
-                <p14:modId xmlns:p14="http://schemas.microsoft.com/office/powerpoint/2010/main" val="4274684800"/>
+                <p14:modId xmlns:p14="http://schemas.microsoft.com/office/powerpoint/2010/main" val="861386781"/>
               </p:ext>
             </p:extLst>
           </p:nvPr>
         </p:nvGraphicFramePr>
         <p:xfrm>
-          <a:off x="6762750" y="2132822"/>
-          <a:ext cx="4897582" cy="3525028"/>
+          <a:off x="924444" y="2881479"/>
+          <a:ext cx="3308763" cy="3500849"/>
+        </p:xfrm>
+        <a:graphic>
+          <a:graphicData uri="http://schemas.openxmlformats.org/drawingml/2006/chart">
+            <c:chart xmlns:c="http://schemas.openxmlformats.org/drawingml/2006/chart" xmlns:r="http://schemas.openxmlformats.org/officeDocument/2006/relationships" r:id="rId2"/>
+          </a:graphicData>
+        </a:graphic>
+      </p:graphicFrame>
+      <p:graphicFrame>
+        <p:nvGraphicFramePr>
+          <p:cNvPr id="13" name="Chart 12">
+            <a:extLst>
+              <a:ext uri="{FF2B5EF4-FFF2-40B4-BE49-F238E27FC236}">
+                <a16:creationId xmlns:a16="http://schemas.microsoft.com/office/drawing/2014/main" id="{72F4B3BE-2CE3-59F1-4DA6-18A28B978224}"/>
+              </a:ext>
+            </a:extLst>
+          </p:cNvPr>
+          <p:cNvGraphicFramePr>
+            <a:graphicFrameLocks/>
+          </p:cNvGraphicFramePr>
+          <p:nvPr>
+            <p:extLst>
+              <p:ext uri="{D42A27DB-BD31-4B8C-83A1-F6EECF244321}">
+                <p14:modId xmlns:p14="http://schemas.microsoft.com/office/powerpoint/2010/main" val="2502065098"/>
+              </p:ext>
+            </p:extLst>
+          </p:nvPr>
+        </p:nvGraphicFramePr>
+        <p:xfrm>
+          <a:off x="7982497" y="2794793"/>
+          <a:ext cx="4052485" cy="3800892"/>
         </p:xfrm>
         <a:graphic>
           <a:graphicData uri="http://schemas.openxmlformats.org/drawingml/2006/chart">
@@ -16670,10 +20399,40 @@
           </a:graphicData>
         </a:graphic>
       </p:graphicFrame>
+      <p:graphicFrame>
+        <p:nvGraphicFramePr>
+          <p:cNvPr id="14" name="Chart 13">
+            <a:extLst>
+              <a:ext uri="{FF2B5EF4-FFF2-40B4-BE49-F238E27FC236}">
+                <a16:creationId xmlns:a16="http://schemas.microsoft.com/office/drawing/2014/main" id="{08D286D7-88FB-61C5-904D-408A4F56C686}"/>
+              </a:ext>
+            </a:extLst>
+          </p:cNvPr>
+          <p:cNvGraphicFramePr>
+            <a:graphicFrameLocks/>
+          </p:cNvGraphicFramePr>
+          <p:nvPr>
+            <p:extLst>
+              <p:ext uri="{D42A27DB-BD31-4B8C-83A1-F6EECF244321}">
+                <p14:modId xmlns:p14="http://schemas.microsoft.com/office/powerpoint/2010/main" val="3004725420"/>
+              </p:ext>
+            </p:extLst>
+          </p:nvPr>
+        </p:nvGraphicFramePr>
+        <p:xfrm>
+          <a:off x="4209504" y="2837576"/>
+          <a:ext cx="3837709" cy="3544752"/>
+        </p:xfrm>
+        <a:graphic>
+          <a:graphicData uri="http://schemas.openxmlformats.org/drawingml/2006/chart">
+            <c:chart xmlns:c="http://schemas.openxmlformats.org/drawingml/2006/chart" xmlns:r="http://schemas.openxmlformats.org/officeDocument/2006/relationships" r:id="rId4"/>
+          </a:graphicData>
+        </a:graphic>
+      </p:graphicFrame>
     </p:spTree>
     <p:extLst>
       <p:ext uri="{BB962C8B-B14F-4D97-AF65-F5344CB8AC3E}">
-        <p14:creationId xmlns:p14="http://schemas.microsoft.com/office/powerpoint/2010/main" val="2743439166"/>
+        <p14:creationId xmlns:p14="http://schemas.microsoft.com/office/powerpoint/2010/main" val="1255282031"/>
       </p:ext>
     </p:extLst>
   </p:cSld>
@@ -16735,7 +20494,12 @@
             <p:ph type="title"/>
           </p:nvPr>
         </p:nvSpPr>
-        <p:spPr/>
+        <p:spPr>
+          <a:xfrm>
+            <a:off x="919119" y="8951"/>
+            <a:ext cx="10353762" cy="1261872"/>
+          </a:xfrm>
+        </p:spPr>
         <p:txBody>
           <a:bodyPr>
             <a:normAutofit/>
@@ -16767,19 +20531,98 @@
         </p:nvSpPr>
         <p:spPr/>
         <p:txBody>
-          <a:bodyPr/>
+          <a:bodyPr>
+            <a:normAutofit fontScale="85000" lnSpcReduction="10000"/>
+          </a:bodyPr>
           <a:lstStyle/>
           <a:p>
-            <a:endParaRPr lang="en-US"/>
+            <a:r>
+              <a:rPr lang="en-US" sz="2400" dirty="0"/>
+              <a:t>15.52% of Horror (58*) movies lost money</a:t>
+            </a:r>
+          </a:p>
+          <a:p>
+            <a:r>
+              <a:rPr lang="en-US" sz="2400" dirty="0"/>
+              <a:t>23.53% of Musicals (17*) movies lost money</a:t>
+            </a:r>
+          </a:p>
+          <a:p>
+            <a:r>
+              <a:rPr lang="en-US" sz="2400" dirty="0"/>
+              <a:t>9.3% of Romantic Comedy (43*) movies lost money</a:t>
+            </a:r>
+          </a:p>
+          <a:p>
+            <a:r>
+              <a:rPr lang="en-US" sz="2400" dirty="0"/>
+              <a:t>5.45% of Adventure (165*) movies lost money</a:t>
+            </a:r>
+          </a:p>
+          <a:p>
+            <a:r>
+              <a:rPr lang="en-US" sz="2400" dirty="0"/>
+              <a:t>22.03% of Drama (236*) movies lost money</a:t>
+            </a:r>
+          </a:p>
+          <a:p>
+            <a:endParaRPr lang="en-US" sz="2400" dirty="0"/>
+          </a:p>
+          <a:p>
+            <a:endParaRPr lang="en-US" sz="2400" dirty="0"/>
+          </a:p>
+          <a:p>
+            <a:endParaRPr lang="en-US" sz="2400" dirty="0"/>
+          </a:p>
+          <a:p>
+            <a:endParaRPr lang="en-US" sz="2400" dirty="0"/>
+          </a:p>
+          <a:p>
+            <a:endParaRPr lang="en-US" dirty="0"/>
+          </a:p>
+        </p:txBody>
+      </p:sp>
+      <p:sp>
+        <p:nvSpPr>
+          <p:cNvPr id="3" name="TextBox 2">
+            <a:extLst>
+              <a:ext uri="{FF2B5EF4-FFF2-40B4-BE49-F238E27FC236}">
+                <a16:creationId xmlns:a16="http://schemas.microsoft.com/office/drawing/2014/main" id="{199F02D7-8977-F231-073E-CBA608FE15EA}"/>
+              </a:ext>
+            </a:extLst>
+          </p:cNvPr>
+          <p:cNvSpPr txBox="1"/>
+          <p:nvPr/>
+        </p:nvSpPr>
+        <p:spPr>
+          <a:xfrm>
+            <a:off x="0" y="6378369"/>
+            <a:ext cx="4301044" cy="369332"/>
+          </a:xfrm>
+          <a:prstGeom prst="rect">
+            <a:avLst/>
+          </a:prstGeom>
+          <a:noFill/>
+        </p:spPr>
+        <p:txBody>
+          <a:bodyPr wrap="square" rtlCol="0">
+            <a:spAutoFit/>
+          </a:bodyPr>
+          <a:lstStyle/>
+          <a:p>
+            <a:r>
+              <a:rPr lang="en-US" dirty="0"/>
+              <a:t>* total number of movies in each budget</a:t>
+            </a:r>
           </a:p>
         </p:txBody>
       </p:sp>
       <p:graphicFrame>
         <p:nvGraphicFramePr>
-          <p:cNvPr id="7" name="Chart 6">
+          <p:cNvPr id="4" name="Chart 3">
             <a:extLst>
               <a:ext uri="{FF2B5EF4-FFF2-40B4-BE49-F238E27FC236}">
-                <a16:creationId xmlns:a16="http://schemas.microsoft.com/office/drawing/2014/main" id="{2A2198E4-B091-D22D-7928-4EEE15131C16}"/>
+                <a16:creationId xmlns:a16="http://schemas.microsoft.com/office/drawing/2014/main" id="{2B40769F-0E6A-3597-B9B1-AAE46ADD2B96}"/>
               </a:ext>
             </a:extLst>
           </p:cNvPr>
@@ -16789,18 +20632,48 @@
           <p:nvPr>
             <p:extLst>
               <p:ext uri="{D42A27DB-BD31-4B8C-83A1-F6EECF244321}">
-                <p14:modId xmlns:p14="http://schemas.microsoft.com/office/powerpoint/2010/main" val="1995404661"/>
+                <p14:modId xmlns:p14="http://schemas.microsoft.com/office/powerpoint/2010/main" val="2064915767"/>
               </p:ext>
             </p:extLst>
           </p:nvPr>
         </p:nvGraphicFramePr>
         <p:xfrm>
-          <a:off x="6090676" y="1792285"/>
-          <a:ext cx="5848350" cy="4191000"/>
+          <a:off x="5864532" y="1381605"/>
+          <a:ext cx="5599876" cy="2859954"/>
         </p:xfrm>
         <a:graphic>
           <a:graphicData uri="http://schemas.openxmlformats.org/drawingml/2006/chart">
             <c:chart xmlns:c="http://schemas.openxmlformats.org/drawingml/2006/chart" xmlns:r="http://schemas.openxmlformats.org/officeDocument/2006/relationships" r:id="rId3"/>
+          </a:graphicData>
+        </a:graphic>
+      </p:graphicFrame>
+      <p:graphicFrame>
+        <p:nvGraphicFramePr>
+          <p:cNvPr id="6" name="Chart 5">
+            <a:extLst>
+              <a:ext uri="{FF2B5EF4-FFF2-40B4-BE49-F238E27FC236}">
+                <a16:creationId xmlns:a16="http://schemas.microsoft.com/office/drawing/2014/main" id="{476F6E8F-84EC-1355-A921-39E53E3A8395}"/>
+              </a:ext>
+            </a:extLst>
+          </p:cNvPr>
+          <p:cNvGraphicFramePr>
+            <a:graphicFrameLocks/>
+          </p:cNvGraphicFramePr>
+          <p:nvPr>
+            <p:extLst>
+              <p:ext uri="{D42A27DB-BD31-4B8C-83A1-F6EECF244321}">
+                <p14:modId xmlns:p14="http://schemas.microsoft.com/office/powerpoint/2010/main" val="3186324356"/>
+              </p:ext>
+            </p:extLst>
+          </p:nvPr>
+        </p:nvGraphicFramePr>
+        <p:xfrm>
+          <a:off x="5606474" y="4241559"/>
+          <a:ext cx="6115992" cy="2616441"/>
+        </p:xfrm>
+        <a:graphic>
+          <a:graphicData uri="http://schemas.openxmlformats.org/drawingml/2006/chart">
+            <c:chart xmlns:c="http://schemas.openxmlformats.org/drawingml/2006/chart" xmlns:r="http://schemas.openxmlformats.org/officeDocument/2006/relationships" r:id="rId4"/>
           </a:graphicData>
         </a:graphic>
       </p:graphicFrame>
@@ -17381,21 +21254,21 @@
 </file>
 
 <file path=customXml/item1.xml><?xml version="1.0" encoding="utf-8"?>
+<?mso-contentType ?>
+<FormTemplates xmlns="http://schemas.microsoft.com/sharepoint/v3/contenttype/forms">
+  <Display>DocumentLibraryForm</Display>
+  <Edit>DocumentLibraryForm</Edit>
+  <New>DocumentLibraryForm</New>
+</FormTemplates>
+</file>
+
+<file path=customXml/item2.xml><?xml version="1.0" encoding="utf-8"?>
 <p:properties xmlns:p="http://schemas.microsoft.com/office/2006/metadata/properties" xmlns:xsi="http://www.w3.org/2001/XMLSchema-instance" xmlns:pc="http://schemas.microsoft.com/office/infopath/2007/PartnerControls">
   <documentManagement>
     <Status xmlns="71af3243-3dd4-4a8d-8c0d-dd76da1f02a5">Not started</Status>
     <MediaServiceKeyPoints xmlns="71af3243-3dd4-4a8d-8c0d-dd76da1f02a5" xsi:nil="true"/>
   </documentManagement>
 </p:properties>
-</file>
-
-<file path=customXml/item2.xml><?xml version="1.0" encoding="utf-8"?>
-<?mso-contentType ?>
-<FormTemplates xmlns="http://schemas.microsoft.com/sharepoint/v3/contenttype/forms">
-  <Display>DocumentLibraryForm</Display>
-  <Edit>DocumentLibraryForm</Edit>
-  <New>DocumentLibraryForm</New>
-</FormTemplates>
 </file>
 
 <file path=customXml/item3.xml><?xml version="1.0" encoding="utf-8"?>
@@ -17620,19 +21493,19 @@
 </file>
 
 <file path=customXml/itemProps1.xml><?xml version="1.0" encoding="utf-8"?>
+<ds:datastoreItem xmlns:ds="http://schemas.openxmlformats.org/officeDocument/2006/customXml" ds:itemID="{64B270AB-C138-415C-897E-3C24487DECF1}">
+  <ds:schemaRefs>
+    <ds:schemaRef ds:uri="http://schemas.microsoft.com/sharepoint/v3/contenttype/forms"/>
+  </ds:schemaRefs>
+</ds:datastoreItem>
+</file>
+
+<file path=customXml/itemProps2.xml><?xml version="1.0" encoding="utf-8"?>
 <ds:datastoreItem xmlns:ds="http://schemas.openxmlformats.org/officeDocument/2006/customXml" ds:itemID="{2C4C00F4-06E9-43E3-AD97-88A857CEFA82}">
   <ds:schemaRefs>
     <ds:schemaRef ds:uri="http://schemas.microsoft.com/office/2006/metadata/properties"/>
     <ds:schemaRef ds:uri="http://schemas.microsoft.com/office/infopath/2007/PartnerControls"/>
     <ds:schemaRef ds:uri="71af3243-3dd4-4a8d-8c0d-dd76da1f02a5"/>
-  </ds:schemaRefs>
-</ds:datastoreItem>
-</file>
-
-<file path=customXml/itemProps2.xml><?xml version="1.0" encoding="utf-8"?>
-<ds:datastoreItem xmlns:ds="http://schemas.openxmlformats.org/officeDocument/2006/customXml" ds:itemID="{64B270AB-C138-415C-897E-3C24487DECF1}">
-  <ds:schemaRefs>
-    <ds:schemaRef ds:uri="http://schemas.microsoft.com/sharepoint/v3/contenttype/forms"/>
   </ds:schemaRefs>
 </ds:datastoreItem>
 </file>
